--- a/CountryIntroduction/HondurasPrez.pptx
+++ b/CountryIntroduction/HondurasPrez.pptx
@@ -5,15 +5,18 @@
     <p:sldMasterId id="2147483648" r:id="rId1"/>
   </p:sldMasterIdLst>
   <p:notesMasterIdLst>
-    <p:notesMasterId r:id="rId8"/>
+    <p:notesMasterId r:id="rId11"/>
   </p:notesMasterIdLst>
   <p:sldIdLst>
     <p:sldId id="256" r:id="rId2"/>
     <p:sldId id="257" r:id="rId3"/>
-    <p:sldId id="258" r:id="rId4"/>
-    <p:sldId id="259" r:id="rId5"/>
-    <p:sldId id="260" r:id="rId6"/>
-    <p:sldId id="261" r:id="rId7"/>
+    <p:sldId id="262" r:id="rId4"/>
+    <p:sldId id="263" r:id="rId5"/>
+    <p:sldId id="268" r:id="rId6"/>
+    <p:sldId id="264" r:id="rId7"/>
+    <p:sldId id="265" r:id="rId8"/>
+    <p:sldId id="266" r:id="rId9"/>
+    <p:sldId id="267" r:id="rId10"/>
   </p:sldIdLst>
   <p:sldSz cx="12192000" cy="6858000"/>
   <p:notesSz cx="6858000" cy="9144000"/>
@@ -112,6 +115,11 @@
       </a:defRPr>
     </a:lvl9pPr>
   </p:defaultTextStyle>
+  <p:extLst>
+    <p:ext uri="{EFAFB233-063F-42B5-8137-9DF3F51BA10A}">
+      <p15:sldGuideLst xmlns:p15="http://schemas.microsoft.com/office/powerpoint/2012/main"/>
+    </p:ext>
+  </p:extLst>
 </p:presentation>
 </file>
 
@@ -540,6 +548,840 @@
     <p:extLst>
       <p:ext uri="{BB962C8B-B14F-4D97-AF65-F5344CB8AC3E}">
         <p14:creationId xmlns:p14="http://schemas.microsoft.com/office/powerpoint/2010/main" val="16323777"/>
+      </p:ext>
+    </p:extLst>
+  </p:cSld>
+  <p:clrMapOvr>
+    <a:masterClrMapping/>
+  </p:clrMapOvr>
+</p:notes>
+</file>
+
+<file path=ppt/notesSlides/notesSlide2.xml><?xml version="1.0" encoding="utf-8"?>
+<p:notes xmlns:a="http://schemas.openxmlformats.org/drawingml/2006/main" xmlns:r="http://schemas.openxmlformats.org/officeDocument/2006/relationships" xmlns:p="http://schemas.openxmlformats.org/presentationml/2006/main">
+  <p:cSld>
+    <p:spTree>
+      <p:nvGrpSpPr>
+        <p:cNvPr id="1" name=""/>
+        <p:cNvGrpSpPr/>
+        <p:nvPr/>
+      </p:nvGrpSpPr>
+      <p:grpSpPr>
+        <a:xfrm>
+          <a:off x="0" y="0"/>
+          <a:ext cx="0" cy="0"/>
+          <a:chOff x="0" y="0"/>
+          <a:chExt cx="0" cy="0"/>
+        </a:xfrm>
+      </p:grpSpPr>
+      <p:sp>
+        <p:nvSpPr>
+          <p:cNvPr id="2" name="Slide Image Placeholder 1"/>
+          <p:cNvSpPr>
+            <a:spLocks noGrp="1" noRot="1" noChangeAspect="1"/>
+          </p:cNvSpPr>
+          <p:nvPr>
+            <p:ph type="sldImg"/>
+          </p:nvPr>
+        </p:nvSpPr>
+        <p:spPr/>
+      </p:sp>
+      <p:sp>
+        <p:nvSpPr>
+          <p:cNvPr id="3" name="Notes Placeholder 2"/>
+          <p:cNvSpPr>
+            <a:spLocks noGrp="1"/>
+          </p:cNvSpPr>
+          <p:nvPr>
+            <p:ph type="body" idx="1"/>
+          </p:nvPr>
+        </p:nvSpPr>
+        <p:spPr/>
+        <p:txBody>
+          <a:bodyPr/>
+          <a:lstStyle/>
+          <a:p>
+            <a:r>
+              <a:rPr lang="en-CA" dirty="0"/>
+              <a:t>Economy: Accounts for 14% of the GDP</a:t>
+            </a:r>
+          </a:p>
+          <a:p>
+            <a:r>
+              <a:rPr lang="en-CA" dirty="0"/>
+              <a:t>Significant Exports: Bananas, shrimps, coffee.</a:t>
+            </a:r>
+          </a:p>
+          <a:p>
+            <a:r>
+              <a:rPr lang="en-CA" dirty="0"/>
+              <a:t>Has extensive forests, mines and minerals</a:t>
+            </a:r>
+          </a:p>
+        </p:txBody>
+      </p:sp>
+      <p:sp>
+        <p:nvSpPr>
+          <p:cNvPr id="4" name="Slide Number Placeholder 3"/>
+          <p:cNvSpPr>
+            <a:spLocks noGrp="1"/>
+          </p:cNvSpPr>
+          <p:nvPr>
+            <p:ph type="sldNum" sz="quarter" idx="5"/>
+          </p:nvPr>
+        </p:nvSpPr>
+        <p:spPr/>
+        <p:txBody>
+          <a:bodyPr/>
+          <a:lstStyle/>
+          <a:p>
+            <a:fld id="{30F74C3E-9844-400F-AF01-74FC99E81103}" type="slidenum">
+              <a:rPr lang="en-CA" smtClean="0"/>
+              <a:t>2</a:t>
+            </a:fld>
+            <a:endParaRPr lang="en-CA"/>
+          </a:p>
+        </p:txBody>
+      </p:sp>
+    </p:spTree>
+    <p:extLst>
+      <p:ext uri="{BB962C8B-B14F-4D97-AF65-F5344CB8AC3E}">
+        <p14:creationId xmlns:p14="http://schemas.microsoft.com/office/powerpoint/2010/main" val="1992657862"/>
+      </p:ext>
+    </p:extLst>
+  </p:cSld>
+  <p:clrMapOvr>
+    <a:masterClrMapping/>
+  </p:clrMapOvr>
+</p:notes>
+</file>
+
+<file path=ppt/notesSlides/notesSlide3.xml><?xml version="1.0" encoding="utf-8"?>
+<p:notes xmlns:a="http://schemas.openxmlformats.org/drawingml/2006/main" xmlns:r="http://schemas.openxmlformats.org/officeDocument/2006/relationships" xmlns:p="http://schemas.openxmlformats.org/presentationml/2006/main">
+  <p:cSld>
+    <p:spTree>
+      <p:nvGrpSpPr>
+        <p:cNvPr id="1" name=""/>
+        <p:cNvGrpSpPr/>
+        <p:nvPr/>
+      </p:nvGrpSpPr>
+      <p:grpSpPr>
+        <a:xfrm>
+          <a:off x="0" y="0"/>
+          <a:ext cx="0" cy="0"/>
+          <a:chOff x="0" y="0"/>
+          <a:chExt cx="0" cy="0"/>
+        </a:xfrm>
+      </p:grpSpPr>
+      <p:sp>
+        <p:nvSpPr>
+          <p:cNvPr id="2" name="Slide Image Placeholder 1"/>
+          <p:cNvSpPr>
+            <a:spLocks noGrp="1" noRot="1" noChangeAspect="1"/>
+          </p:cNvSpPr>
+          <p:nvPr>
+            <p:ph type="sldImg"/>
+          </p:nvPr>
+        </p:nvSpPr>
+        <p:spPr/>
+      </p:sp>
+      <p:sp>
+        <p:nvSpPr>
+          <p:cNvPr id="3" name="Notes Placeholder 2"/>
+          <p:cNvSpPr>
+            <a:spLocks noGrp="1"/>
+          </p:cNvSpPr>
+          <p:nvPr>
+            <p:ph type="body" idx="1"/>
+          </p:nvPr>
+        </p:nvSpPr>
+        <p:spPr/>
+        <p:txBody>
+          <a:bodyPr/>
+          <a:lstStyle/>
+          <a:p>
+            <a:r>
+              <a:rPr lang="en-CA" dirty="0"/>
+              <a:t>North - Caribbean Sea</a:t>
+            </a:r>
+          </a:p>
+          <a:p>
+            <a:r>
+              <a:rPr lang="en-CA" dirty="0"/>
+              <a:t>South - Pacific Ocean</a:t>
+            </a:r>
+          </a:p>
+          <a:p>
+            <a:r>
+              <a:rPr lang="en-CA" dirty="0"/>
+              <a:t>Middle - Highlands</a:t>
+            </a:r>
+          </a:p>
+        </p:txBody>
+      </p:sp>
+      <p:sp>
+        <p:nvSpPr>
+          <p:cNvPr id="4" name="Slide Number Placeholder 3"/>
+          <p:cNvSpPr>
+            <a:spLocks noGrp="1"/>
+          </p:cNvSpPr>
+          <p:nvPr>
+            <p:ph type="sldNum" sz="quarter" idx="5"/>
+          </p:nvPr>
+        </p:nvSpPr>
+        <p:spPr/>
+        <p:txBody>
+          <a:bodyPr/>
+          <a:lstStyle/>
+          <a:p>
+            <a:fld id="{30F74C3E-9844-400F-AF01-74FC99E81103}" type="slidenum">
+              <a:rPr lang="en-CA" smtClean="0"/>
+              <a:t>3</a:t>
+            </a:fld>
+            <a:endParaRPr lang="en-CA"/>
+          </a:p>
+        </p:txBody>
+      </p:sp>
+    </p:spTree>
+    <p:extLst>
+      <p:ext uri="{BB962C8B-B14F-4D97-AF65-F5344CB8AC3E}">
+        <p14:creationId xmlns:p14="http://schemas.microsoft.com/office/powerpoint/2010/main" val="911082167"/>
+      </p:ext>
+    </p:extLst>
+  </p:cSld>
+  <p:clrMapOvr>
+    <a:masterClrMapping/>
+  </p:clrMapOvr>
+</p:notes>
+</file>
+
+<file path=ppt/notesSlides/notesSlide4.xml><?xml version="1.0" encoding="utf-8"?>
+<p:notes xmlns:a="http://schemas.openxmlformats.org/drawingml/2006/main" xmlns:r="http://schemas.openxmlformats.org/officeDocument/2006/relationships" xmlns:p="http://schemas.openxmlformats.org/presentationml/2006/main">
+  <p:cSld>
+    <p:spTree>
+      <p:nvGrpSpPr>
+        <p:cNvPr id="1" name=""/>
+        <p:cNvGrpSpPr/>
+        <p:nvPr/>
+      </p:nvGrpSpPr>
+      <p:grpSpPr>
+        <a:xfrm>
+          <a:off x="0" y="0"/>
+          <a:ext cx="0" cy="0"/>
+          <a:chOff x="0" y="0"/>
+          <a:chExt cx="0" cy="0"/>
+        </a:xfrm>
+      </p:grpSpPr>
+      <p:sp>
+        <p:nvSpPr>
+          <p:cNvPr id="2" name="Slide Image Placeholder 1"/>
+          <p:cNvSpPr>
+            <a:spLocks noGrp="1" noRot="1" noChangeAspect="1"/>
+          </p:cNvSpPr>
+          <p:nvPr>
+            <p:ph type="sldImg"/>
+          </p:nvPr>
+        </p:nvSpPr>
+        <p:spPr/>
+      </p:sp>
+      <p:sp>
+        <p:nvSpPr>
+          <p:cNvPr id="3" name="Notes Placeholder 2"/>
+          <p:cNvSpPr>
+            <a:spLocks noGrp="1"/>
+          </p:cNvSpPr>
+          <p:nvPr>
+            <p:ph type="body" idx="1"/>
+          </p:nvPr>
+        </p:nvSpPr>
+        <p:spPr/>
+        <p:txBody>
+          <a:bodyPr/>
+          <a:lstStyle/>
+          <a:p>
+            <a:r>
+              <a:rPr lang="en-CA" dirty="0"/>
+              <a:t>Honduran Lempira 1, 2, 5, 10 , 20, 50, 100, 500</a:t>
+            </a:r>
+          </a:p>
+          <a:p>
+            <a:r>
+              <a:rPr lang="en-CA" dirty="0"/>
+              <a:t>Centavos DE Lempira</a:t>
+            </a:r>
+          </a:p>
+        </p:txBody>
+      </p:sp>
+      <p:sp>
+        <p:nvSpPr>
+          <p:cNvPr id="4" name="Slide Number Placeholder 3"/>
+          <p:cNvSpPr>
+            <a:spLocks noGrp="1"/>
+          </p:cNvSpPr>
+          <p:nvPr>
+            <p:ph type="sldNum" sz="quarter" idx="5"/>
+          </p:nvPr>
+        </p:nvSpPr>
+        <p:spPr/>
+        <p:txBody>
+          <a:bodyPr/>
+          <a:lstStyle/>
+          <a:p>
+            <a:fld id="{30F74C3E-9844-400F-AF01-74FC99E81103}" type="slidenum">
+              <a:rPr lang="en-CA" smtClean="0"/>
+              <a:t>4</a:t>
+            </a:fld>
+            <a:endParaRPr lang="en-CA"/>
+          </a:p>
+        </p:txBody>
+      </p:sp>
+    </p:spTree>
+    <p:extLst>
+      <p:ext uri="{BB962C8B-B14F-4D97-AF65-F5344CB8AC3E}">
+        <p14:creationId xmlns:p14="http://schemas.microsoft.com/office/powerpoint/2010/main" val="2938403449"/>
+      </p:ext>
+    </p:extLst>
+  </p:cSld>
+  <p:clrMapOvr>
+    <a:masterClrMapping/>
+  </p:clrMapOvr>
+</p:notes>
+</file>
+
+<file path=ppt/notesSlides/notesSlide5.xml><?xml version="1.0" encoding="utf-8"?>
+<p:notes xmlns:a="http://schemas.openxmlformats.org/drawingml/2006/main" xmlns:r="http://schemas.openxmlformats.org/officeDocument/2006/relationships" xmlns:p="http://schemas.openxmlformats.org/presentationml/2006/main">
+  <p:cSld>
+    <p:spTree>
+      <p:nvGrpSpPr>
+        <p:cNvPr id="1" name=""/>
+        <p:cNvGrpSpPr/>
+        <p:nvPr/>
+      </p:nvGrpSpPr>
+      <p:grpSpPr>
+        <a:xfrm>
+          <a:off x="0" y="0"/>
+          <a:ext cx="0" cy="0"/>
+          <a:chOff x="0" y="0"/>
+          <a:chExt cx="0" cy="0"/>
+        </a:xfrm>
+      </p:grpSpPr>
+      <p:sp>
+        <p:nvSpPr>
+          <p:cNvPr id="2" name="Slide Image Placeholder 1"/>
+          <p:cNvSpPr>
+            <a:spLocks noGrp="1" noRot="1" noChangeAspect="1"/>
+          </p:cNvSpPr>
+          <p:nvPr>
+            <p:ph type="sldImg"/>
+          </p:nvPr>
+        </p:nvSpPr>
+        <p:spPr/>
+      </p:sp>
+      <p:sp>
+        <p:nvSpPr>
+          <p:cNvPr id="3" name="Notes Placeholder 2"/>
+          <p:cNvSpPr>
+            <a:spLocks noGrp="1"/>
+          </p:cNvSpPr>
+          <p:nvPr>
+            <p:ph type="body" idx="1"/>
+          </p:nvPr>
+        </p:nvSpPr>
+        <p:spPr/>
+        <p:txBody>
+          <a:bodyPr/>
+          <a:lstStyle/>
+          <a:p>
+            <a:r>
+              <a:rPr lang="en-CA" dirty="0"/>
+              <a:t>From left to right in order. Two Favorites: </a:t>
+            </a:r>
+          </a:p>
+          <a:p>
+            <a:r>
+              <a:rPr lang="en-CA" sz="1800" dirty="0">
+                <a:effectLst/>
+                <a:latin typeface="Calibri" panose="020F0502020204030204" pitchFamily="34" charset="0"/>
+                <a:ea typeface="Calibri" panose="020F0502020204030204" pitchFamily="34" charset="0"/>
+                <a:cs typeface="Times New Roman" panose="02020603050405020304" pitchFamily="18" charset="0"/>
+              </a:rPr>
+              <a:t>The Honduran </a:t>
+            </a:r>
+            <a:r>
+              <a:rPr lang="en-CA" sz="1800" dirty="0" err="1">
+                <a:effectLst/>
+                <a:latin typeface="Calibri" panose="020F0502020204030204" pitchFamily="34" charset="0"/>
+                <a:ea typeface="Calibri" panose="020F0502020204030204" pitchFamily="34" charset="0"/>
+                <a:cs typeface="Times New Roman" panose="02020603050405020304" pitchFamily="18" charset="0"/>
+              </a:rPr>
+              <a:t>baleadas</a:t>
+            </a:r>
+            <a:r>
+              <a:rPr lang="en-CA" sz="1800" dirty="0">
+                <a:effectLst/>
+                <a:latin typeface="Calibri" panose="020F0502020204030204" pitchFamily="34" charset="0"/>
+                <a:ea typeface="Calibri" panose="020F0502020204030204" pitchFamily="34" charset="0"/>
+                <a:cs typeface="Times New Roman" panose="02020603050405020304" pitchFamily="18" charset="0"/>
+              </a:rPr>
+              <a:t> are a classic, made up of refried beans, </a:t>
+            </a:r>
+            <a:r>
+              <a:rPr lang="en-CA" sz="1800" dirty="0" err="1">
+                <a:effectLst/>
+                <a:latin typeface="Calibri" panose="020F0502020204030204" pitchFamily="34" charset="0"/>
+                <a:ea typeface="Calibri" panose="020F0502020204030204" pitchFamily="34" charset="0"/>
+                <a:cs typeface="Times New Roman" panose="02020603050405020304" pitchFamily="18" charset="0"/>
+              </a:rPr>
+              <a:t>mantequilla</a:t>
+            </a:r>
+            <a:r>
+              <a:rPr lang="en-CA" sz="1800" dirty="0">
+                <a:effectLst/>
+                <a:latin typeface="Calibri" panose="020F0502020204030204" pitchFamily="34" charset="0"/>
+                <a:ea typeface="Calibri" panose="020F0502020204030204" pitchFamily="34" charset="0"/>
+                <a:cs typeface="Times New Roman" panose="02020603050405020304" pitchFamily="18" charset="0"/>
+              </a:rPr>
+              <a:t>, cheese, avocado, scrambled eggs and chorizo or steak, all folded into flour handmade tortillas, they are simply the best delicacy around</a:t>
+            </a:r>
+          </a:p>
+          <a:p>
+            <a:r>
+              <a:rPr lang="en-CA" sz="1800" dirty="0">
+                <a:effectLst/>
+                <a:latin typeface="Calibri" panose="020F0502020204030204" pitchFamily="34" charset="0"/>
+                <a:cs typeface="Times New Roman" panose="02020603050405020304" pitchFamily="18" charset="0"/>
+              </a:rPr>
+              <a:t>Tamales: </a:t>
+            </a:r>
+            <a:r>
+              <a:rPr lang="en-CA" sz="1800" dirty="0">
+                <a:effectLst/>
+                <a:latin typeface="Calibri" panose="020F0502020204030204" pitchFamily="34" charset="0"/>
+                <a:ea typeface="Calibri" panose="020F0502020204030204" pitchFamily="34" charset="0"/>
+                <a:cs typeface="Times New Roman" panose="02020603050405020304" pitchFamily="18" charset="0"/>
+              </a:rPr>
+              <a:t>shaped and wrapped in plantain leaves, made of corn dough and filled with chicken, pork, and beans</a:t>
+            </a:r>
+            <a:endParaRPr lang="en-CA" dirty="0"/>
+          </a:p>
+        </p:txBody>
+      </p:sp>
+      <p:sp>
+        <p:nvSpPr>
+          <p:cNvPr id="4" name="Slide Number Placeholder 3"/>
+          <p:cNvSpPr>
+            <a:spLocks noGrp="1"/>
+          </p:cNvSpPr>
+          <p:nvPr>
+            <p:ph type="sldNum" sz="quarter" idx="5"/>
+          </p:nvPr>
+        </p:nvSpPr>
+        <p:spPr/>
+        <p:txBody>
+          <a:bodyPr/>
+          <a:lstStyle/>
+          <a:p>
+            <a:fld id="{30F74C3E-9844-400F-AF01-74FC99E81103}" type="slidenum">
+              <a:rPr lang="en-CA" smtClean="0"/>
+              <a:t>5</a:t>
+            </a:fld>
+            <a:endParaRPr lang="en-CA"/>
+          </a:p>
+        </p:txBody>
+      </p:sp>
+    </p:spTree>
+    <p:extLst>
+      <p:ext uri="{BB962C8B-B14F-4D97-AF65-F5344CB8AC3E}">
+        <p14:creationId xmlns:p14="http://schemas.microsoft.com/office/powerpoint/2010/main" val="3816520271"/>
+      </p:ext>
+    </p:extLst>
+  </p:cSld>
+  <p:clrMapOvr>
+    <a:masterClrMapping/>
+  </p:clrMapOvr>
+</p:notes>
+</file>
+
+<file path=ppt/notesSlides/notesSlide6.xml><?xml version="1.0" encoding="utf-8"?>
+<p:notes xmlns:a="http://schemas.openxmlformats.org/drawingml/2006/main" xmlns:r="http://schemas.openxmlformats.org/officeDocument/2006/relationships" xmlns:p="http://schemas.openxmlformats.org/presentationml/2006/main">
+  <p:cSld>
+    <p:spTree>
+      <p:nvGrpSpPr>
+        <p:cNvPr id="1" name=""/>
+        <p:cNvGrpSpPr/>
+        <p:nvPr/>
+      </p:nvGrpSpPr>
+      <p:grpSpPr>
+        <a:xfrm>
+          <a:off x="0" y="0"/>
+          <a:ext cx="0" cy="0"/>
+          <a:chOff x="0" y="0"/>
+          <a:chExt cx="0" cy="0"/>
+        </a:xfrm>
+      </p:grpSpPr>
+      <p:sp>
+        <p:nvSpPr>
+          <p:cNvPr id="2" name="Slide Image Placeholder 1"/>
+          <p:cNvSpPr>
+            <a:spLocks noGrp="1" noRot="1" noChangeAspect="1"/>
+          </p:cNvSpPr>
+          <p:nvPr>
+            <p:ph type="sldImg"/>
+          </p:nvPr>
+        </p:nvSpPr>
+        <p:spPr/>
+      </p:sp>
+      <p:sp>
+        <p:nvSpPr>
+          <p:cNvPr id="3" name="Notes Placeholder 2"/>
+          <p:cNvSpPr>
+            <a:spLocks noGrp="1"/>
+          </p:cNvSpPr>
+          <p:nvPr>
+            <p:ph type="body" idx="1"/>
+          </p:nvPr>
+        </p:nvSpPr>
+        <p:spPr/>
+        <p:txBody>
+          <a:bodyPr/>
+          <a:lstStyle/>
+          <a:p>
+            <a:r>
+              <a:rPr lang="en-CA" dirty="0"/>
+              <a:t>More modernized than its surrounding.</a:t>
+            </a:r>
+          </a:p>
+          <a:p>
+            <a:r>
+              <a:rPr lang="en-CA" dirty="0"/>
+              <a:t>Concentrated Population</a:t>
+            </a:r>
+          </a:p>
+        </p:txBody>
+      </p:sp>
+      <p:sp>
+        <p:nvSpPr>
+          <p:cNvPr id="4" name="Slide Number Placeholder 3"/>
+          <p:cNvSpPr>
+            <a:spLocks noGrp="1"/>
+          </p:cNvSpPr>
+          <p:nvPr>
+            <p:ph type="sldNum" sz="quarter" idx="5"/>
+          </p:nvPr>
+        </p:nvSpPr>
+        <p:spPr/>
+        <p:txBody>
+          <a:bodyPr/>
+          <a:lstStyle/>
+          <a:p>
+            <a:fld id="{30F74C3E-9844-400F-AF01-74FC99E81103}" type="slidenum">
+              <a:rPr lang="en-CA" smtClean="0"/>
+              <a:t>6</a:t>
+            </a:fld>
+            <a:endParaRPr lang="en-CA"/>
+          </a:p>
+        </p:txBody>
+      </p:sp>
+    </p:spTree>
+    <p:extLst>
+      <p:ext uri="{BB962C8B-B14F-4D97-AF65-F5344CB8AC3E}">
+        <p14:creationId xmlns:p14="http://schemas.microsoft.com/office/powerpoint/2010/main" val="2862018114"/>
+      </p:ext>
+    </p:extLst>
+  </p:cSld>
+  <p:clrMapOvr>
+    <a:masterClrMapping/>
+  </p:clrMapOvr>
+</p:notes>
+</file>
+
+<file path=ppt/notesSlides/notesSlide7.xml><?xml version="1.0" encoding="utf-8"?>
+<p:notes xmlns:a="http://schemas.openxmlformats.org/drawingml/2006/main" xmlns:r="http://schemas.openxmlformats.org/officeDocument/2006/relationships" xmlns:p="http://schemas.openxmlformats.org/presentationml/2006/main">
+  <p:cSld>
+    <p:spTree>
+      <p:nvGrpSpPr>
+        <p:cNvPr id="1" name=""/>
+        <p:cNvGrpSpPr/>
+        <p:nvPr/>
+      </p:nvGrpSpPr>
+      <p:grpSpPr>
+        <a:xfrm>
+          <a:off x="0" y="0"/>
+          <a:ext cx="0" cy="0"/>
+          <a:chOff x="0" y="0"/>
+          <a:chExt cx="0" cy="0"/>
+        </a:xfrm>
+      </p:grpSpPr>
+      <p:sp>
+        <p:nvSpPr>
+          <p:cNvPr id="2" name="Slide Image Placeholder 1"/>
+          <p:cNvSpPr>
+            <a:spLocks noGrp="1" noRot="1" noChangeAspect="1"/>
+          </p:cNvSpPr>
+          <p:nvPr>
+            <p:ph type="sldImg"/>
+          </p:nvPr>
+        </p:nvSpPr>
+        <p:spPr/>
+      </p:sp>
+      <p:sp>
+        <p:nvSpPr>
+          <p:cNvPr id="3" name="Notes Placeholder 2"/>
+          <p:cNvSpPr>
+            <a:spLocks noGrp="1"/>
+          </p:cNvSpPr>
+          <p:nvPr>
+            <p:ph type="body" idx="1"/>
+          </p:nvPr>
+        </p:nvSpPr>
+        <p:spPr/>
+        <p:txBody>
+          <a:bodyPr/>
+          <a:lstStyle/>
+          <a:p>
+            <a:r>
+              <a:rPr lang="en-CA" dirty="0"/>
+              <a:t>Cruises</a:t>
+            </a:r>
+          </a:p>
+          <a:p>
+            <a:r>
+              <a:rPr lang="en-CA" dirty="0"/>
+              <a:t>Fun for the whole family</a:t>
+            </a:r>
+          </a:p>
+          <a:p>
+            <a:r>
+              <a:rPr lang="en-CA" dirty="0"/>
+              <a:t>Everyone will find an activity they love</a:t>
+            </a:r>
+          </a:p>
+          <a:p>
+            <a:endParaRPr lang="en-CA" dirty="0"/>
+          </a:p>
+        </p:txBody>
+      </p:sp>
+      <p:sp>
+        <p:nvSpPr>
+          <p:cNvPr id="4" name="Slide Number Placeholder 3"/>
+          <p:cNvSpPr>
+            <a:spLocks noGrp="1"/>
+          </p:cNvSpPr>
+          <p:nvPr>
+            <p:ph type="sldNum" sz="quarter" idx="5"/>
+          </p:nvPr>
+        </p:nvSpPr>
+        <p:spPr/>
+        <p:txBody>
+          <a:bodyPr/>
+          <a:lstStyle/>
+          <a:p>
+            <a:fld id="{30F74C3E-9844-400F-AF01-74FC99E81103}" type="slidenum">
+              <a:rPr lang="en-CA" smtClean="0"/>
+              <a:t>7</a:t>
+            </a:fld>
+            <a:endParaRPr lang="en-CA"/>
+          </a:p>
+        </p:txBody>
+      </p:sp>
+    </p:spTree>
+    <p:extLst>
+      <p:ext uri="{BB962C8B-B14F-4D97-AF65-F5344CB8AC3E}">
+        <p14:creationId xmlns:p14="http://schemas.microsoft.com/office/powerpoint/2010/main" val="1580385140"/>
+      </p:ext>
+    </p:extLst>
+  </p:cSld>
+  <p:clrMapOvr>
+    <a:masterClrMapping/>
+  </p:clrMapOvr>
+</p:notes>
+</file>
+
+<file path=ppt/notesSlides/notesSlide8.xml><?xml version="1.0" encoding="utf-8"?>
+<p:notes xmlns:a="http://schemas.openxmlformats.org/drawingml/2006/main" xmlns:r="http://schemas.openxmlformats.org/officeDocument/2006/relationships" xmlns:p="http://schemas.openxmlformats.org/presentationml/2006/main">
+  <p:cSld>
+    <p:spTree>
+      <p:nvGrpSpPr>
+        <p:cNvPr id="1" name=""/>
+        <p:cNvGrpSpPr/>
+        <p:nvPr/>
+      </p:nvGrpSpPr>
+      <p:grpSpPr>
+        <a:xfrm>
+          <a:off x="0" y="0"/>
+          <a:ext cx="0" cy="0"/>
+          <a:chOff x="0" y="0"/>
+          <a:chExt cx="0" cy="0"/>
+        </a:xfrm>
+      </p:grpSpPr>
+      <p:sp>
+        <p:nvSpPr>
+          <p:cNvPr id="2" name="Slide Image Placeholder 1"/>
+          <p:cNvSpPr>
+            <a:spLocks noGrp="1" noRot="1" noChangeAspect="1"/>
+          </p:cNvSpPr>
+          <p:nvPr>
+            <p:ph type="sldImg"/>
+          </p:nvPr>
+        </p:nvSpPr>
+        <p:spPr/>
+      </p:sp>
+      <p:sp>
+        <p:nvSpPr>
+          <p:cNvPr id="3" name="Notes Placeholder 2"/>
+          <p:cNvSpPr>
+            <a:spLocks noGrp="1"/>
+          </p:cNvSpPr>
+          <p:nvPr>
+            <p:ph type="body" idx="1"/>
+          </p:nvPr>
+        </p:nvSpPr>
+        <p:spPr/>
+        <p:txBody>
+          <a:bodyPr/>
+          <a:lstStyle/>
+          <a:p>
+            <a:r>
+              <a:rPr lang="en-CA" dirty="0"/>
+              <a:t>Whether you’re an archeologist enthusiast, a history lover, a culture seeker, or just want to see beautifully </a:t>
+            </a:r>
+            <a:r>
+              <a:rPr lang="en-CA" dirty="0" err="1"/>
+              <a:t>ingeniered</a:t>
+            </a:r>
+            <a:r>
+              <a:rPr lang="en-CA" dirty="0"/>
+              <a:t> structures. </a:t>
+            </a:r>
+          </a:p>
+        </p:txBody>
+      </p:sp>
+      <p:sp>
+        <p:nvSpPr>
+          <p:cNvPr id="4" name="Slide Number Placeholder 3"/>
+          <p:cNvSpPr>
+            <a:spLocks noGrp="1"/>
+          </p:cNvSpPr>
+          <p:nvPr>
+            <p:ph type="sldNum" sz="quarter" idx="5"/>
+          </p:nvPr>
+        </p:nvSpPr>
+        <p:spPr/>
+        <p:txBody>
+          <a:bodyPr/>
+          <a:lstStyle/>
+          <a:p>
+            <a:fld id="{30F74C3E-9844-400F-AF01-74FC99E81103}" type="slidenum">
+              <a:rPr lang="en-CA" smtClean="0"/>
+              <a:t>8</a:t>
+            </a:fld>
+            <a:endParaRPr lang="en-CA"/>
+          </a:p>
+        </p:txBody>
+      </p:sp>
+    </p:spTree>
+    <p:extLst>
+      <p:ext uri="{BB962C8B-B14F-4D97-AF65-F5344CB8AC3E}">
+        <p14:creationId xmlns:p14="http://schemas.microsoft.com/office/powerpoint/2010/main" val="1532038617"/>
+      </p:ext>
+    </p:extLst>
+  </p:cSld>
+  <p:clrMapOvr>
+    <a:masterClrMapping/>
+  </p:clrMapOvr>
+</p:notes>
+</file>
+
+<file path=ppt/notesSlides/notesSlide9.xml><?xml version="1.0" encoding="utf-8"?>
+<p:notes xmlns:a="http://schemas.openxmlformats.org/drawingml/2006/main" xmlns:r="http://schemas.openxmlformats.org/officeDocument/2006/relationships" xmlns:p="http://schemas.openxmlformats.org/presentationml/2006/main">
+  <p:cSld>
+    <p:spTree>
+      <p:nvGrpSpPr>
+        <p:cNvPr id="1" name=""/>
+        <p:cNvGrpSpPr/>
+        <p:nvPr/>
+      </p:nvGrpSpPr>
+      <p:grpSpPr>
+        <a:xfrm>
+          <a:off x="0" y="0"/>
+          <a:ext cx="0" cy="0"/>
+          <a:chOff x="0" y="0"/>
+          <a:chExt cx="0" cy="0"/>
+        </a:xfrm>
+      </p:grpSpPr>
+      <p:sp>
+        <p:nvSpPr>
+          <p:cNvPr id="2" name="Slide Image Placeholder 1"/>
+          <p:cNvSpPr>
+            <a:spLocks noGrp="1" noRot="1" noChangeAspect="1"/>
+          </p:cNvSpPr>
+          <p:nvPr>
+            <p:ph type="sldImg"/>
+          </p:nvPr>
+        </p:nvSpPr>
+        <p:spPr/>
+      </p:sp>
+      <p:sp>
+        <p:nvSpPr>
+          <p:cNvPr id="3" name="Notes Placeholder 2"/>
+          <p:cNvSpPr>
+            <a:spLocks noGrp="1"/>
+          </p:cNvSpPr>
+          <p:nvPr>
+            <p:ph type="body" idx="1"/>
+          </p:nvPr>
+        </p:nvSpPr>
+        <p:spPr/>
+        <p:txBody>
+          <a:bodyPr/>
+          <a:lstStyle/>
+          <a:p>
+            <a:r>
+              <a:rPr lang="en-CA" dirty="0"/>
+              <a:t>Thank you for listening to my presentation.</a:t>
+            </a:r>
+          </a:p>
+          <a:p>
+            <a:r>
+              <a:rPr lang="en-CA" dirty="0"/>
+              <a:t>I hope that you have come to adore Honduras more and see it for what it is. </a:t>
+            </a:r>
+          </a:p>
+          <a:p>
+            <a:r>
+              <a:rPr lang="en-CA" dirty="0"/>
+              <a:t>Adios!</a:t>
+            </a:r>
+          </a:p>
+        </p:txBody>
+      </p:sp>
+      <p:sp>
+        <p:nvSpPr>
+          <p:cNvPr id="4" name="Slide Number Placeholder 3"/>
+          <p:cNvSpPr>
+            <a:spLocks noGrp="1"/>
+          </p:cNvSpPr>
+          <p:nvPr>
+            <p:ph type="sldNum" sz="quarter" idx="5"/>
+          </p:nvPr>
+        </p:nvSpPr>
+        <p:spPr/>
+        <p:txBody>
+          <a:bodyPr/>
+          <a:lstStyle/>
+          <a:p>
+            <a:fld id="{30F74C3E-9844-400F-AF01-74FC99E81103}" type="slidenum">
+              <a:rPr lang="en-CA" smtClean="0"/>
+              <a:t>9</a:t>
+            </a:fld>
+            <a:endParaRPr lang="en-CA"/>
+          </a:p>
+        </p:txBody>
+      </p:sp>
+    </p:spTree>
+    <p:extLst>
+      <p:ext uri="{BB962C8B-B14F-4D97-AF65-F5344CB8AC3E}">
+        <p14:creationId xmlns:p14="http://schemas.microsoft.com/office/powerpoint/2010/main" val="1168180692"/>
       </p:ext>
     </p:extLst>
   </p:cSld>
@@ -3980,7 +4822,7 @@
                 <a:latin typeface="Harlow Solid Italic" panose="04030604020F02020D02" pitchFamily="82" charset="0"/>
                 <a:cs typeface="AngsanaUPC" panose="020B0502040204020203" pitchFamily="18" charset="-34"/>
               </a:rPr>
-              <a:t>A guide for future visitors!</a:t>
+              <a:t>A brief overview for future visitors!</a:t>
             </a:r>
           </a:p>
         </p:txBody>
@@ -4445,7 +5287,7 @@
           <p:nvPr/>
         </p:nvPicPr>
         <p:blipFill rotWithShape="1">
-          <a:blip r:embed="rId2">
+          <a:blip r:embed="rId3">
             <a:extLst>
               <a:ext uri="{28A0092B-C50C-407E-A947-70E740481C1C}">
                 <a14:useLocalDpi xmlns:a14="http://schemas.microsoft.com/office/drawing/2010/main" val="0"/>
@@ -4775,8 +5617,8 @@
         </p:nvSpPr>
         <p:spPr>
           <a:xfrm>
-            <a:off x="371094" y="2718054"/>
-            <a:ext cx="3438906" cy="3207258"/>
+            <a:off x="371092" y="2718054"/>
+            <a:ext cx="5444081" cy="3892750"/>
           </a:xfrm>
         </p:spPr>
         <p:txBody>
@@ -4786,63 +5628,54 @@
           <a:lstStyle/>
           <a:p>
             <a:r>
-              <a:rPr lang="en-CA" sz="1700" dirty="0"/>
-              <a:t>Test</a:t>
-            </a:r>
-          </a:p>
-          <a:p>
-            <a:r>
-              <a:rPr lang="en-CA" sz="1700" dirty="0"/>
-              <a:t>Test</a:t>
-            </a:r>
-          </a:p>
-          <a:p>
-            <a:r>
-              <a:rPr lang="en-CA" sz="1700" dirty="0"/>
-              <a:t>Test</a:t>
-            </a:r>
-          </a:p>
-          <a:p>
-            <a:r>
-              <a:rPr lang="en-CA" sz="1700" dirty="0"/>
-              <a:t>Test</a:t>
-            </a:r>
-          </a:p>
-          <a:p>
-            <a:r>
-              <a:rPr lang="en-CA" sz="1700" dirty="0"/>
-              <a:t>Test</a:t>
-            </a:r>
-          </a:p>
-          <a:p>
-            <a:r>
-              <a:rPr lang="en-CA" sz="1700" dirty="0"/>
-              <a:t>Test </a:t>
-            </a:r>
-          </a:p>
-          <a:p>
-            <a:r>
-              <a:rPr lang="en-CA" sz="1700" dirty="0"/>
-              <a:t>Test</a:t>
-            </a:r>
-          </a:p>
-          <a:p>
-            <a:r>
-              <a:rPr lang="en-CA" sz="1700" dirty="0"/>
-              <a:t>Test</a:t>
-            </a:r>
-          </a:p>
-          <a:p>
-            <a:r>
-              <a:rPr lang="en-CA" sz="1700" dirty="0"/>
-              <a:t>Test</a:t>
-            </a:r>
-          </a:p>
-          <a:p>
-            <a:endParaRPr lang="en-CA" sz="1700" dirty="0"/>
-          </a:p>
-          <a:p>
-            <a:endParaRPr lang="en-CA" sz="1700" dirty="0"/>
+              <a:rPr lang="en-CA" sz="2600" dirty="0"/>
+              <a:t>Located in Central America </a:t>
+            </a:r>
+          </a:p>
+          <a:p>
+            <a:r>
+              <a:rPr lang="en-CA" sz="2600" dirty="0"/>
+              <a:t>Capital is Tegucigalpa</a:t>
+            </a:r>
+          </a:p>
+          <a:p>
+            <a:r>
+              <a:rPr lang="en-CA" sz="2600" dirty="0"/>
+              <a:t>Climate varies depending on region</a:t>
+            </a:r>
+          </a:p>
+          <a:p>
+            <a:r>
+              <a:rPr lang="en-CA" sz="2600" dirty="0"/>
+              <a:t>Population of 9.75m</a:t>
+            </a:r>
+          </a:p>
+          <a:p>
+            <a:r>
+              <a:rPr lang="en-CA" sz="2600" dirty="0"/>
+              <a:t>Currency – Honduran Lempira</a:t>
+            </a:r>
+          </a:p>
+          <a:p>
+            <a:r>
+              <a:rPr lang="en-CA" sz="2600" dirty="0"/>
+              <a:t>Economy – Agriculture Based</a:t>
+            </a:r>
+          </a:p>
+          <a:p>
+            <a:r>
+              <a:rPr lang="en-CA" sz="2600" dirty="0"/>
+              <a:t>Most Popular Tourism Site – West Bay Beach </a:t>
+            </a:r>
+          </a:p>
+          <a:p>
+            <a:pPr marL="0" indent="0">
+              <a:buNone/>
+            </a:pPr>
+            <a:endParaRPr lang="en-CA" sz="2000" dirty="0"/>
+          </a:p>
+          <a:p>
+            <a:endParaRPr lang="en-CA" sz="2000" dirty="0"/>
           </a:p>
         </p:txBody>
       </p:sp>
@@ -4860,6 +5693,3784 @@
 </file>
 
 <file path=ppt/slides/slide3.xml><?xml version="1.0" encoding="utf-8"?>
+<p:sld xmlns:a="http://schemas.openxmlformats.org/drawingml/2006/main" xmlns:r="http://schemas.openxmlformats.org/officeDocument/2006/relationships" xmlns:p="http://schemas.openxmlformats.org/presentationml/2006/main">
+  <p:cSld>
+    <p:bg>
+      <p:bgPr>
+        <a:solidFill>
+          <a:schemeClr val="bg1"/>
+        </a:solidFill>
+        <a:effectLst/>
+      </p:bgPr>
+    </p:bg>
+    <p:spTree>
+      <p:nvGrpSpPr>
+        <p:cNvPr id="1" name=""/>
+        <p:cNvGrpSpPr/>
+        <p:nvPr/>
+      </p:nvGrpSpPr>
+      <p:grpSpPr>
+        <a:xfrm>
+          <a:off x="0" y="0"/>
+          <a:ext cx="0" cy="0"/>
+          <a:chOff x="0" y="0"/>
+          <a:chExt cx="0" cy="0"/>
+        </a:xfrm>
+      </p:grpSpPr>
+      <p:sp useBgFill="1">
+        <p:nvSpPr>
+          <p:cNvPr id="76" name="Rectangle 75">
+            <a:extLst>
+              <a:ext uri="{FF2B5EF4-FFF2-40B4-BE49-F238E27FC236}">
+                <a16:creationId xmlns:a16="http://schemas.microsoft.com/office/drawing/2014/main" id="{B5FA7C47-B7C1-4D2E-AB49-ED23BA34BA83}"/>
+              </a:ext>
+              <a:ext uri="{C183D7F6-B498-43B3-948B-1728B52AA6E4}">
+                <adec:decorative xmlns:adec="http://schemas.microsoft.com/office/drawing/2017/decorative" val="1"/>
+              </a:ext>
+            </a:extLst>
+          </p:cNvPr>
+          <p:cNvSpPr>
+            <a:spLocks noGrp="1" noRot="1" noChangeAspect="1" noMove="1" noResize="1" noEditPoints="1" noAdjustHandles="1" noChangeArrowheads="1" noChangeShapeType="1" noTextEdit="1"/>
+          </p:cNvSpPr>
+          <p:nvPr>
+            <p:extLst>
+              <p:ext uri="{386F3935-93C4-4BCD-93E2-E3B085C9AB24}">
+                <p16:designElem xmlns:p16="http://schemas.microsoft.com/office/powerpoint/2015/main" val="1"/>
+              </p:ext>
+            </p:extLst>
+          </p:nvPr>
+        </p:nvSpPr>
+        <p:spPr>
+          <a:xfrm>
+            <a:off x="0" y="0"/>
+            <a:ext cx="12188952" cy="6858000"/>
+          </a:xfrm>
+          <a:prstGeom prst="rect">
+            <a:avLst/>
+          </a:prstGeom>
+          <a:ln>
+            <a:noFill/>
+          </a:ln>
+        </p:spPr>
+        <p:style>
+          <a:lnRef idx="2">
+            <a:schemeClr val="accent1">
+              <a:shade val="50000"/>
+            </a:schemeClr>
+          </a:lnRef>
+          <a:fillRef idx="1">
+            <a:schemeClr val="accent1"/>
+          </a:fillRef>
+          <a:effectRef idx="0">
+            <a:schemeClr val="accent1"/>
+          </a:effectRef>
+          <a:fontRef idx="minor">
+            <a:schemeClr val="lt1"/>
+          </a:fontRef>
+        </p:style>
+        <p:txBody>
+          <a:bodyPr rtlCol="0" anchor="ctr"/>
+          <a:lstStyle/>
+          <a:p>
+            <a:pPr algn="ctr"/>
+            <a:endParaRPr lang="en-US"/>
+          </a:p>
+        </p:txBody>
+      </p:sp>
+      <p:sp>
+        <p:nvSpPr>
+          <p:cNvPr id="78" name="Freeform 6">
+            <a:extLst>
+              <a:ext uri="{FF2B5EF4-FFF2-40B4-BE49-F238E27FC236}">
+                <a16:creationId xmlns:a16="http://schemas.microsoft.com/office/drawing/2014/main" id="{596EE156-ABF1-4329-A6BA-03B4254E0877}"/>
+              </a:ext>
+              <a:ext uri="{C183D7F6-B498-43B3-948B-1728B52AA6E4}">
+                <adec:decorative xmlns:adec="http://schemas.microsoft.com/office/drawing/2017/decorative" val="1"/>
+              </a:ext>
+            </a:extLst>
+          </p:cNvPr>
+          <p:cNvSpPr>
+            <a:spLocks noGrp="1" noRot="1" noChangeAspect="1" noMove="1" noResize="1" noEditPoints="1" noAdjustHandles="1" noChangeArrowheads="1" noChangeShapeType="1" noTextEdit="1"/>
+          </p:cNvSpPr>
+          <p:nvPr>
+            <p:extLst>
+              <p:ext uri="{386F3935-93C4-4BCD-93E2-E3B085C9AB24}">
+                <p16:designElem xmlns:p16="http://schemas.microsoft.com/office/powerpoint/2015/main" val="1"/>
+              </p:ext>
+            </p:extLst>
+          </p:nvPr>
+        </p:nvSpPr>
+        <p:spPr bwMode="auto">
+          <a:xfrm flipH="1">
+            <a:off x="521144" y="911116"/>
+            <a:ext cx="687754" cy="5710965"/>
+          </a:xfrm>
+          <a:custGeom>
+            <a:avLst/>
+            <a:gdLst>
+              <a:gd name="T0" fmla="*/ 414 w 414"/>
+              <a:gd name="T1" fmla="*/ 2447 h 2447"/>
+              <a:gd name="T2" fmla="*/ 0 w 414"/>
+              <a:gd name="T3" fmla="*/ 2247 h 2447"/>
+              <a:gd name="T4" fmla="*/ 0 w 414"/>
+              <a:gd name="T5" fmla="*/ 0 h 2447"/>
+              <a:gd name="T6" fmla="*/ 414 w 414"/>
+              <a:gd name="T7" fmla="*/ 200 h 2447"/>
+              <a:gd name="T8" fmla="*/ 414 w 414"/>
+              <a:gd name="T9" fmla="*/ 2447 h 2447"/>
+            </a:gdLst>
+            <a:ahLst/>
+            <a:cxnLst>
+              <a:cxn ang="0">
+                <a:pos x="T0" y="T1"/>
+              </a:cxn>
+              <a:cxn ang="0">
+                <a:pos x="T2" y="T3"/>
+              </a:cxn>
+              <a:cxn ang="0">
+                <a:pos x="T4" y="T5"/>
+              </a:cxn>
+              <a:cxn ang="0">
+                <a:pos x="T6" y="T7"/>
+              </a:cxn>
+              <a:cxn ang="0">
+                <a:pos x="T8" y="T9"/>
+              </a:cxn>
+            </a:cxnLst>
+            <a:rect l="0" t="0" r="r" b="b"/>
+            <a:pathLst>
+              <a:path w="414" h="2447">
+                <a:moveTo>
+                  <a:pt x="414" y="2447"/>
+                </a:moveTo>
+                <a:lnTo>
+                  <a:pt x="0" y="2247"/>
+                </a:lnTo>
+                <a:lnTo>
+                  <a:pt x="0" y="0"/>
+                </a:lnTo>
+                <a:lnTo>
+                  <a:pt x="414" y="200"/>
+                </a:lnTo>
+                <a:lnTo>
+                  <a:pt x="414" y="2447"/>
+                </a:lnTo>
+                <a:close/>
+              </a:path>
+            </a:pathLst>
+          </a:custGeom>
+          <a:solidFill>
+            <a:schemeClr val="accent1">
+              <a:lumMod val="75000"/>
+            </a:schemeClr>
+          </a:solidFill>
+          <a:ln>
+            <a:noFill/>
+          </a:ln>
+        </p:spPr>
+        <p:txBody>
+          <a:bodyPr vert="horz" wrap="square" lIns="91440" tIns="45720" rIns="91440" bIns="45720" numCol="1" anchor="t" anchorCtr="0" compatLnSpc="1">
+            <a:prstTxWarp prst="textNoShape">
+              <a:avLst/>
+            </a:prstTxWarp>
+          </a:bodyPr>
+          <a:lstStyle/>
+          <a:p>
+            <a:endParaRPr lang="en-US"/>
+          </a:p>
+        </p:txBody>
+      </p:sp>
+      <p:sp>
+        <p:nvSpPr>
+          <p:cNvPr id="80" name="Rectangle 8">
+            <a:extLst>
+              <a:ext uri="{FF2B5EF4-FFF2-40B4-BE49-F238E27FC236}">
+                <a16:creationId xmlns:a16="http://schemas.microsoft.com/office/drawing/2014/main" id="{19B9933F-AAB3-444A-8BB5-9CA194A8BC63}"/>
+              </a:ext>
+              <a:ext uri="{C183D7F6-B498-43B3-948B-1728B52AA6E4}">
+                <adec:decorative xmlns:adec="http://schemas.microsoft.com/office/drawing/2017/decorative" val="1"/>
+              </a:ext>
+            </a:extLst>
+          </p:cNvPr>
+          <p:cNvSpPr>
+            <a:spLocks noGrp="1" noRot="1" noChangeAspect="1" noMove="1" noResize="1" noEditPoints="1" noAdjustHandles="1" noChangeArrowheads="1" noChangeShapeType="1" noTextEdit="1"/>
+          </p:cNvSpPr>
+          <p:nvPr>
+            <p:extLst>
+              <p:ext uri="{386F3935-93C4-4BCD-93E2-E3B085C9AB24}">
+                <p16:designElem xmlns:p16="http://schemas.microsoft.com/office/powerpoint/2015/main" val="1"/>
+              </p:ext>
+            </p:extLst>
+          </p:nvPr>
+        </p:nvSpPr>
+        <p:spPr bwMode="auto">
+          <a:xfrm flipH="1">
+            <a:off x="0" y="1370435"/>
+            <a:ext cx="527226" cy="5251646"/>
+          </a:xfrm>
+          <a:prstGeom prst="rect">
+            <a:avLst/>
+          </a:prstGeom>
+          <a:solidFill>
+            <a:schemeClr val="accent1"/>
+          </a:solidFill>
+          <a:ln>
+            <a:noFill/>
+          </a:ln>
+        </p:spPr>
+        <p:txBody>
+          <a:bodyPr vert="horz" wrap="square" lIns="91440" tIns="45720" rIns="91440" bIns="45720" numCol="1" anchor="t" anchorCtr="0" compatLnSpc="1">
+            <a:prstTxWarp prst="textNoShape">
+              <a:avLst/>
+            </a:prstTxWarp>
+          </a:bodyPr>
+          <a:lstStyle/>
+          <a:p>
+            <a:endParaRPr lang="en-US"/>
+          </a:p>
+        </p:txBody>
+      </p:sp>
+      <p:sp>
+        <p:nvSpPr>
+          <p:cNvPr id="82" name="Freeform 7">
+            <a:extLst>
+              <a:ext uri="{FF2B5EF4-FFF2-40B4-BE49-F238E27FC236}">
+                <a16:creationId xmlns:a16="http://schemas.microsoft.com/office/drawing/2014/main" id="{7D20183A-0B1D-4A1F-89B1-ADBEDBC6E54E}"/>
+              </a:ext>
+              <a:ext uri="{C183D7F6-B498-43B3-948B-1728B52AA6E4}">
+                <adec:decorative xmlns:adec="http://schemas.microsoft.com/office/drawing/2017/decorative" val="1"/>
+              </a:ext>
+            </a:extLst>
+          </p:cNvPr>
+          <p:cNvSpPr>
+            <a:spLocks noGrp="1" noRot="1" noChangeAspect="1" noMove="1" noResize="1" noEditPoints="1" noAdjustHandles="1" noChangeArrowheads="1" noChangeShapeType="1" noTextEdit="1"/>
+          </p:cNvSpPr>
+          <p:nvPr>
+            <p:extLst>
+              <p:ext uri="{386F3935-93C4-4BCD-93E2-E3B085C9AB24}">
+                <p16:designElem xmlns:p16="http://schemas.microsoft.com/office/powerpoint/2015/main" val="1"/>
+              </p:ext>
+            </p:extLst>
+          </p:nvPr>
+        </p:nvSpPr>
+        <p:spPr bwMode="auto">
+          <a:xfrm flipH="1">
+            <a:off x="800164" y="643467"/>
+            <a:ext cx="409371" cy="5521414"/>
+          </a:xfrm>
+          <a:custGeom>
+            <a:avLst/>
+            <a:gdLst>
+              <a:gd name="T0" fmla="*/ 209 w 209"/>
+              <a:gd name="T1" fmla="*/ 2246 h 2358"/>
+              <a:gd name="T2" fmla="*/ 0 w 209"/>
+              <a:gd name="T3" fmla="*/ 2358 h 2358"/>
+              <a:gd name="T4" fmla="*/ 0 w 209"/>
+              <a:gd name="T5" fmla="*/ 111 h 2358"/>
+              <a:gd name="T6" fmla="*/ 209 w 209"/>
+              <a:gd name="T7" fmla="*/ 0 h 2358"/>
+              <a:gd name="T8" fmla="*/ 209 w 209"/>
+              <a:gd name="T9" fmla="*/ 2246 h 2358"/>
+            </a:gdLst>
+            <a:ahLst/>
+            <a:cxnLst>
+              <a:cxn ang="0">
+                <a:pos x="T0" y="T1"/>
+              </a:cxn>
+              <a:cxn ang="0">
+                <a:pos x="T2" y="T3"/>
+              </a:cxn>
+              <a:cxn ang="0">
+                <a:pos x="T4" y="T5"/>
+              </a:cxn>
+              <a:cxn ang="0">
+                <a:pos x="T6" y="T7"/>
+              </a:cxn>
+              <a:cxn ang="0">
+                <a:pos x="T8" y="T9"/>
+              </a:cxn>
+            </a:cxnLst>
+            <a:rect l="0" t="0" r="r" b="b"/>
+            <a:pathLst>
+              <a:path w="209" h="2358">
+                <a:moveTo>
+                  <a:pt x="209" y="2246"/>
+                </a:moveTo>
+                <a:lnTo>
+                  <a:pt x="0" y="2358"/>
+                </a:lnTo>
+                <a:lnTo>
+                  <a:pt x="0" y="111"/>
+                </a:lnTo>
+                <a:lnTo>
+                  <a:pt x="209" y="0"/>
+                </a:lnTo>
+                <a:lnTo>
+                  <a:pt x="209" y="2246"/>
+                </a:lnTo>
+                <a:close/>
+              </a:path>
+            </a:pathLst>
+          </a:custGeom>
+          <a:solidFill>
+            <a:schemeClr val="accent1">
+              <a:lumMod val="50000"/>
+            </a:schemeClr>
+          </a:solidFill>
+          <a:ln>
+            <a:noFill/>
+          </a:ln>
+        </p:spPr>
+        <p:txBody>
+          <a:bodyPr vert="horz" wrap="square" lIns="91440" tIns="45720" rIns="91440" bIns="45720" numCol="1" anchor="t" anchorCtr="0" compatLnSpc="1">
+            <a:prstTxWarp prst="textNoShape">
+              <a:avLst/>
+            </a:prstTxWarp>
+          </a:bodyPr>
+          <a:lstStyle/>
+          <a:p>
+            <a:endParaRPr lang="en-US"/>
+          </a:p>
+        </p:txBody>
+      </p:sp>
+      <p:sp>
+        <p:nvSpPr>
+          <p:cNvPr id="84" name="Rectangle 8">
+            <a:extLst>
+              <a:ext uri="{FF2B5EF4-FFF2-40B4-BE49-F238E27FC236}">
+                <a16:creationId xmlns:a16="http://schemas.microsoft.com/office/drawing/2014/main" id="{131031D3-26CD-4214-A9A4-5857EFA15A0C}"/>
+              </a:ext>
+              <a:ext uri="{C183D7F6-B498-43B3-948B-1728B52AA6E4}">
+                <adec:decorative xmlns:adec="http://schemas.microsoft.com/office/drawing/2017/decorative" val="1"/>
+              </a:ext>
+            </a:extLst>
+          </p:cNvPr>
+          <p:cNvSpPr>
+            <a:spLocks noGrp="1" noRot="1" noChangeAspect="1" noMove="1" noResize="1" noEditPoints="1" noAdjustHandles="1" noChangeArrowheads="1" noChangeShapeType="1" noTextEdit="1"/>
+          </p:cNvSpPr>
+          <p:nvPr>
+            <p:extLst>
+              <p:ext uri="{386F3935-93C4-4BCD-93E2-E3B085C9AB24}">
+                <p16:designElem xmlns:p16="http://schemas.microsoft.com/office/powerpoint/2015/main" val="1"/>
+              </p:ext>
+            </p:extLst>
+          </p:nvPr>
+        </p:nvSpPr>
+        <p:spPr bwMode="auto">
+          <a:xfrm>
+            <a:off x="795529" y="644382"/>
+            <a:ext cx="3856024" cy="5251646"/>
+          </a:xfrm>
+          <a:prstGeom prst="rect">
+            <a:avLst/>
+          </a:prstGeom>
+          <a:solidFill>
+            <a:schemeClr val="accent1"/>
+          </a:solidFill>
+          <a:ln>
+            <a:noFill/>
+          </a:ln>
+        </p:spPr>
+        <p:txBody>
+          <a:bodyPr vert="horz" wrap="square" lIns="91440" tIns="45720" rIns="91440" bIns="45720" numCol="1" anchor="t" anchorCtr="0" compatLnSpc="1">
+            <a:prstTxWarp prst="textNoShape">
+              <a:avLst/>
+            </a:prstTxWarp>
+          </a:bodyPr>
+          <a:lstStyle/>
+          <a:p>
+            <a:endParaRPr lang="en-US"/>
+          </a:p>
+        </p:txBody>
+      </p:sp>
+      <p:sp>
+        <p:nvSpPr>
+          <p:cNvPr id="2" name="Title 1">
+            <a:extLst>
+              <a:ext uri="{FF2B5EF4-FFF2-40B4-BE49-F238E27FC236}">
+                <a16:creationId xmlns:a16="http://schemas.microsoft.com/office/drawing/2014/main" id="{D879835A-E5E1-4B74-82D5-F0BB588D87A5}"/>
+              </a:ext>
+            </a:extLst>
+          </p:cNvPr>
+          <p:cNvSpPr>
+            <a:spLocks noGrp="1"/>
+          </p:cNvSpPr>
+          <p:nvPr>
+            <p:ph type="title"/>
+          </p:nvPr>
+        </p:nvSpPr>
+        <p:spPr>
+          <a:xfrm>
+            <a:off x="1146879" y="998002"/>
+            <a:ext cx="3182940" cy="1471959"/>
+          </a:xfrm>
+        </p:spPr>
+        <p:txBody>
+          <a:bodyPr>
+            <a:normAutofit/>
+          </a:bodyPr>
+          <a:lstStyle/>
+          <a:p>
+            <a:r>
+              <a:rPr lang="en-CA" sz="3600" dirty="0">
+                <a:solidFill>
+                  <a:srgbClr val="FFFFFF"/>
+                </a:solidFill>
+              </a:rPr>
+              <a:t>Climate</a:t>
+            </a:r>
+          </a:p>
+        </p:txBody>
+      </p:sp>
+      <p:sp>
+        <p:nvSpPr>
+          <p:cNvPr id="3" name="Content Placeholder 2">
+            <a:extLst>
+              <a:ext uri="{FF2B5EF4-FFF2-40B4-BE49-F238E27FC236}">
+                <a16:creationId xmlns:a16="http://schemas.microsoft.com/office/drawing/2014/main" id="{36448CE7-47E7-45FA-A810-CF963474ABE2}"/>
+              </a:ext>
+            </a:extLst>
+          </p:cNvPr>
+          <p:cNvSpPr>
+            <a:spLocks noGrp="1"/>
+          </p:cNvSpPr>
+          <p:nvPr>
+            <p:ph idx="1"/>
+          </p:nvPr>
+        </p:nvSpPr>
+        <p:spPr>
+          <a:xfrm>
+            <a:off x="1168815" y="2449227"/>
+            <a:ext cx="3429307" cy="3675401"/>
+          </a:xfrm>
+        </p:spPr>
+        <p:txBody>
+          <a:bodyPr anchor="t">
+            <a:normAutofit fontScale="25000" lnSpcReduction="20000"/>
+          </a:bodyPr>
+          <a:lstStyle/>
+          <a:p>
+            <a:pPr>
+              <a:buFont typeface="Wingdings" panose="05000000000000000000" pitchFamily="2" charset="2"/>
+              <a:buChar char="§"/>
+            </a:pPr>
+            <a:r>
+              <a:rPr lang="en-CA" sz="9600" dirty="0">
+                <a:solidFill>
+                  <a:srgbClr val="FEFFFF"/>
+                </a:solidFill>
+              </a:rPr>
+              <a:t>Caribbean lowlands: </a:t>
+            </a:r>
+          </a:p>
+          <a:p>
+            <a:pPr lvl="1">
+              <a:buFont typeface="Wingdings" panose="05000000000000000000" pitchFamily="2" charset="2"/>
+              <a:buChar char="Ø"/>
+            </a:pPr>
+            <a:r>
+              <a:rPr lang="en-CA" sz="4800" dirty="0">
+                <a:solidFill>
+                  <a:srgbClr val="FEFFFF"/>
+                </a:solidFill>
+              </a:rPr>
+              <a:t>Tropical wet climate</a:t>
+            </a:r>
+          </a:p>
+          <a:p>
+            <a:pPr lvl="1">
+              <a:buFont typeface="Wingdings" panose="05000000000000000000" pitchFamily="2" charset="2"/>
+              <a:buChar char="Ø"/>
+            </a:pPr>
+            <a:r>
+              <a:rPr lang="en-CA" sz="4800" dirty="0">
+                <a:solidFill>
+                  <a:srgbClr val="FEFFFF"/>
+                </a:solidFill>
+              </a:rPr>
+              <a:t>High temperatures</a:t>
+            </a:r>
+          </a:p>
+          <a:p>
+            <a:pPr lvl="1">
+              <a:buFont typeface="Wingdings" panose="05000000000000000000" pitchFamily="2" charset="2"/>
+              <a:buChar char="Ø"/>
+            </a:pPr>
+            <a:r>
+              <a:rPr lang="en-CA" sz="4800" dirty="0">
+                <a:solidFill>
+                  <a:srgbClr val="FEFFFF"/>
+                </a:solidFill>
+              </a:rPr>
+              <a:t>Recurring rainfall</a:t>
+            </a:r>
+          </a:p>
+          <a:p>
+            <a:endParaRPr lang="en-CA" sz="4800" dirty="0">
+              <a:solidFill>
+                <a:srgbClr val="FEFFFF"/>
+              </a:solidFill>
+            </a:endParaRPr>
+          </a:p>
+          <a:p>
+            <a:pPr>
+              <a:buFont typeface="Wingdings" panose="05000000000000000000" pitchFamily="2" charset="2"/>
+              <a:buChar char="§"/>
+            </a:pPr>
+            <a:r>
+              <a:rPr lang="en-CA" sz="9600" dirty="0">
+                <a:solidFill>
+                  <a:srgbClr val="FEFFFF"/>
+                </a:solidFill>
+              </a:rPr>
+              <a:t>Pacific lowlands: </a:t>
+            </a:r>
+          </a:p>
+          <a:p>
+            <a:pPr lvl="1">
+              <a:buFont typeface="Wingdings" panose="05000000000000000000" pitchFamily="2" charset="2"/>
+              <a:buChar char="Ø"/>
+            </a:pPr>
+            <a:r>
+              <a:rPr lang="en-CA" sz="4800" dirty="0">
+                <a:solidFill>
+                  <a:srgbClr val="FEFFFF"/>
+                </a:solidFill>
+              </a:rPr>
+              <a:t>Tropical dry climate</a:t>
+            </a:r>
+          </a:p>
+          <a:p>
+            <a:pPr lvl="1">
+              <a:buFont typeface="Wingdings" panose="05000000000000000000" pitchFamily="2" charset="2"/>
+              <a:buChar char="Ø"/>
+            </a:pPr>
+            <a:r>
+              <a:rPr lang="en-CA" sz="4800" dirty="0">
+                <a:solidFill>
+                  <a:srgbClr val="FEFFFF"/>
+                </a:solidFill>
+              </a:rPr>
+              <a:t>High temperature</a:t>
+            </a:r>
+          </a:p>
+          <a:p>
+            <a:pPr lvl="1">
+              <a:buFont typeface="Wingdings" panose="05000000000000000000" pitchFamily="2" charset="2"/>
+              <a:buChar char="Ø"/>
+            </a:pPr>
+            <a:r>
+              <a:rPr lang="en-CA" sz="4800" dirty="0">
+                <a:solidFill>
+                  <a:srgbClr val="FEFFFF"/>
+                </a:solidFill>
+              </a:rPr>
+              <a:t>Dry season</a:t>
+            </a:r>
+          </a:p>
+          <a:p>
+            <a:pPr marL="0" indent="0">
+              <a:buNone/>
+            </a:pPr>
+            <a:endParaRPr lang="en-CA" sz="4800" dirty="0">
+              <a:solidFill>
+                <a:srgbClr val="FEFFFF"/>
+              </a:solidFill>
+            </a:endParaRPr>
+          </a:p>
+          <a:p>
+            <a:pPr>
+              <a:buFont typeface="Wingdings" panose="05000000000000000000" pitchFamily="2" charset="2"/>
+              <a:buChar char="§"/>
+            </a:pPr>
+            <a:r>
+              <a:rPr lang="en-CA" sz="9600" dirty="0">
+                <a:solidFill>
+                  <a:srgbClr val="FEFFFF"/>
+                </a:solidFill>
+              </a:rPr>
+              <a:t>Interior Highlands: </a:t>
+            </a:r>
+          </a:p>
+          <a:p>
+            <a:pPr lvl="1">
+              <a:buFont typeface="Wingdings" panose="05000000000000000000" pitchFamily="2" charset="2"/>
+              <a:buChar char="Ø"/>
+            </a:pPr>
+            <a:r>
+              <a:rPr lang="en-CA" sz="4800" dirty="0">
+                <a:solidFill>
+                  <a:srgbClr val="FEFFFF"/>
+                </a:solidFill>
+              </a:rPr>
+              <a:t>Tropical dry climate</a:t>
+            </a:r>
+          </a:p>
+          <a:p>
+            <a:pPr lvl="1">
+              <a:buFont typeface="Wingdings" panose="05000000000000000000" pitchFamily="2" charset="2"/>
+              <a:buChar char="Ø"/>
+            </a:pPr>
+            <a:r>
+              <a:rPr lang="en-CA" sz="4800" dirty="0">
+                <a:solidFill>
+                  <a:srgbClr val="FEFFFF"/>
+                </a:solidFill>
+              </a:rPr>
+              <a:t>Temperature vary depending on altitude</a:t>
+            </a:r>
+          </a:p>
+          <a:p>
+            <a:pPr>
+              <a:buFont typeface="Wingdings" panose="05000000000000000000" pitchFamily="2" charset="2"/>
+              <a:buChar char="Ø"/>
+            </a:pPr>
+            <a:endParaRPr lang="en-CA" sz="4800" dirty="0">
+              <a:solidFill>
+                <a:srgbClr val="FEFFFF"/>
+              </a:solidFill>
+            </a:endParaRPr>
+          </a:p>
+          <a:p>
+            <a:pPr marL="0" indent="0">
+              <a:buNone/>
+            </a:pPr>
+            <a:endParaRPr lang="en-CA" sz="1000" dirty="0">
+              <a:solidFill>
+                <a:srgbClr val="FEFFFF"/>
+              </a:solidFill>
+            </a:endParaRPr>
+          </a:p>
+        </p:txBody>
+      </p:sp>
+      <p:pic>
+        <p:nvPicPr>
+          <p:cNvPr id="4" name="Picture 4" descr="Weather and Climate: Reflection #1">
+            <a:extLst>
+              <a:ext uri="{FF2B5EF4-FFF2-40B4-BE49-F238E27FC236}">
+                <a16:creationId xmlns:a16="http://schemas.microsoft.com/office/drawing/2014/main" id="{EEAB0E28-A777-4196-8505-C545659E1829}"/>
+              </a:ext>
+            </a:extLst>
+          </p:cNvPr>
+          <p:cNvPicPr>
+            <a:picLocks noChangeAspect="1" noChangeArrowheads="1"/>
+          </p:cNvPicPr>
+          <p:nvPr/>
+        </p:nvPicPr>
+        <p:blipFill>
+          <a:blip r:embed="rId3">
+            <a:extLst>
+              <a:ext uri="{28A0092B-C50C-407E-A947-70E740481C1C}">
+                <a14:useLocalDpi xmlns:a14="http://schemas.microsoft.com/office/drawing/2010/main" val="0"/>
+              </a:ext>
+            </a:extLst>
+          </a:blip>
+          <a:stretch>
+            <a:fillRect/>
+          </a:stretch>
+        </p:blipFill>
+        <p:spPr bwMode="auto">
+          <a:xfrm>
+            <a:off x="4998268" y="814165"/>
+            <a:ext cx="6539075" cy="4910250"/>
+          </a:xfrm>
+          <a:prstGeom prst="rect">
+            <a:avLst/>
+          </a:prstGeom>
+          <a:noFill/>
+          <a:extLst>
+            <a:ext uri="{909E8E84-426E-40DD-AFC4-6F175D3DCCD1}">
+              <a14:hiddenFill xmlns:a14="http://schemas.microsoft.com/office/drawing/2010/main">
+                <a:solidFill>
+                  <a:srgbClr val="FFFFFF"/>
+                </a:solidFill>
+              </a14:hiddenFill>
+            </a:ext>
+          </a:extLst>
+        </p:spPr>
+      </p:pic>
+    </p:spTree>
+    <p:extLst>
+      <p:ext uri="{BB962C8B-B14F-4D97-AF65-F5344CB8AC3E}">
+        <p14:creationId xmlns:p14="http://schemas.microsoft.com/office/powerpoint/2010/main" val="2014827970"/>
+      </p:ext>
+    </p:extLst>
+  </p:cSld>
+  <p:clrMapOvr>
+    <a:masterClrMapping/>
+  </p:clrMapOvr>
+</p:sld>
+</file>
+
+<file path=ppt/slides/slide4.xml><?xml version="1.0" encoding="utf-8"?>
+<p:sld xmlns:a="http://schemas.openxmlformats.org/drawingml/2006/main" xmlns:r="http://schemas.openxmlformats.org/officeDocument/2006/relationships" xmlns:p="http://schemas.openxmlformats.org/presentationml/2006/main">
+  <p:cSld>
+    <p:bg>
+      <p:bgPr>
+        <a:solidFill>
+          <a:schemeClr val="bg1"/>
+        </a:solidFill>
+        <a:effectLst/>
+      </p:bgPr>
+    </p:bg>
+    <p:spTree>
+      <p:nvGrpSpPr>
+        <p:cNvPr id="1" name=""/>
+        <p:cNvGrpSpPr/>
+        <p:nvPr/>
+      </p:nvGrpSpPr>
+      <p:grpSpPr>
+        <a:xfrm>
+          <a:off x="0" y="0"/>
+          <a:ext cx="0" cy="0"/>
+          <a:chOff x="0" y="0"/>
+          <a:chExt cx="0" cy="0"/>
+        </a:xfrm>
+      </p:grpSpPr>
+      <p:sp>
+        <p:nvSpPr>
+          <p:cNvPr id="73" name="Rectangle 72">
+            <a:extLst>
+              <a:ext uri="{FF2B5EF4-FFF2-40B4-BE49-F238E27FC236}">
+                <a16:creationId xmlns:a16="http://schemas.microsoft.com/office/drawing/2014/main" id="{5E52985E-2553-471E-82AA-5ED7A329890A}"/>
+              </a:ext>
+              <a:ext uri="{C183D7F6-B498-43B3-948B-1728B52AA6E4}">
+                <adec:decorative xmlns:adec="http://schemas.microsoft.com/office/drawing/2017/decorative" val="1"/>
+              </a:ext>
+            </a:extLst>
+          </p:cNvPr>
+          <p:cNvSpPr>
+            <a:spLocks noGrp="1" noRot="1" noChangeAspect="1" noMove="1" noResize="1" noEditPoints="1" noAdjustHandles="1" noChangeArrowheads="1" noChangeShapeType="1" noTextEdit="1"/>
+          </p:cNvSpPr>
+          <p:nvPr>
+            <p:extLst>
+              <p:ext uri="{386F3935-93C4-4BCD-93E2-E3B085C9AB24}">
+                <p16:designElem xmlns:p16="http://schemas.microsoft.com/office/powerpoint/2015/main" val="1"/>
+              </p:ext>
+            </p:extLst>
+          </p:nvPr>
+        </p:nvSpPr>
+        <p:spPr bwMode="ltGray">
+          <a:xfrm>
+            <a:off x="393308" y="352931"/>
+            <a:ext cx="11438793" cy="1844256"/>
+          </a:xfrm>
+          <a:prstGeom prst="rect">
+            <a:avLst/>
+          </a:prstGeom>
+          <a:solidFill>
+            <a:schemeClr val="tx1">
+              <a:lumMod val="75000"/>
+              <a:lumOff val="25000"/>
+            </a:schemeClr>
+          </a:solidFill>
+          <a:ln w="127000" cap="sq" cmpd="thinThick">
+            <a:solidFill>
+              <a:schemeClr val="tx1">
+                <a:lumMod val="75000"/>
+                <a:lumOff val="25000"/>
+              </a:schemeClr>
+            </a:solidFill>
+          </a:ln>
+        </p:spPr>
+        <p:style>
+          <a:lnRef idx="2">
+            <a:schemeClr val="accent1">
+              <a:shade val="50000"/>
+            </a:schemeClr>
+          </a:lnRef>
+          <a:fillRef idx="1">
+            <a:schemeClr val="accent1"/>
+          </a:fillRef>
+          <a:effectRef idx="0">
+            <a:schemeClr val="accent1"/>
+          </a:effectRef>
+          <a:fontRef idx="minor">
+            <a:schemeClr val="lt1"/>
+          </a:fontRef>
+        </p:style>
+        <p:txBody>
+          <a:bodyPr rtlCol="0" anchor="ctr"/>
+          <a:lstStyle/>
+          <a:p>
+            <a:pPr marL="0" marR="0" lvl="0" indent="0" algn="ctr" defTabSz="914400" rtl="0" eaLnBrk="1" fontAlgn="auto" latinLnBrk="0" hangingPunct="1">
+              <a:lnSpc>
+                <a:spcPct val="100000"/>
+              </a:lnSpc>
+              <a:spcBef>
+                <a:spcPts val="0"/>
+              </a:spcBef>
+              <a:spcAft>
+                <a:spcPts val="0"/>
+              </a:spcAft>
+              <a:buClrTx/>
+              <a:buSzTx/>
+              <a:buFontTx/>
+              <a:buNone/>
+              <a:tabLst/>
+              <a:defRPr/>
+            </a:pPr>
+            <a:endParaRPr kumimoji="0" lang="en-US" sz="1800" b="0" i="0" u="none" strike="noStrike" kern="1200" cap="none" spc="0" normalizeH="0" baseline="0" noProof="0">
+              <a:ln>
+                <a:noFill/>
+              </a:ln>
+              <a:solidFill>
+                <a:prstClr val="white"/>
+              </a:solidFill>
+              <a:effectLst/>
+              <a:uLnTx/>
+              <a:uFillTx/>
+              <a:latin typeface="Calibri" panose="020F0502020204030204"/>
+              <a:ea typeface="+mn-ea"/>
+              <a:cs typeface="+mn-cs"/>
+            </a:endParaRPr>
+          </a:p>
+        </p:txBody>
+      </p:sp>
+      <p:sp>
+        <p:nvSpPr>
+          <p:cNvPr id="2" name="Title 1">
+            <a:extLst>
+              <a:ext uri="{FF2B5EF4-FFF2-40B4-BE49-F238E27FC236}">
+                <a16:creationId xmlns:a16="http://schemas.microsoft.com/office/drawing/2014/main" id="{38CE5D30-B505-4736-9F1B-16C671D9B6E3}"/>
+              </a:ext>
+            </a:extLst>
+          </p:cNvPr>
+          <p:cNvSpPr>
+            <a:spLocks noGrp="1"/>
+          </p:cNvSpPr>
+          <p:nvPr>
+            <p:ph type="title"/>
+          </p:nvPr>
+        </p:nvSpPr>
+        <p:spPr>
+          <a:xfrm>
+            <a:off x="649270" y="506727"/>
+            <a:ext cx="3885141" cy="1526741"/>
+          </a:xfrm>
+        </p:spPr>
+        <p:txBody>
+          <a:bodyPr>
+            <a:normAutofit/>
+          </a:bodyPr>
+          <a:lstStyle/>
+          <a:p>
+            <a:pPr algn="r"/>
+            <a:r>
+              <a:rPr lang="en-CA" sz="3000">
+                <a:solidFill>
+                  <a:schemeClr val="bg1"/>
+                </a:solidFill>
+              </a:rPr>
+              <a:t>Honduran Lempira</a:t>
+            </a:r>
+          </a:p>
+        </p:txBody>
+      </p:sp>
+      <p:cxnSp>
+        <p:nvCxnSpPr>
+          <p:cNvPr id="75" name="Straight Connector 74">
+            <a:extLst>
+              <a:ext uri="{FF2B5EF4-FFF2-40B4-BE49-F238E27FC236}">
+                <a16:creationId xmlns:a16="http://schemas.microsoft.com/office/drawing/2014/main" id="{DAE3ABC6-4042-4293-A7DF-F01181363B7E}"/>
+              </a:ext>
+              <a:ext uri="{C183D7F6-B498-43B3-948B-1728B52AA6E4}">
+                <adec:decorative xmlns:adec="http://schemas.microsoft.com/office/drawing/2017/decorative" val="1"/>
+              </a:ext>
+            </a:extLst>
+          </p:cNvPr>
+          <p:cNvCxnSpPr>
+            <a:cxnSpLocks noGrp="1" noRot="1" noChangeAspect="1" noMove="1" noResize="1" noEditPoints="1" noAdjustHandles="1" noChangeArrowheads="1" noChangeShapeType="1"/>
+          </p:cNvCxnSpPr>
+          <p:nvPr>
+            <p:extLst>
+              <p:ext uri="{386F3935-93C4-4BCD-93E2-E3B085C9AB24}">
+                <p16:designElem xmlns:p16="http://schemas.microsoft.com/office/powerpoint/2015/main" val="1"/>
+              </p:ext>
+            </p:extLst>
+          </p:nvPr>
+        </p:nvCxnSpPr>
+        <p:spPr>
+          <a:xfrm flipV="1">
+            <a:off x="4739873" y="580963"/>
+            <a:ext cx="0" cy="1371600"/>
+          </a:xfrm>
+          <a:prstGeom prst="line">
+            <a:avLst/>
+          </a:prstGeom>
+          <a:ln w="19050">
+            <a:solidFill>
+              <a:schemeClr val="bg1">
+                <a:alpha val="75000"/>
+              </a:schemeClr>
+            </a:solidFill>
+          </a:ln>
+        </p:spPr>
+        <p:style>
+          <a:lnRef idx="1">
+            <a:schemeClr val="accent1"/>
+          </a:lnRef>
+          <a:fillRef idx="0">
+            <a:schemeClr val="accent1"/>
+          </a:fillRef>
+          <a:effectRef idx="0">
+            <a:schemeClr val="accent1"/>
+          </a:effectRef>
+          <a:fontRef idx="minor">
+            <a:schemeClr val="tx1"/>
+          </a:fontRef>
+        </p:style>
+      </p:cxnSp>
+      <p:sp>
+        <p:nvSpPr>
+          <p:cNvPr id="3" name="Content Placeholder 2">
+            <a:extLst>
+              <a:ext uri="{FF2B5EF4-FFF2-40B4-BE49-F238E27FC236}">
+                <a16:creationId xmlns:a16="http://schemas.microsoft.com/office/drawing/2014/main" id="{0A52EE6B-E1ED-44EC-B4D2-18AA9B7293E4}"/>
+              </a:ext>
+            </a:extLst>
+          </p:cNvPr>
+          <p:cNvSpPr>
+            <a:spLocks noGrp="1"/>
+          </p:cNvSpPr>
+          <p:nvPr>
+            <p:ph idx="1"/>
+          </p:nvPr>
+        </p:nvSpPr>
+        <p:spPr>
+          <a:xfrm>
+            <a:off x="4945336" y="506727"/>
+            <a:ext cx="6609921" cy="1526741"/>
+          </a:xfrm>
+        </p:spPr>
+        <p:txBody>
+          <a:bodyPr anchor="ctr">
+            <a:normAutofit/>
+          </a:bodyPr>
+          <a:lstStyle/>
+          <a:p>
+            <a:r>
+              <a:rPr lang="en-CA" sz="2200" dirty="0">
+                <a:solidFill>
+                  <a:schemeClr val="bg1"/>
+                </a:solidFill>
+              </a:rPr>
+              <a:t>1 CAD = 19.10 HNL</a:t>
+            </a:r>
+          </a:p>
+        </p:txBody>
+      </p:sp>
+      <p:pic>
+        <p:nvPicPr>
+          <p:cNvPr id="2050" name="Picture 2" descr="Circulation Coin Sets of the World">
+            <a:extLst>
+              <a:ext uri="{FF2B5EF4-FFF2-40B4-BE49-F238E27FC236}">
+                <a16:creationId xmlns:a16="http://schemas.microsoft.com/office/drawing/2014/main" id="{8D4517C1-057E-4E84-81E5-C72AAC378B25}"/>
+              </a:ext>
+            </a:extLst>
+          </p:cNvPr>
+          <p:cNvPicPr>
+            <a:picLocks noChangeAspect="1" noChangeArrowheads="1"/>
+          </p:cNvPicPr>
+          <p:nvPr/>
+        </p:nvPicPr>
+        <p:blipFill>
+          <a:blip r:embed="rId3">
+            <a:extLst>
+              <a:ext uri="{28A0092B-C50C-407E-A947-70E740481C1C}">
+                <a14:useLocalDpi xmlns:a14="http://schemas.microsoft.com/office/drawing/2010/main" val="0"/>
+              </a:ext>
+            </a:extLst>
+          </a:blip>
+          <a:stretch>
+            <a:fillRect/>
+          </a:stretch>
+        </p:blipFill>
+        <p:spPr bwMode="auto">
+          <a:xfrm>
+            <a:off x="393308" y="2834831"/>
+            <a:ext cx="5559480" cy="3127207"/>
+          </a:xfrm>
+          <a:prstGeom prst="rect">
+            <a:avLst/>
+          </a:prstGeom>
+          <a:noFill/>
+          <a:extLst>
+            <a:ext uri="{909E8E84-426E-40DD-AFC4-6F175D3DCCD1}">
+              <a14:hiddenFill xmlns:a14="http://schemas.microsoft.com/office/drawing/2010/main">
+                <a:solidFill>
+                  <a:srgbClr val="FFFFFF"/>
+                </a:solidFill>
+              </a14:hiddenFill>
+            </a:ext>
+          </a:extLst>
+        </p:spPr>
+      </p:pic>
+      <p:pic>
+        <p:nvPicPr>
+          <p:cNvPr id="2052" name="Picture 4" descr="Honduras Money | Dollars and lempiras, taxes and interest, Part 1 | Honduras,  Countries in central america, Banknote collection">
+            <a:extLst>
+              <a:ext uri="{FF2B5EF4-FFF2-40B4-BE49-F238E27FC236}">
+                <a16:creationId xmlns:a16="http://schemas.microsoft.com/office/drawing/2014/main" id="{7D7230AB-1DF3-4C5B-822D-F9A9BCECE57E}"/>
+              </a:ext>
+            </a:extLst>
+          </p:cNvPr>
+          <p:cNvPicPr>
+            <a:picLocks noChangeAspect="1" noChangeArrowheads="1"/>
+          </p:cNvPicPr>
+          <p:nvPr/>
+        </p:nvPicPr>
+        <p:blipFill>
+          <a:blip r:embed="rId4">
+            <a:extLst>
+              <a:ext uri="{28A0092B-C50C-407E-A947-70E740481C1C}">
+                <a14:useLocalDpi xmlns:a14="http://schemas.microsoft.com/office/drawing/2010/main" val="0"/>
+              </a:ext>
+            </a:extLst>
+          </a:blip>
+          <a:stretch>
+            <a:fillRect/>
+          </a:stretch>
+        </p:blipFill>
+        <p:spPr bwMode="auto">
+          <a:xfrm>
+            <a:off x="6882905" y="2527997"/>
+            <a:ext cx="4284617" cy="3749040"/>
+          </a:xfrm>
+          <a:prstGeom prst="rect">
+            <a:avLst/>
+          </a:prstGeom>
+          <a:noFill/>
+          <a:extLst>
+            <a:ext uri="{909E8E84-426E-40DD-AFC4-6F175D3DCCD1}">
+              <a14:hiddenFill xmlns:a14="http://schemas.microsoft.com/office/drawing/2010/main">
+                <a:solidFill>
+                  <a:srgbClr val="FFFFFF"/>
+                </a:solidFill>
+              </a14:hiddenFill>
+            </a:ext>
+          </a:extLst>
+        </p:spPr>
+      </p:pic>
+    </p:spTree>
+    <p:extLst>
+      <p:ext uri="{BB962C8B-B14F-4D97-AF65-F5344CB8AC3E}">
+        <p14:creationId xmlns:p14="http://schemas.microsoft.com/office/powerpoint/2010/main" val="326744828"/>
+      </p:ext>
+    </p:extLst>
+  </p:cSld>
+  <p:clrMapOvr>
+    <a:masterClrMapping/>
+  </p:clrMapOvr>
+</p:sld>
+</file>
+
+<file path=ppt/slides/slide5.xml><?xml version="1.0" encoding="utf-8"?>
+<p:sld xmlns:a="http://schemas.openxmlformats.org/drawingml/2006/main" xmlns:r="http://schemas.openxmlformats.org/officeDocument/2006/relationships" xmlns:p="http://schemas.openxmlformats.org/presentationml/2006/main">
+  <p:cSld>
+    <p:bg>
+      <p:bgPr>
+        <a:solidFill>
+          <a:schemeClr val="bg1">
+            <a:tint val="95000"/>
+            <a:satMod val="170000"/>
+          </a:schemeClr>
+        </a:solidFill>
+        <a:effectLst/>
+      </p:bgPr>
+    </p:bg>
+    <p:spTree>
+      <p:nvGrpSpPr>
+        <p:cNvPr id="1" name=""/>
+        <p:cNvGrpSpPr/>
+        <p:nvPr/>
+      </p:nvGrpSpPr>
+      <p:grpSpPr>
+        <a:xfrm>
+          <a:off x="0" y="0"/>
+          <a:ext cx="0" cy="0"/>
+          <a:chOff x="0" y="0"/>
+          <a:chExt cx="0" cy="0"/>
+        </a:xfrm>
+      </p:grpSpPr>
+      <p:sp>
+        <p:nvSpPr>
+          <p:cNvPr id="18" name="Rectangle 17">
+            <a:extLst>
+              <a:ext uri="{FF2B5EF4-FFF2-40B4-BE49-F238E27FC236}">
+                <a16:creationId xmlns:a16="http://schemas.microsoft.com/office/drawing/2014/main" id="{2A785343-5D24-4118-A2E4-665D196F60C2}"/>
+              </a:ext>
+              <a:ext uri="{C183D7F6-B498-43B3-948B-1728B52AA6E4}">
+                <adec:decorative xmlns:adec="http://schemas.microsoft.com/office/drawing/2017/decorative" val="1"/>
+              </a:ext>
+            </a:extLst>
+          </p:cNvPr>
+          <p:cNvSpPr>
+            <a:spLocks noGrp="1" noRot="1" noChangeAspect="1" noMove="1" noResize="1" noEditPoints="1" noAdjustHandles="1" noChangeArrowheads="1" noChangeShapeType="1" noTextEdit="1"/>
+          </p:cNvSpPr>
+          <p:nvPr>
+            <p:extLst>
+              <p:ext uri="{386F3935-93C4-4BCD-93E2-E3B085C9AB24}">
+                <p16:designElem xmlns:p16="http://schemas.microsoft.com/office/powerpoint/2015/main" val="1"/>
+              </p:ext>
+            </p:extLst>
+          </p:nvPr>
+        </p:nvSpPr>
+        <p:spPr>
+          <a:xfrm>
+            <a:off x="0" y="0"/>
+            <a:ext cx="12191999" cy="6858000"/>
+          </a:xfrm>
+          <a:prstGeom prst="rect">
+            <a:avLst/>
+          </a:prstGeom>
+          <a:solidFill>
+            <a:schemeClr val="tx1"/>
+          </a:solidFill>
+          <a:ln>
+            <a:noFill/>
+          </a:ln>
+        </p:spPr>
+        <p:style>
+          <a:lnRef idx="2">
+            <a:schemeClr val="accent1">
+              <a:shade val="50000"/>
+            </a:schemeClr>
+          </a:lnRef>
+          <a:fillRef idx="1">
+            <a:schemeClr val="accent1"/>
+          </a:fillRef>
+          <a:effectRef idx="0">
+            <a:schemeClr val="accent1"/>
+          </a:effectRef>
+          <a:fontRef idx="minor">
+            <a:schemeClr val="lt1"/>
+          </a:fontRef>
+        </p:style>
+        <p:txBody>
+          <a:bodyPr rtlCol="0" anchor="ctr"/>
+          <a:lstStyle/>
+          <a:p>
+            <a:pPr marL="0" marR="0" lvl="0" indent="0" algn="ctr" defTabSz="914400" rtl="0" eaLnBrk="1" fontAlgn="auto" latinLnBrk="0" hangingPunct="1">
+              <a:lnSpc>
+                <a:spcPct val="100000"/>
+              </a:lnSpc>
+              <a:spcBef>
+                <a:spcPts val="0"/>
+              </a:spcBef>
+              <a:spcAft>
+                <a:spcPts val="0"/>
+              </a:spcAft>
+              <a:buClrTx/>
+              <a:buSzTx/>
+              <a:buFontTx/>
+              <a:buNone/>
+              <a:tabLst/>
+              <a:defRPr/>
+            </a:pPr>
+            <a:endParaRPr kumimoji="0" lang="en-US" sz="1800" b="0" i="0" u="none" strike="noStrike" kern="1200" cap="none" spc="0" normalizeH="0" baseline="0" noProof="0">
+              <a:ln>
+                <a:noFill/>
+              </a:ln>
+              <a:solidFill>
+                <a:prstClr val="white"/>
+              </a:solidFill>
+              <a:effectLst/>
+              <a:uLnTx/>
+              <a:uFillTx/>
+              <a:latin typeface="Calibri" panose="020F0502020204030204"/>
+              <a:ea typeface="+mn-ea"/>
+              <a:cs typeface="+mn-cs"/>
+            </a:endParaRPr>
+          </a:p>
+        </p:txBody>
+      </p:sp>
+      <p:pic>
+        <p:nvPicPr>
+          <p:cNvPr id="5" name="Picture 4" descr="A person holding a piece of bread with broccoli on it&#10;&#10;Description automatically generated with low confidence">
+            <a:extLst>
+              <a:ext uri="{FF2B5EF4-FFF2-40B4-BE49-F238E27FC236}">
+                <a16:creationId xmlns:a16="http://schemas.microsoft.com/office/drawing/2014/main" id="{89DAAA2E-CBFD-4D94-B79D-648C4C039BB1}"/>
+              </a:ext>
+            </a:extLst>
+          </p:cNvPr>
+          <p:cNvPicPr>
+            <a:picLocks noChangeAspect="1"/>
+          </p:cNvPicPr>
+          <p:nvPr/>
+        </p:nvPicPr>
+        <p:blipFill rotWithShape="1">
+          <a:blip r:embed="rId3"/>
+          <a:srcRect t="23138" b="15484"/>
+          <a:stretch/>
+        </p:blipFill>
+        <p:spPr>
+          <a:xfrm>
+            <a:off x="2" y="-6235"/>
+            <a:ext cx="3255403" cy="2505456"/>
+          </a:xfrm>
+          <a:custGeom>
+            <a:avLst/>
+            <a:gdLst/>
+            <a:ahLst/>
+            <a:cxnLst/>
+            <a:rect l="l" t="t" r="r" b="b"/>
+            <a:pathLst>
+              <a:path w="3255403" h="2505456">
+                <a:moveTo>
+                  <a:pt x="0" y="0"/>
+                </a:moveTo>
+                <a:lnTo>
+                  <a:pt x="3255403" y="0"/>
+                </a:lnTo>
+                <a:lnTo>
+                  <a:pt x="2094477" y="2505456"/>
+                </a:lnTo>
+                <a:lnTo>
+                  <a:pt x="0" y="2505456"/>
+                </a:lnTo>
+                <a:close/>
+              </a:path>
+            </a:pathLst>
+          </a:custGeom>
+        </p:spPr>
+      </p:pic>
+      <p:pic>
+        <p:nvPicPr>
+          <p:cNvPr id="11" name="Picture 10" descr="A plate of food&#10;&#10;Description automatically generated with low confidence">
+            <a:extLst>
+              <a:ext uri="{FF2B5EF4-FFF2-40B4-BE49-F238E27FC236}">
+                <a16:creationId xmlns:a16="http://schemas.microsoft.com/office/drawing/2014/main" id="{BF1F79CC-3B35-461E-8864-6AF6A5C1D15C}"/>
+              </a:ext>
+            </a:extLst>
+          </p:cNvPr>
+          <p:cNvPicPr>
+            <a:picLocks noChangeAspect="1"/>
+          </p:cNvPicPr>
+          <p:nvPr/>
+        </p:nvPicPr>
+        <p:blipFill rotWithShape="1">
+          <a:blip r:embed="rId4"/>
+          <a:srcRect r="-3" b="30417"/>
+          <a:stretch/>
+        </p:blipFill>
+        <p:spPr>
+          <a:xfrm>
+            <a:off x="7381876" y="10"/>
+            <a:ext cx="4810125" cy="2501827"/>
+          </a:xfrm>
+          <a:custGeom>
+            <a:avLst/>
+            <a:gdLst/>
+            <a:ahLst/>
+            <a:cxnLst/>
+            <a:rect l="l" t="t" r="r" b="b"/>
+            <a:pathLst>
+              <a:path w="4810125" h="2501837">
+                <a:moveTo>
+                  <a:pt x="1159248" y="0"/>
+                </a:moveTo>
+                <a:lnTo>
+                  <a:pt x="4810125" y="0"/>
+                </a:lnTo>
+                <a:lnTo>
+                  <a:pt x="4810125" y="2501837"/>
+                </a:lnTo>
+                <a:lnTo>
+                  <a:pt x="0" y="2501837"/>
+                </a:lnTo>
+                <a:close/>
+              </a:path>
+            </a:pathLst>
+          </a:custGeom>
+        </p:spPr>
+      </p:pic>
+      <p:pic>
+        <p:nvPicPr>
+          <p:cNvPr id="7" name="Picture 6">
+            <a:extLst>
+              <a:ext uri="{FF2B5EF4-FFF2-40B4-BE49-F238E27FC236}">
+                <a16:creationId xmlns:a16="http://schemas.microsoft.com/office/drawing/2014/main" id="{40162F43-3DCE-4208-AC32-76CA02D90F11}"/>
+              </a:ext>
+            </a:extLst>
+          </p:cNvPr>
+          <p:cNvPicPr>
+            <a:picLocks noChangeAspect="1"/>
+          </p:cNvPicPr>
+          <p:nvPr/>
+        </p:nvPicPr>
+        <p:blipFill rotWithShape="1">
+          <a:blip r:embed="rId5"/>
+          <a:srcRect t="8631" r="5" b="23249"/>
+          <a:stretch/>
+        </p:blipFill>
+        <p:spPr>
+          <a:xfrm>
+            <a:off x="4675537" y="-6235"/>
+            <a:ext cx="3677817" cy="2505456"/>
+          </a:xfrm>
+          <a:custGeom>
+            <a:avLst/>
+            <a:gdLst/>
+            <a:ahLst/>
+            <a:cxnLst/>
+            <a:rect l="l" t="t" r="r" b="b"/>
+            <a:pathLst>
+              <a:path w="3677817" h="2505456">
+                <a:moveTo>
+                  <a:pt x="1160926" y="0"/>
+                </a:moveTo>
+                <a:lnTo>
+                  <a:pt x="3677817" y="0"/>
+                </a:lnTo>
+                <a:lnTo>
+                  <a:pt x="2516891" y="2505456"/>
+                </a:lnTo>
+                <a:lnTo>
+                  <a:pt x="0" y="2505456"/>
+                </a:lnTo>
+                <a:close/>
+              </a:path>
+            </a:pathLst>
+          </a:custGeom>
+        </p:spPr>
+      </p:pic>
+      <p:pic>
+        <p:nvPicPr>
+          <p:cNvPr id="9" name="Picture 8" descr="A plate of food&#10;&#10;Description automatically generated with low confidence">
+            <a:extLst>
+              <a:ext uri="{FF2B5EF4-FFF2-40B4-BE49-F238E27FC236}">
+                <a16:creationId xmlns:a16="http://schemas.microsoft.com/office/drawing/2014/main" id="{59AD1AFF-C514-4FCF-9FF1-97C43450CFF7}"/>
+              </a:ext>
+            </a:extLst>
+          </p:cNvPr>
+          <p:cNvPicPr>
+            <a:picLocks noChangeAspect="1"/>
+          </p:cNvPicPr>
+          <p:nvPr/>
+        </p:nvPicPr>
+        <p:blipFill rotWithShape="1">
+          <a:blip r:embed="rId6"/>
+          <a:srcRect t="15335" r="-2" b="-2"/>
+          <a:stretch/>
+        </p:blipFill>
+        <p:spPr>
+          <a:xfrm>
+            <a:off x="5353049" y="2660089"/>
+            <a:ext cx="6838950" cy="4197911"/>
+          </a:xfrm>
+          <a:custGeom>
+            <a:avLst/>
+            <a:gdLst/>
+            <a:ahLst/>
+            <a:cxnLst/>
+            <a:rect l="l" t="t" r="r" b="b"/>
+            <a:pathLst>
+              <a:path w="6838950" h="4197911">
+                <a:moveTo>
+                  <a:pt x="1945141" y="0"/>
+                </a:moveTo>
+                <a:lnTo>
+                  <a:pt x="1951364" y="0"/>
+                </a:lnTo>
+                <a:lnTo>
+                  <a:pt x="3141155" y="0"/>
+                </a:lnTo>
+                <a:lnTo>
+                  <a:pt x="4791200" y="0"/>
+                </a:lnTo>
+                <a:lnTo>
+                  <a:pt x="6838950" y="0"/>
+                </a:lnTo>
+                <a:lnTo>
+                  <a:pt x="6838950" y="4197911"/>
+                </a:lnTo>
+                <a:lnTo>
+                  <a:pt x="0" y="4197911"/>
+                </a:lnTo>
+                <a:close/>
+              </a:path>
+            </a:pathLst>
+          </a:custGeom>
+        </p:spPr>
+      </p:pic>
+      <p:sp>
+        <p:nvSpPr>
+          <p:cNvPr id="20" name="Freeform 11">
+            <a:extLst>
+              <a:ext uri="{FF2B5EF4-FFF2-40B4-BE49-F238E27FC236}">
+                <a16:creationId xmlns:a16="http://schemas.microsoft.com/office/drawing/2014/main" id="{32F4D216-10B7-4DCA-A0A1-068E9E32F4F2}"/>
+              </a:ext>
+              <a:ext uri="{C183D7F6-B498-43B3-948B-1728B52AA6E4}">
+                <adec:decorative xmlns:adec="http://schemas.microsoft.com/office/drawing/2017/decorative" val="1"/>
+              </a:ext>
+            </a:extLst>
+          </p:cNvPr>
+          <p:cNvSpPr>
+            <a:spLocks noGrp="1" noRot="1" noChangeAspect="1" noMove="1" noResize="1" noEditPoints="1" noAdjustHandles="1" noChangeArrowheads="1" noChangeShapeType="1" noTextEdit="1"/>
+          </p:cNvSpPr>
+          <p:nvPr>
+            <p:extLst>
+              <p:ext uri="{386F3935-93C4-4BCD-93E2-E3B085C9AB24}">
+                <p16:designElem xmlns:p16="http://schemas.microsoft.com/office/powerpoint/2015/main" val="1"/>
+              </p:ext>
+            </p:extLst>
+          </p:nvPr>
+        </p:nvSpPr>
+        <p:spPr>
+          <a:xfrm flipV="1">
+            <a:off x="1" y="2660091"/>
+            <a:ext cx="7122523" cy="4197911"/>
+          </a:xfrm>
+          <a:custGeom>
+            <a:avLst/>
+            <a:gdLst>
+              <a:gd name="connsiteX0" fmla="*/ 0 w 7122523"/>
+              <a:gd name="connsiteY0" fmla="*/ 4197911 h 4197911"/>
+              <a:gd name="connsiteX1" fmla="*/ 7122523 w 7122523"/>
+              <a:gd name="connsiteY1" fmla="*/ 4197911 h 4197911"/>
+              <a:gd name="connsiteX2" fmla="*/ 5177382 w 7122523"/>
+              <a:gd name="connsiteY2" fmla="*/ 0 h 4197911"/>
+              <a:gd name="connsiteX3" fmla="*/ 5171159 w 7122523"/>
+              <a:gd name="connsiteY3" fmla="*/ 0 h 4197911"/>
+              <a:gd name="connsiteX4" fmla="*/ 3981368 w 7122523"/>
+              <a:gd name="connsiteY4" fmla="*/ 0 h 4197911"/>
+              <a:gd name="connsiteX5" fmla="*/ 2331323 w 7122523"/>
+              <a:gd name="connsiteY5" fmla="*/ 0 h 4197911"/>
+              <a:gd name="connsiteX6" fmla="*/ 0 w 7122523"/>
+              <a:gd name="connsiteY6" fmla="*/ 0 h 4197911"/>
+            </a:gdLst>
+            <a:ahLst/>
+            <a:cxnLst>
+              <a:cxn ang="0">
+                <a:pos x="connsiteX0" y="connsiteY0"/>
+              </a:cxn>
+              <a:cxn ang="0">
+                <a:pos x="connsiteX1" y="connsiteY1"/>
+              </a:cxn>
+              <a:cxn ang="0">
+                <a:pos x="connsiteX2" y="connsiteY2"/>
+              </a:cxn>
+              <a:cxn ang="0">
+                <a:pos x="connsiteX3" y="connsiteY3"/>
+              </a:cxn>
+              <a:cxn ang="0">
+                <a:pos x="connsiteX4" y="connsiteY4"/>
+              </a:cxn>
+              <a:cxn ang="0">
+                <a:pos x="connsiteX5" y="connsiteY5"/>
+              </a:cxn>
+              <a:cxn ang="0">
+                <a:pos x="connsiteX6" y="connsiteY6"/>
+              </a:cxn>
+            </a:cxnLst>
+            <a:rect l="l" t="t" r="r" b="b"/>
+            <a:pathLst>
+              <a:path w="7122523" h="4197911">
+                <a:moveTo>
+                  <a:pt x="0" y="4197911"/>
+                </a:moveTo>
+                <a:lnTo>
+                  <a:pt x="7122523" y="4197911"/>
+                </a:lnTo>
+                <a:lnTo>
+                  <a:pt x="5177382" y="0"/>
+                </a:lnTo>
+                <a:lnTo>
+                  <a:pt x="5171159" y="0"/>
+                </a:lnTo>
+                <a:lnTo>
+                  <a:pt x="3981368" y="0"/>
+                </a:lnTo>
+                <a:lnTo>
+                  <a:pt x="2331323" y="0"/>
+                </a:lnTo>
+                <a:lnTo>
+                  <a:pt x="0" y="0"/>
+                </a:lnTo>
+                <a:close/>
+              </a:path>
+            </a:pathLst>
+          </a:custGeom>
+          <a:solidFill>
+            <a:srgbClr val="404040"/>
+          </a:solidFill>
+          <a:ln>
+            <a:noFill/>
+          </a:ln>
+        </p:spPr>
+        <p:style>
+          <a:lnRef idx="2">
+            <a:schemeClr val="accent1">
+              <a:shade val="50000"/>
+            </a:schemeClr>
+          </a:lnRef>
+          <a:fillRef idx="1">
+            <a:schemeClr val="accent1"/>
+          </a:fillRef>
+          <a:effectRef idx="0">
+            <a:schemeClr val="accent1"/>
+          </a:effectRef>
+          <a:fontRef idx="minor">
+            <a:schemeClr val="lt1"/>
+          </a:fontRef>
+        </p:style>
+        <p:txBody>
+          <a:bodyPr wrap="square" rtlCol="0" anchor="ctr">
+            <a:noAutofit/>
+          </a:bodyPr>
+          <a:lstStyle/>
+          <a:p>
+            <a:pPr marL="0" marR="0" lvl="0" indent="0" algn="ctr" defTabSz="914400" rtl="0" eaLnBrk="1" fontAlgn="auto" latinLnBrk="0" hangingPunct="1">
+              <a:lnSpc>
+                <a:spcPct val="100000"/>
+              </a:lnSpc>
+              <a:spcBef>
+                <a:spcPts val="0"/>
+              </a:spcBef>
+              <a:spcAft>
+                <a:spcPts val="0"/>
+              </a:spcAft>
+              <a:buClrTx/>
+              <a:buSzTx/>
+              <a:buFontTx/>
+              <a:buNone/>
+              <a:tabLst/>
+              <a:defRPr/>
+            </a:pPr>
+            <a:endParaRPr kumimoji="0" lang="en-US" sz="1800" b="0" i="0" u="none" strike="noStrike" kern="1200" cap="none" spc="0" normalizeH="0" baseline="0" noProof="0">
+              <a:ln>
+                <a:noFill/>
+              </a:ln>
+              <a:solidFill>
+                <a:prstClr val="white"/>
+              </a:solidFill>
+              <a:effectLst/>
+              <a:uLnTx/>
+              <a:uFillTx/>
+              <a:latin typeface="Calibri" panose="020F0502020204030204"/>
+              <a:ea typeface="+mn-ea"/>
+              <a:cs typeface="+mn-cs"/>
+            </a:endParaRPr>
+          </a:p>
+        </p:txBody>
+      </p:sp>
+      <p:sp>
+        <p:nvSpPr>
+          <p:cNvPr id="2" name="Title 1">
+            <a:extLst>
+              <a:ext uri="{FF2B5EF4-FFF2-40B4-BE49-F238E27FC236}">
+                <a16:creationId xmlns:a16="http://schemas.microsoft.com/office/drawing/2014/main" id="{4CA7D7F3-7EB8-4E70-9D19-E6C8900D4D50}"/>
+              </a:ext>
+            </a:extLst>
+          </p:cNvPr>
+          <p:cNvSpPr>
+            <a:spLocks noGrp="1"/>
+          </p:cNvSpPr>
+          <p:nvPr>
+            <p:ph type="title"/>
+          </p:nvPr>
+        </p:nvSpPr>
+        <p:spPr>
+          <a:xfrm>
+            <a:off x="682388" y="3098042"/>
+            <a:ext cx="5308979" cy="852985"/>
+          </a:xfrm>
+        </p:spPr>
+        <p:txBody>
+          <a:bodyPr>
+            <a:normAutofit/>
+          </a:bodyPr>
+          <a:lstStyle/>
+          <a:p>
+            <a:r>
+              <a:rPr lang="en-CA" sz="3600">
+                <a:solidFill>
+                  <a:srgbClr val="FFFFFF"/>
+                </a:solidFill>
+              </a:rPr>
+              <a:t>Traditional foods</a:t>
+            </a:r>
+          </a:p>
+        </p:txBody>
+      </p:sp>
+      <p:pic>
+        <p:nvPicPr>
+          <p:cNvPr id="13" name="Picture 12">
+            <a:extLst>
+              <a:ext uri="{FF2B5EF4-FFF2-40B4-BE49-F238E27FC236}">
+                <a16:creationId xmlns:a16="http://schemas.microsoft.com/office/drawing/2014/main" id="{7D074ED6-A5B4-4894-86CD-8C6F8A438194}"/>
+              </a:ext>
+            </a:extLst>
+          </p:cNvPr>
+          <p:cNvPicPr>
+            <a:picLocks noChangeAspect="1"/>
+          </p:cNvPicPr>
+          <p:nvPr/>
+        </p:nvPicPr>
+        <p:blipFill rotWithShape="1">
+          <a:blip r:embed="rId7"/>
+          <a:srcRect t="5456" r="2" b="2"/>
+          <a:stretch/>
+        </p:blipFill>
+        <p:spPr>
+          <a:xfrm>
+            <a:off x="2268501" y="10"/>
+            <a:ext cx="3393943" cy="2502833"/>
+          </a:xfrm>
+          <a:custGeom>
+            <a:avLst/>
+            <a:gdLst/>
+            <a:ahLst/>
+            <a:cxnLst/>
+            <a:rect l="l" t="t" r="r" b="b"/>
+            <a:pathLst>
+              <a:path w="3393943" h="2502843">
+                <a:moveTo>
+                  <a:pt x="1159715" y="0"/>
+                </a:moveTo>
+                <a:lnTo>
+                  <a:pt x="3393943" y="0"/>
+                </a:lnTo>
+                <a:lnTo>
+                  <a:pt x="2234228" y="2502843"/>
+                </a:lnTo>
+                <a:lnTo>
+                  <a:pt x="0" y="2502843"/>
+                </a:lnTo>
+                <a:close/>
+              </a:path>
+            </a:pathLst>
+          </a:custGeom>
+        </p:spPr>
+      </p:pic>
+      <p:sp>
+        <p:nvSpPr>
+          <p:cNvPr id="3" name="Content Placeholder 2">
+            <a:extLst>
+              <a:ext uri="{FF2B5EF4-FFF2-40B4-BE49-F238E27FC236}">
+                <a16:creationId xmlns:a16="http://schemas.microsoft.com/office/drawing/2014/main" id="{276A155B-9D75-4552-BCD7-C781BD49CA2C}"/>
+              </a:ext>
+            </a:extLst>
+          </p:cNvPr>
+          <p:cNvSpPr>
+            <a:spLocks noGrp="1"/>
+          </p:cNvSpPr>
+          <p:nvPr>
+            <p:ph idx="1"/>
+          </p:nvPr>
+        </p:nvSpPr>
+        <p:spPr>
+          <a:xfrm>
+            <a:off x="663772" y="4384454"/>
+            <a:ext cx="4746863" cy="2130364"/>
+          </a:xfrm>
+        </p:spPr>
+        <p:txBody>
+          <a:bodyPr anchor="ctr">
+            <a:normAutofit/>
+          </a:bodyPr>
+          <a:lstStyle/>
+          <a:p>
+            <a:pPr>
+              <a:buFont typeface="Wingdings" panose="05000000000000000000" pitchFamily="2" charset="2"/>
+              <a:buChar char="v"/>
+            </a:pPr>
+            <a:r>
+              <a:rPr lang="en-CA" sz="2000" dirty="0">
+                <a:solidFill>
+                  <a:srgbClr val="FFFFFF"/>
+                </a:solidFill>
+              </a:rPr>
+              <a:t> </a:t>
+            </a:r>
+            <a:r>
+              <a:rPr lang="en-CA" sz="2000" dirty="0" err="1">
+                <a:solidFill>
+                  <a:srgbClr val="FFFFFF"/>
+                </a:solidFill>
+              </a:rPr>
+              <a:t>Choripan</a:t>
+            </a:r>
+            <a:endParaRPr lang="en-CA" sz="2000" dirty="0">
+              <a:solidFill>
+                <a:srgbClr val="FFFFFF"/>
+              </a:solidFill>
+            </a:endParaRPr>
+          </a:p>
+          <a:p>
+            <a:pPr>
+              <a:buFont typeface="Wingdings" panose="05000000000000000000" pitchFamily="2" charset="2"/>
+              <a:buChar char="v"/>
+            </a:pPr>
+            <a:r>
+              <a:rPr lang="en-CA" sz="2000" dirty="0">
+                <a:solidFill>
+                  <a:srgbClr val="FFFFFF"/>
+                </a:solidFill>
+              </a:rPr>
+              <a:t> </a:t>
+            </a:r>
+            <a:r>
+              <a:rPr lang="en-CA" sz="2000" dirty="0" err="1">
+                <a:solidFill>
+                  <a:srgbClr val="FFFFFF"/>
+                </a:solidFill>
+              </a:rPr>
+              <a:t>Baleadas</a:t>
+            </a:r>
+            <a:r>
+              <a:rPr lang="en-CA" sz="2000" dirty="0">
+                <a:solidFill>
+                  <a:srgbClr val="FFFFFF"/>
+                </a:solidFill>
+              </a:rPr>
+              <a:t> </a:t>
+            </a:r>
+          </a:p>
+          <a:p>
+            <a:pPr>
+              <a:buFont typeface="Wingdings" panose="05000000000000000000" pitchFamily="2" charset="2"/>
+              <a:buChar char="v"/>
+            </a:pPr>
+            <a:r>
+              <a:rPr lang="en-CA" sz="2000" dirty="0">
+                <a:solidFill>
+                  <a:srgbClr val="FFFFFF"/>
+                </a:solidFill>
+              </a:rPr>
+              <a:t> Horchata</a:t>
+            </a:r>
+          </a:p>
+          <a:p>
+            <a:pPr>
+              <a:buFont typeface="Wingdings" panose="05000000000000000000" pitchFamily="2" charset="2"/>
+              <a:buChar char="v"/>
+            </a:pPr>
+            <a:r>
+              <a:rPr lang="en-CA" sz="2000" dirty="0">
+                <a:solidFill>
+                  <a:srgbClr val="FFFFFF"/>
+                </a:solidFill>
+              </a:rPr>
+              <a:t> Tamales</a:t>
+            </a:r>
+          </a:p>
+          <a:p>
+            <a:pPr>
+              <a:buFont typeface="Wingdings" panose="05000000000000000000" pitchFamily="2" charset="2"/>
+              <a:buChar char="v"/>
+            </a:pPr>
+            <a:r>
+              <a:rPr lang="en-CA" sz="2000" dirty="0">
+                <a:solidFill>
+                  <a:srgbClr val="FFFFFF"/>
+                </a:solidFill>
+              </a:rPr>
+              <a:t> </a:t>
+            </a:r>
+            <a:r>
+              <a:rPr lang="en-CA" sz="2000" dirty="0" err="1">
+                <a:solidFill>
+                  <a:srgbClr val="FFFFFF"/>
+                </a:solidFill>
+              </a:rPr>
+              <a:t>Pupusas</a:t>
+            </a:r>
+            <a:endParaRPr lang="en-CA" sz="2000" dirty="0">
+              <a:solidFill>
+                <a:srgbClr val="FFFFFF"/>
+              </a:solidFill>
+            </a:endParaRPr>
+          </a:p>
+          <a:p>
+            <a:endParaRPr lang="en-CA" sz="2000" dirty="0">
+              <a:solidFill>
+                <a:srgbClr val="FFFFFF"/>
+              </a:solidFill>
+            </a:endParaRPr>
+          </a:p>
+          <a:p>
+            <a:endParaRPr lang="en-CA" sz="2000" dirty="0">
+              <a:solidFill>
+                <a:srgbClr val="FFFFFF"/>
+              </a:solidFill>
+            </a:endParaRPr>
+          </a:p>
+          <a:p>
+            <a:endParaRPr lang="en-CA" sz="2000" dirty="0">
+              <a:solidFill>
+                <a:srgbClr val="FFFFFF"/>
+              </a:solidFill>
+            </a:endParaRPr>
+          </a:p>
+        </p:txBody>
+      </p:sp>
+    </p:spTree>
+    <p:extLst>
+      <p:ext uri="{BB962C8B-B14F-4D97-AF65-F5344CB8AC3E}">
+        <p14:creationId xmlns:p14="http://schemas.microsoft.com/office/powerpoint/2010/main" val="2205035568"/>
+      </p:ext>
+    </p:extLst>
+  </p:cSld>
+  <p:clrMapOvr>
+    <a:overrideClrMapping bg1="dk1" tx1="lt1" bg2="dk2" tx2="lt2" accent1="accent1" accent2="accent2" accent3="accent3" accent4="accent4" accent5="accent5" accent6="accent6" hlink="hlink" folHlink="folHlink"/>
+  </p:clrMapOvr>
+</p:sld>
+</file>
+
+<file path=ppt/slides/slide6.xml><?xml version="1.0" encoding="utf-8"?>
+<p:sld xmlns:a="http://schemas.openxmlformats.org/drawingml/2006/main" xmlns:r="http://schemas.openxmlformats.org/officeDocument/2006/relationships" xmlns:p="http://schemas.openxmlformats.org/presentationml/2006/main">
+  <p:cSld>
+    <p:bg>
+      <p:bgPr>
+        <a:solidFill>
+          <a:schemeClr val="bg1"/>
+        </a:solidFill>
+        <a:effectLst/>
+      </p:bgPr>
+    </p:bg>
+    <p:spTree>
+      <p:nvGrpSpPr>
+        <p:cNvPr id="1" name=""/>
+        <p:cNvGrpSpPr/>
+        <p:nvPr/>
+      </p:nvGrpSpPr>
+      <p:grpSpPr>
+        <a:xfrm>
+          <a:off x="0" y="0"/>
+          <a:ext cx="0" cy="0"/>
+          <a:chOff x="0" y="0"/>
+          <a:chExt cx="0" cy="0"/>
+        </a:xfrm>
+      </p:grpSpPr>
+      <p:sp useBgFill="1">
+        <p:nvSpPr>
+          <p:cNvPr id="3076" name="Rectangle 70">
+            <a:extLst>
+              <a:ext uri="{FF2B5EF4-FFF2-40B4-BE49-F238E27FC236}">
+                <a16:creationId xmlns:a16="http://schemas.microsoft.com/office/drawing/2014/main" id="{8181FC64-B306-4821-98E2-780662EFC486}"/>
+              </a:ext>
+              <a:ext uri="{C183D7F6-B498-43B3-948B-1728B52AA6E4}">
+                <adec:decorative xmlns:adec="http://schemas.microsoft.com/office/drawing/2017/decorative" val="1"/>
+              </a:ext>
+            </a:extLst>
+          </p:cNvPr>
+          <p:cNvSpPr>
+            <a:spLocks noGrp="1" noRot="1" noChangeAspect="1" noMove="1" noResize="1" noEditPoints="1" noAdjustHandles="1" noChangeArrowheads="1" noChangeShapeType="1" noTextEdit="1"/>
+          </p:cNvSpPr>
+          <p:nvPr>
+            <p:extLst>
+              <p:ext uri="{386F3935-93C4-4BCD-93E2-E3B085C9AB24}">
+                <p16:designElem xmlns:p16="http://schemas.microsoft.com/office/powerpoint/2015/main" val="1"/>
+              </p:ext>
+            </p:extLst>
+          </p:nvPr>
+        </p:nvSpPr>
+        <p:spPr>
+          <a:xfrm>
+            <a:off x="305" y="0"/>
+            <a:ext cx="12191695" cy="6858000"/>
+          </a:xfrm>
+          <a:prstGeom prst="rect">
+            <a:avLst/>
+          </a:prstGeom>
+          <a:ln>
+            <a:noFill/>
+          </a:ln>
+        </p:spPr>
+        <p:style>
+          <a:lnRef idx="2">
+            <a:schemeClr val="accent1">
+              <a:shade val="50000"/>
+            </a:schemeClr>
+          </a:lnRef>
+          <a:fillRef idx="1">
+            <a:schemeClr val="accent1"/>
+          </a:fillRef>
+          <a:effectRef idx="0">
+            <a:schemeClr val="accent1"/>
+          </a:effectRef>
+          <a:fontRef idx="minor">
+            <a:schemeClr val="lt1"/>
+          </a:fontRef>
+        </p:style>
+        <p:txBody>
+          <a:bodyPr rtlCol="0" anchor="ctr"/>
+          <a:lstStyle/>
+          <a:p>
+            <a:pPr marL="0" marR="0" lvl="0" indent="0" algn="ctr" defTabSz="457200" rtl="0" eaLnBrk="1" fontAlgn="auto" latinLnBrk="0" hangingPunct="1">
+              <a:lnSpc>
+                <a:spcPct val="100000"/>
+              </a:lnSpc>
+              <a:spcBef>
+                <a:spcPts val="0"/>
+              </a:spcBef>
+              <a:spcAft>
+                <a:spcPts val="0"/>
+              </a:spcAft>
+              <a:buClrTx/>
+              <a:buSzTx/>
+              <a:buFontTx/>
+              <a:buNone/>
+              <a:tabLst/>
+              <a:defRPr/>
+            </a:pPr>
+            <a:endParaRPr kumimoji="0" lang="en-US" sz="1800" b="0" i="0" u="none" strike="noStrike" kern="1200" cap="none" spc="0" normalizeH="0" baseline="0" noProof="0" dirty="0">
+              <a:ln>
+                <a:noFill/>
+              </a:ln>
+              <a:solidFill>
+                <a:prstClr val="white"/>
+              </a:solidFill>
+              <a:effectLst/>
+              <a:uLnTx/>
+              <a:uFillTx/>
+              <a:latin typeface="Meiryo"/>
+              <a:ea typeface="+mn-ea"/>
+              <a:cs typeface="+mn-cs"/>
+            </a:endParaRPr>
+          </a:p>
+        </p:txBody>
+      </p:sp>
+      <p:pic>
+        <p:nvPicPr>
+          <p:cNvPr id="3074" name="Picture 2" descr="beautiful Tegucigalpa, Honduras | Luxury travel destinations, Tegucigalpa,  Beautiful places">
+            <a:extLst>
+              <a:ext uri="{FF2B5EF4-FFF2-40B4-BE49-F238E27FC236}">
+                <a16:creationId xmlns:a16="http://schemas.microsoft.com/office/drawing/2014/main" id="{A010C3D7-C4FA-490D-A0F1-E5D535364CF6}"/>
+              </a:ext>
+            </a:extLst>
+          </p:cNvPr>
+          <p:cNvPicPr>
+            <a:picLocks noChangeAspect="1" noChangeArrowheads="1"/>
+          </p:cNvPicPr>
+          <p:nvPr/>
+        </p:nvPicPr>
+        <p:blipFill rotWithShape="1">
+          <a:blip r:embed="rId3">
+            <a:extLst>
+              <a:ext uri="{28A0092B-C50C-407E-A947-70E740481C1C}">
+                <a14:useLocalDpi xmlns:a14="http://schemas.microsoft.com/office/drawing/2010/main" val="0"/>
+              </a:ext>
+            </a:extLst>
+          </a:blip>
+          <a:srcRect l="2042" r="1140" b="-1"/>
+          <a:stretch/>
+        </p:blipFill>
+        <p:spPr bwMode="auto">
+          <a:xfrm>
+            <a:off x="20" y="10"/>
+            <a:ext cx="9947062" cy="6857990"/>
+          </a:xfrm>
+          <a:prstGeom prst="rect">
+            <a:avLst/>
+          </a:prstGeom>
+          <a:noFill/>
+          <a:extLst>
+            <a:ext uri="{909E8E84-426E-40DD-AFC4-6F175D3DCCD1}">
+              <a14:hiddenFill xmlns:a14="http://schemas.microsoft.com/office/drawing/2010/main">
+                <a:solidFill>
+                  <a:srgbClr val="FFFFFF"/>
+                </a:solidFill>
+              </a14:hiddenFill>
+            </a:ext>
+          </a:extLst>
+        </p:spPr>
+      </p:pic>
+      <p:sp>
+        <p:nvSpPr>
+          <p:cNvPr id="3077" name="Freeform: Shape 72">
+            <a:extLst>
+              <a:ext uri="{FF2B5EF4-FFF2-40B4-BE49-F238E27FC236}">
+                <a16:creationId xmlns:a16="http://schemas.microsoft.com/office/drawing/2014/main" id="{5871FC61-DD4E-47D4-81FD-8A7E7D12B371}"/>
+              </a:ext>
+              <a:ext uri="{C183D7F6-B498-43B3-948B-1728B52AA6E4}">
+                <adec:decorative xmlns:adec="http://schemas.microsoft.com/office/drawing/2017/decorative" val="1"/>
+              </a:ext>
+            </a:extLst>
+          </p:cNvPr>
+          <p:cNvSpPr>
+            <a:spLocks noGrp="1" noRot="1" noChangeAspect="1" noMove="1" noResize="1" noEditPoints="1" noAdjustHandles="1" noChangeArrowheads="1" noChangeShapeType="1" noTextEdit="1"/>
+          </p:cNvSpPr>
+          <p:nvPr>
+            <p:extLst>
+              <p:ext uri="{386F3935-93C4-4BCD-93E2-E3B085C9AB24}">
+                <p16:designElem xmlns:p16="http://schemas.microsoft.com/office/powerpoint/2015/main" val="1"/>
+              </p:ext>
+            </p:extLst>
+          </p:nvPr>
+        </p:nvSpPr>
+        <p:spPr>
+          <a:xfrm flipH="1">
+            <a:off x="6986049" y="0"/>
+            <a:ext cx="5205951" cy="6858000"/>
+          </a:xfrm>
+          <a:custGeom>
+            <a:avLst/>
+            <a:gdLst>
+              <a:gd name="connsiteX0" fmla="*/ 0 w 5205951"/>
+              <a:gd name="connsiteY0" fmla="*/ 0 h 6858000"/>
+              <a:gd name="connsiteX1" fmla="*/ 1709529 w 5205951"/>
+              <a:gd name="connsiteY1" fmla="*/ 0 h 6858000"/>
+              <a:gd name="connsiteX2" fmla="*/ 2489695 w 5205951"/>
+              <a:gd name="connsiteY2" fmla="*/ 0 h 6858000"/>
+              <a:gd name="connsiteX3" fmla="*/ 3582928 w 5205951"/>
+              <a:gd name="connsiteY3" fmla="*/ 0 h 6858000"/>
+              <a:gd name="connsiteX4" fmla="*/ 3605052 w 5205951"/>
+              <a:gd name="connsiteY4" fmla="*/ 14997 h 6858000"/>
+              <a:gd name="connsiteX5" fmla="*/ 5205951 w 5205951"/>
+              <a:gd name="connsiteY5" fmla="*/ 3621656 h 6858000"/>
+              <a:gd name="connsiteX6" fmla="*/ 3331601 w 5205951"/>
+              <a:gd name="connsiteY6" fmla="*/ 6374814 h 6858000"/>
+              <a:gd name="connsiteX7" fmla="*/ 2814953 w 5205951"/>
+              <a:gd name="connsiteY7" fmla="*/ 6780599 h 6858000"/>
+              <a:gd name="connsiteX8" fmla="*/ 2703197 w 5205951"/>
+              <a:gd name="connsiteY8" fmla="*/ 6858000 h 6858000"/>
+              <a:gd name="connsiteX9" fmla="*/ 2489695 w 5205951"/>
+              <a:gd name="connsiteY9" fmla="*/ 6858000 h 6858000"/>
+              <a:gd name="connsiteX10" fmla="*/ 1709529 w 5205951"/>
+              <a:gd name="connsiteY10" fmla="*/ 6858000 h 6858000"/>
+              <a:gd name="connsiteX11" fmla="*/ 0 w 5205951"/>
+              <a:gd name="connsiteY11" fmla="*/ 6858000 h 6858000"/>
+            </a:gdLst>
+            <a:ahLst/>
+            <a:cxnLst>
+              <a:cxn ang="0">
+                <a:pos x="connsiteX0" y="connsiteY0"/>
+              </a:cxn>
+              <a:cxn ang="0">
+                <a:pos x="connsiteX1" y="connsiteY1"/>
+              </a:cxn>
+              <a:cxn ang="0">
+                <a:pos x="connsiteX2" y="connsiteY2"/>
+              </a:cxn>
+              <a:cxn ang="0">
+                <a:pos x="connsiteX3" y="connsiteY3"/>
+              </a:cxn>
+              <a:cxn ang="0">
+                <a:pos x="connsiteX4" y="connsiteY4"/>
+              </a:cxn>
+              <a:cxn ang="0">
+                <a:pos x="connsiteX5" y="connsiteY5"/>
+              </a:cxn>
+              <a:cxn ang="0">
+                <a:pos x="connsiteX6" y="connsiteY6"/>
+              </a:cxn>
+              <a:cxn ang="0">
+                <a:pos x="connsiteX7" y="connsiteY7"/>
+              </a:cxn>
+              <a:cxn ang="0">
+                <a:pos x="connsiteX8" y="connsiteY8"/>
+              </a:cxn>
+              <a:cxn ang="0">
+                <a:pos x="connsiteX9" y="connsiteY9"/>
+              </a:cxn>
+              <a:cxn ang="0">
+                <a:pos x="connsiteX10" y="connsiteY10"/>
+              </a:cxn>
+              <a:cxn ang="0">
+                <a:pos x="connsiteX11" y="connsiteY11"/>
+              </a:cxn>
+            </a:cxnLst>
+            <a:rect l="l" t="t" r="r" b="b"/>
+            <a:pathLst>
+              <a:path w="5205951" h="6858000">
+                <a:moveTo>
+                  <a:pt x="0" y="0"/>
+                </a:moveTo>
+                <a:lnTo>
+                  <a:pt x="1709529" y="0"/>
+                </a:lnTo>
+                <a:lnTo>
+                  <a:pt x="2489695" y="0"/>
+                </a:lnTo>
+                <a:lnTo>
+                  <a:pt x="3582928" y="0"/>
+                </a:lnTo>
+                <a:lnTo>
+                  <a:pt x="3605052" y="14997"/>
+                </a:lnTo>
+                <a:cubicBezTo>
+                  <a:pt x="4632215" y="754641"/>
+                  <a:pt x="5205951" y="2093192"/>
+                  <a:pt x="5205951" y="3621656"/>
+                </a:cubicBezTo>
+                <a:cubicBezTo>
+                  <a:pt x="5205951" y="4969131"/>
+                  <a:pt x="4277226" y="5602839"/>
+                  <a:pt x="3331601" y="6374814"/>
+                </a:cubicBezTo>
+                <a:cubicBezTo>
+                  <a:pt x="3159398" y="6515397"/>
+                  <a:pt x="2988771" y="6653108"/>
+                  <a:pt x="2814953" y="6780599"/>
+                </a:cubicBezTo>
+                <a:lnTo>
+                  <a:pt x="2703197" y="6858000"/>
+                </a:lnTo>
+                <a:lnTo>
+                  <a:pt x="2489695" y="6858000"/>
+                </a:lnTo>
+                <a:lnTo>
+                  <a:pt x="1709529" y="6858000"/>
+                </a:lnTo>
+                <a:lnTo>
+                  <a:pt x="0" y="6858000"/>
+                </a:lnTo>
+                <a:close/>
+              </a:path>
+            </a:pathLst>
+          </a:custGeom>
+          <a:solidFill>
+            <a:srgbClr val="FFFFFF">
+              <a:alpha val="60000"/>
+            </a:srgbClr>
+          </a:solidFill>
+          <a:ln>
+            <a:noFill/>
+          </a:ln>
+        </p:spPr>
+        <p:style>
+          <a:lnRef idx="2">
+            <a:schemeClr val="accent1">
+              <a:shade val="50000"/>
+            </a:schemeClr>
+          </a:lnRef>
+          <a:fillRef idx="1">
+            <a:schemeClr val="accent1"/>
+          </a:fillRef>
+          <a:effectRef idx="0">
+            <a:schemeClr val="accent1"/>
+          </a:effectRef>
+          <a:fontRef idx="minor">
+            <a:schemeClr val="lt1"/>
+          </a:fontRef>
+        </p:style>
+        <p:txBody>
+          <a:bodyPr wrap="square" rtlCol="0" anchor="ctr">
+            <a:noAutofit/>
+          </a:bodyPr>
+          <a:lstStyle/>
+          <a:p>
+            <a:pPr algn="ctr"/>
+            <a:endParaRPr lang="en-US" dirty="0"/>
+          </a:p>
+        </p:txBody>
+      </p:sp>
+      <p:sp useBgFill="1">
+        <p:nvSpPr>
+          <p:cNvPr id="75" name="Freeform: Shape 74">
+            <a:extLst>
+              <a:ext uri="{FF2B5EF4-FFF2-40B4-BE49-F238E27FC236}">
+                <a16:creationId xmlns:a16="http://schemas.microsoft.com/office/drawing/2014/main" id="{F9EC3F91-A75C-4F74-867E-E4C28C13546B}"/>
+              </a:ext>
+              <a:ext uri="{C183D7F6-B498-43B3-948B-1728B52AA6E4}">
+                <adec:decorative xmlns:adec="http://schemas.microsoft.com/office/drawing/2017/decorative" val="1"/>
+              </a:ext>
+            </a:extLst>
+          </p:cNvPr>
+          <p:cNvSpPr>
+            <a:spLocks noGrp="1" noRot="1" noChangeAspect="1" noMove="1" noResize="1" noEditPoints="1" noAdjustHandles="1" noChangeArrowheads="1" noChangeShapeType="1" noTextEdit="1"/>
+          </p:cNvSpPr>
+          <p:nvPr>
+            <p:extLst>
+              <p:ext uri="{386F3935-93C4-4BCD-93E2-E3B085C9AB24}">
+                <p16:designElem xmlns:p16="http://schemas.microsoft.com/office/powerpoint/2015/main" val="1"/>
+              </p:ext>
+            </p:extLst>
+          </p:nvPr>
+        </p:nvSpPr>
+        <p:spPr>
+          <a:xfrm>
+            <a:off x="7148226" y="0"/>
+            <a:ext cx="5043774" cy="6858000"/>
+          </a:xfrm>
+          <a:custGeom>
+            <a:avLst/>
+            <a:gdLst>
+              <a:gd name="connsiteX0" fmla="*/ 1648981 w 5043774"/>
+              <a:gd name="connsiteY0" fmla="*/ 0 h 6858000"/>
+              <a:gd name="connsiteX1" fmla="*/ 2759699 w 5043774"/>
+              <a:gd name="connsiteY1" fmla="*/ 0 h 6858000"/>
+              <a:gd name="connsiteX2" fmla="*/ 3379301 w 5043774"/>
+              <a:gd name="connsiteY2" fmla="*/ 0 h 6858000"/>
+              <a:gd name="connsiteX3" fmla="*/ 3552342 w 5043774"/>
+              <a:gd name="connsiteY3" fmla="*/ 0 h 6858000"/>
+              <a:gd name="connsiteX4" fmla="*/ 4617166 w 5043774"/>
+              <a:gd name="connsiteY4" fmla="*/ 0 h 6858000"/>
+              <a:gd name="connsiteX5" fmla="*/ 4786130 w 5043774"/>
+              <a:gd name="connsiteY5" fmla="*/ 0 h 6858000"/>
+              <a:gd name="connsiteX6" fmla="*/ 4980168 w 5043774"/>
+              <a:gd name="connsiteY6" fmla="*/ 0 h 6858000"/>
+              <a:gd name="connsiteX7" fmla="*/ 5043774 w 5043774"/>
+              <a:gd name="connsiteY7" fmla="*/ 0 h 6858000"/>
+              <a:gd name="connsiteX8" fmla="*/ 5043774 w 5043774"/>
+              <a:gd name="connsiteY8" fmla="*/ 6858000 h 6858000"/>
+              <a:gd name="connsiteX9" fmla="*/ 4980168 w 5043774"/>
+              <a:gd name="connsiteY9" fmla="*/ 6858000 h 6858000"/>
+              <a:gd name="connsiteX10" fmla="*/ 4786130 w 5043774"/>
+              <a:gd name="connsiteY10" fmla="*/ 6858000 h 6858000"/>
+              <a:gd name="connsiteX11" fmla="*/ 4617166 w 5043774"/>
+              <a:gd name="connsiteY11" fmla="*/ 6858000 h 6858000"/>
+              <a:gd name="connsiteX12" fmla="*/ 3552342 w 5043774"/>
+              <a:gd name="connsiteY12" fmla="*/ 6858000 h 6858000"/>
+              <a:gd name="connsiteX13" fmla="*/ 3379301 w 5043774"/>
+              <a:gd name="connsiteY13" fmla="*/ 6858000 h 6858000"/>
+              <a:gd name="connsiteX14" fmla="*/ 2759699 w 5043774"/>
+              <a:gd name="connsiteY14" fmla="*/ 6858000 h 6858000"/>
+              <a:gd name="connsiteX15" fmla="*/ 2542782 w 5043774"/>
+              <a:gd name="connsiteY15" fmla="*/ 6858000 h 6858000"/>
+              <a:gd name="connsiteX16" fmla="*/ 2429239 w 5043774"/>
+              <a:gd name="connsiteY16" fmla="*/ 6780599 h 6858000"/>
+              <a:gd name="connsiteX17" fmla="*/ 1904328 w 5043774"/>
+              <a:gd name="connsiteY17" fmla="*/ 6374814 h 6858000"/>
+              <a:gd name="connsiteX18" fmla="*/ 0 w 5043774"/>
+              <a:gd name="connsiteY18" fmla="*/ 3621656 h 6858000"/>
+              <a:gd name="connsiteX19" fmla="*/ 1626503 w 5043774"/>
+              <a:gd name="connsiteY19" fmla="*/ 14997 h 6858000"/>
+            </a:gdLst>
+            <a:ahLst/>
+            <a:cxnLst>
+              <a:cxn ang="0">
+                <a:pos x="connsiteX0" y="connsiteY0"/>
+              </a:cxn>
+              <a:cxn ang="0">
+                <a:pos x="connsiteX1" y="connsiteY1"/>
+              </a:cxn>
+              <a:cxn ang="0">
+                <a:pos x="connsiteX2" y="connsiteY2"/>
+              </a:cxn>
+              <a:cxn ang="0">
+                <a:pos x="connsiteX3" y="connsiteY3"/>
+              </a:cxn>
+              <a:cxn ang="0">
+                <a:pos x="connsiteX4" y="connsiteY4"/>
+              </a:cxn>
+              <a:cxn ang="0">
+                <a:pos x="connsiteX5" y="connsiteY5"/>
+              </a:cxn>
+              <a:cxn ang="0">
+                <a:pos x="connsiteX6" y="connsiteY6"/>
+              </a:cxn>
+              <a:cxn ang="0">
+                <a:pos x="connsiteX7" y="connsiteY7"/>
+              </a:cxn>
+              <a:cxn ang="0">
+                <a:pos x="connsiteX8" y="connsiteY8"/>
+              </a:cxn>
+              <a:cxn ang="0">
+                <a:pos x="connsiteX9" y="connsiteY9"/>
+              </a:cxn>
+              <a:cxn ang="0">
+                <a:pos x="connsiteX10" y="connsiteY10"/>
+              </a:cxn>
+              <a:cxn ang="0">
+                <a:pos x="connsiteX11" y="connsiteY11"/>
+              </a:cxn>
+              <a:cxn ang="0">
+                <a:pos x="connsiteX12" y="connsiteY12"/>
+              </a:cxn>
+              <a:cxn ang="0">
+                <a:pos x="connsiteX13" y="connsiteY13"/>
+              </a:cxn>
+              <a:cxn ang="0">
+                <a:pos x="connsiteX14" y="connsiteY14"/>
+              </a:cxn>
+              <a:cxn ang="0">
+                <a:pos x="connsiteX15" y="connsiteY15"/>
+              </a:cxn>
+              <a:cxn ang="0">
+                <a:pos x="connsiteX16" y="connsiteY16"/>
+              </a:cxn>
+              <a:cxn ang="0">
+                <a:pos x="connsiteX17" y="connsiteY17"/>
+              </a:cxn>
+              <a:cxn ang="0">
+                <a:pos x="connsiteX18" y="connsiteY18"/>
+              </a:cxn>
+              <a:cxn ang="0">
+                <a:pos x="connsiteX19" y="connsiteY19"/>
+              </a:cxn>
+            </a:cxnLst>
+            <a:rect l="l" t="t" r="r" b="b"/>
+            <a:pathLst>
+              <a:path w="5043774" h="6858000">
+                <a:moveTo>
+                  <a:pt x="1648981" y="0"/>
+                </a:moveTo>
+                <a:lnTo>
+                  <a:pt x="2759699" y="0"/>
+                </a:lnTo>
+                <a:lnTo>
+                  <a:pt x="3379301" y="0"/>
+                </a:lnTo>
+                <a:lnTo>
+                  <a:pt x="3552342" y="0"/>
+                </a:lnTo>
+                <a:lnTo>
+                  <a:pt x="4617166" y="0"/>
+                </a:lnTo>
+                <a:lnTo>
+                  <a:pt x="4786130" y="0"/>
+                </a:lnTo>
+                <a:lnTo>
+                  <a:pt x="4980168" y="0"/>
+                </a:lnTo>
+                <a:lnTo>
+                  <a:pt x="5043774" y="0"/>
+                </a:lnTo>
+                <a:lnTo>
+                  <a:pt x="5043774" y="6858000"/>
+                </a:lnTo>
+                <a:lnTo>
+                  <a:pt x="4980168" y="6858000"/>
+                </a:lnTo>
+                <a:lnTo>
+                  <a:pt x="4786130" y="6858000"/>
+                </a:lnTo>
+                <a:lnTo>
+                  <a:pt x="4617166" y="6858000"/>
+                </a:lnTo>
+                <a:lnTo>
+                  <a:pt x="3552342" y="6858000"/>
+                </a:lnTo>
+                <a:lnTo>
+                  <a:pt x="3379301" y="6858000"/>
+                </a:lnTo>
+                <a:lnTo>
+                  <a:pt x="2759699" y="6858000"/>
+                </a:lnTo>
+                <a:lnTo>
+                  <a:pt x="2542782" y="6858000"/>
+                </a:lnTo>
+                <a:lnTo>
+                  <a:pt x="2429239" y="6780599"/>
+                </a:lnTo>
+                <a:cubicBezTo>
+                  <a:pt x="2252641" y="6653108"/>
+                  <a:pt x="2079285" y="6515397"/>
+                  <a:pt x="1904328" y="6374814"/>
+                </a:cubicBezTo>
+                <a:cubicBezTo>
+                  <a:pt x="943579" y="5602839"/>
+                  <a:pt x="0" y="4969131"/>
+                  <a:pt x="0" y="3621656"/>
+                </a:cubicBezTo>
+                <a:cubicBezTo>
+                  <a:pt x="0" y="2093192"/>
+                  <a:pt x="582912" y="754641"/>
+                  <a:pt x="1626503" y="14997"/>
+                </a:cubicBezTo>
+                <a:close/>
+              </a:path>
+            </a:pathLst>
+          </a:custGeom>
+          <a:solidFill>
+            <a:schemeClr val="bg2">
+              <a:tint val="95000"/>
+              <a:satMod val="170000"/>
+            </a:schemeClr>
+          </a:solidFill>
+          <a:ln>
+            <a:noFill/>
+          </a:ln>
+        </p:spPr>
+        <p:style>
+          <a:lnRef idx="2">
+            <a:schemeClr val="accent1">
+              <a:shade val="50000"/>
+            </a:schemeClr>
+          </a:lnRef>
+          <a:fillRef idx="1">
+            <a:schemeClr val="accent1"/>
+          </a:fillRef>
+          <a:effectRef idx="0">
+            <a:schemeClr val="accent1"/>
+          </a:effectRef>
+          <a:fontRef idx="minor">
+            <a:schemeClr val="lt1"/>
+          </a:fontRef>
+        </p:style>
+        <p:txBody>
+          <a:bodyPr wrap="square" rtlCol="0" anchor="ctr">
+            <a:noAutofit/>
+          </a:bodyPr>
+          <a:lstStyle/>
+          <a:p>
+            <a:pPr algn="ctr"/>
+            <a:endParaRPr lang="en-US">
+              <a:solidFill>
+                <a:prstClr val="white"/>
+              </a:solidFill>
+              <a:latin typeface="Meiryo"/>
+            </a:endParaRPr>
+          </a:p>
+        </p:txBody>
+      </p:sp>
+      <p:sp>
+        <p:nvSpPr>
+          <p:cNvPr id="77" name="Freeform: Shape 76">
+            <a:extLst>
+              <a:ext uri="{FF2B5EF4-FFF2-40B4-BE49-F238E27FC236}">
+                <a16:creationId xmlns:a16="http://schemas.microsoft.com/office/drawing/2014/main" id="{829A1E2C-5AC8-40FC-99E9-832069D39792}"/>
+              </a:ext>
+              <a:ext uri="{C183D7F6-B498-43B3-948B-1728B52AA6E4}">
+                <adec:decorative xmlns:adec="http://schemas.microsoft.com/office/drawing/2017/decorative" val="1"/>
+              </a:ext>
+            </a:extLst>
+          </p:cNvPr>
+          <p:cNvSpPr>
+            <a:spLocks noGrp="1" noRot="1" noChangeAspect="1" noMove="1" noResize="1" noEditPoints="1" noAdjustHandles="1" noChangeArrowheads="1" noChangeShapeType="1" noTextEdit="1"/>
+          </p:cNvSpPr>
+          <p:nvPr>
+            <p:extLst>
+              <p:ext uri="{386F3935-93C4-4BCD-93E2-E3B085C9AB24}">
+                <p16:designElem xmlns:p16="http://schemas.microsoft.com/office/powerpoint/2015/main" val="1"/>
+              </p:ext>
+            </p:extLst>
+          </p:nvPr>
+        </p:nvSpPr>
+        <p:spPr>
+          <a:xfrm flipH="1">
+            <a:off x="6697013" y="0"/>
+            <a:ext cx="2529723" cy="6858000"/>
+          </a:xfrm>
+          <a:custGeom>
+            <a:avLst/>
+            <a:gdLst>
+              <a:gd name="connsiteX0" fmla="*/ 1258269 w 2529723"/>
+              <a:gd name="connsiteY0" fmla="*/ 0 h 6858000"/>
+              <a:gd name="connsiteX1" fmla="*/ 1275627 w 2529723"/>
+              <a:gd name="connsiteY1" fmla="*/ 0 h 6858000"/>
+              <a:gd name="connsiteX2" fmla="*/ 1302560 w 2529723"/>
+              <a:gd name="connsiteY2" fmla="*/ 24338 h 6858000"/>
+              <a:gd name="connsiteX3" fmla="*/ 2522825 w 2529723"/>
+              <a:gd name="connsiteY3" fmla="*/ 3678515 h 6858000"/>
+              <a:gd name="connsiteX4" fmla="*/ 557500 w 2529723"/>
+              <a:gd name="connsiteY4" fmla="*/ 6451411 h 6858000"/>
+              <a:gd name="connsiteX5" fmla="*/ 32482 w 2529723"/>
+              <a:gd name="connsiteY5" fmla="*/ 6849373 h 6858000"/>
+              <a:gd name="connsiteX6" fmla="*/ 19531 w 2529723"/>
+              <a:gd name="connsiteY6" fmla="*/ 6858000 h 6858000"/>
+              <a:gd name="connsiteX7" fmla="*/ 0 w 2529723"/>
+              <a:gd name="connsiteY7" fmla="*/ 6858000 h 6858000"/>
+              <a:gd name="connsiteX8" fmla="*/ 14202 w 2529723"/>
+              <a:gd name="connsiteY8" fmla="*/ 6848540 h 6858000"/>
+              <a:gd name="connsiteX9" fmla="*/ 539221 w 2529723"/>
+              <a:gd name="connsiteY9" fmla="*/ 6450578 h 6858000"/>
+              <a:gd name="connsiteX10" fmla="*/ 2504546 w 2529723"/>
+              <a:gd name="connsiteY10" fmla="*/ 3677682 h 6858000"/>
+              <a:gd name="connsiteX11" fmla="*/ 1284280 w 2529723"/>
+              <a:gd name="connsiteY11" fmla="*/ 23504 h 6858000"/>
+            </a:gdLst>
+            <a:ahLst/>
+            <a:cxnLst>
+              <a:cxn ang="0">
+                <a:pos x="connsiteX0" y="connsiteY0"/>
+              </a:cxn>
+              <a:cxn ang="0">
+                <a:pos x="connsiteX1" y="connsiteY1"/>
+              </a:cxn>
+              <a:cxn ang="0">
+                <a:pos x="connsiteX2" y="connsiteY2"/>
+              </a:cxn>
+              <a:cxn ang="0">
+                <a:pos x="connsiteX3" y="connsiteY3"/>
+              </a:cxn>
+              <a:cxn ang="0">
+                <a:pos x="connsiteX4" y="connsiteY4"/>
+              </a:cxn>
+              <a:cxn ang="0">
+                <a:pos x="connsiteX5" y="connsiteY5"/>
+              </a:cxn>
+              <a:cxn ang="0">
+                <a:pos x="connsiteX6" y="connsiteY6"/>
+              </a:cxn>
+              <a:cxn ang="0">
+                <a:pos x="connsiteX7" y="connsiteY7"/>
+              </a:cxn>
+              <a:cxn ang="0">
+                <a:pos x="connsiteX8" y="connsiteY8"/>
+              </a:cxn>
+              <a:cxn ang="0">
+                <a:pos x="connsiteX9" y="connsiteY9"/>
+              </a:cxn>
+              <a:cxn ang="0">
+                <a:pos x="connsiteX10" y="connsiteY10"/>
+              </a:cxn>
+              <a:cxn ang="0">
+                <a:pos x="connsiteX11" y="connsiteY11"/>
+              </a:cxn>
+            </a:cxnLst>
+            <a:rect l="l" t="t" r="r" b="b"/>
+            <a:pathLst>
+              <a:path w="2529723" h="6858000">
+                <a:moveTo>
+                  <a:pt x="1258269" y="0"/>
+                </a:moveTo>
+                <a:lnTo>
+                  <a:pt x="1275627" y="0"/>
+                </a:lnTo>
+                <a:lnTo>
+                  <a:pt x="1302560" y="24338"/>
+                </a:lnTo>
+                <a:cubicBezTo>
+                  <a:pt x="2156831" y="855667"/>
+                  <a:pt x="2590622" y="2191755"/>
+                  <a:pt x="2522825" y="3678515"/>
+                </a:cubicBezTo>
+                <a:cubicBezTo>
+                  <a:pt x="2459072" y="5076606"/>
+                  <a:pt x="1519830" y="5692656"/>
+                  <a:pt x="557500" y="6451411"/>
+                </a:cubicBezTo>
+                <a:cubicBezTo>
+                  <a:pt x="382255" y="6589587"/>
+                  <a:pt x="208689" y="6724853"/>
+                  <a:pt x="32482" y="6849373"/>
+                </a:cubicBezTo>
+                <a:lnTo>
+                  <a:pt x="19531" y="6858000"/>
+                </a:lnTo>
+                <a:lnTo>
+                  <a:pt x="0" y="6858000"/>
+                </a:lnTo>
+                <a:lnTo>
+                  <a:pt x="14202" y="6848540"/>
+                </a:lnTo>
+                <a:cubicBezTo>
+                  <a:pt x="190409" y="6724020"/>
+                  <a:pt x="363976" y="6588754"/>
+                  <a:pt x="539221" y="6450578"/>
+                </a:cubicBezTo>
+                <a:cubicBezTo>
+                  <a:pt x="1501550" y="5691822"/>
+                  <a:pt x="2440792" y="5075773"/>
+                  <a:pt x="2504546" y="3677682"/>
+                </a:cubicBezTo>
+                <a:cubicBezTo>
+                  <a:pt x="2572343" y="2190921"/>
+                  <a:pt x="2138551" y="854834"/>
+                  <a:pt x="1284280" y="23504"/>
+                </a:cubicBezTo>
+                <a:close/>
+              </a:path>
+            </a:pathLst>
+          </a:custGeom>
+          <a:solidFill>
+            <a:srgbClr val="FFFFFF">
+              <a:alpha val="70000"/>
+            </a:srgbClr>
+          </a:solidFill>
+          <a:ln>
+            <a:noFill/>
+          </a:ln>
+        </p:spPr>
+        <p:style>
+          <a:lnRef idx="2">
+            <a:schemeClr val="accent1">
+              <a:shade val="50000"/>
+            </a:schemeClr>
+          </a:lnRef>
+          <a:fillRef idx="1">
+            <a:schemeClr val="accent1"/>
+          </a:fillRef>
+          <a:effectRef idx="0">
+            <a:schemeClr val="accent1"/>
+          </a:effectRef>
+          <a:fontRef idx="minor">
+            <a:schemeClr val="lt1"/>
+          </a:fontRef>
+        </p:style>
+        <p:txBody>
+          <a:bodyPr wrap="square" rtlCol="0" anchor="ctr">
+            <a:noAutofit/>
+          </a:bodyPr>
+          <a:lstStyle/>
+          <a:p>
+            <a:pPr marL="0" marR="0" lvl="0" indent="0" algn="ctr" defTabSz="457200" rtl="0" eaLnBrk="1" fontAlgn="auto" latinLnBrk="0" hangingPunct="1">
+              <a:lnSpc>
+                <a:spcPct val="100000"/>
+              </a:lnSpc>
+              <a:spcBef>
+                <a:spcPts val="0"/>
+              </a:spcBef>
+              <a:spcAft>
+                <a:spcPts val="0"/>
+              </a:spcAft>
+              <a:buClrTx/>
+              <a:buSzTx/>
+              <a:buFontTx/>
+              <a:buNone/>
+              <a:tabLst/>
+              <a:defRPr/>
+            </a:pPr>
+            <a:endParaRPr kumimoji="0" lang="en-US" sz="1800" b="0" i="0" u="none" strike="noStrike" kern="1200" cap="none" spc="0" normalizeH="0" baseline="0" noProof="0" dirty="0">
+              <a:ln>
+                <a:noFill/>
+              </a:ln>
+              <a:solidFill>
+                <a:prstClr val="white"/>
+              </a:solidFill>
+              <a:effectLst/>
+              <a:uLnTx/>
+              <a:uFillTx/>
+              <a:latin typeface="Meiryo"/>
+              <a:ea typeface="+mn-ea"/>
+              <a:cs typeface="+mn-cs"/>
+            </a:endParaRPr>
+          </a:p>
+        </p:txBody>
+      </p:sp>
+      <p:sp>
+        <p:nvSpPr>
+          <p:cNvPr id="2" name="Title 1">
+            <a:extLst>
+              <a:ext uri="{FF2B5EF4-FFF2-40B4-BE49-F238E27FC236}">
+                <a16:creationId xmlns:a16="http://schemas.microsoft.com/office/drawing/2014/main" id="{8906C44E-3E2A-4331-A775-B9E38C1F4F79}"/>
+              </a:ext>
+            </a:extLst>
+          </p:cNvPr>
+          <p:cNvSpPr>
+            <a:spLocks noGrp="1"/>
+          </p:cNvSpPr>
+          <p:nvPr>
+            <p:ph type="title"/>
+          </p:nvPr>
+        </p:nvSpPr>
+        <p:spPr>
+          <a:xfrm>
+            <a:off x="8046719" y="1045597"/>
+            <a:ext cx="4144975" cy="1588422"/>
+          </a:xfrm>
+        </p:spPr>
+        <p:txBody>
+          <a:bodyPr anchor="b">
+            <a:normAutofit/>
+          </a:bodyPr>
+          <a:lstStyle/>
+          <a:p>
+            <a:r>
+              <a:rPr lang="en-CA" sz="3600" b="1" dirty="0"/>
+              <a:t>Capital - Tegucigalpa</a:t>
+            </a:r>
+          </a:p>
+        </p:txBody>
+      </p:sp>
+      <p:sp>
+        <p:nvSpPr>
+          <p:cNvPr id="3" name="Content Placeholder 2">
+            <a:extLst>
+              <a:ext uri="{FF2B5EF4-FFF2-40B4-BE49-F238E27FC236}">
+                <a16:creationId xmlns:a16="http://schemas.microsoft.com/office/drawing/2014/main" id="{3D1C4481-B64E-4A44-9447-F7480BD99F1D}"/>
+              </a:ext>
+            </a:extLst>
+          </p:cNvPr>
+          <p:cNvSpPr>
+            <a:spLocks noGrp="1"/>
+          </p:cNvSpPr>
+          <p:nvPr>
+            <p:ph idx="1"/>
+          </p:nvPr>
+        </p:nvSpPr>
+        <p:spPr>
+          <a:xfrm>
+            <a:off x="8046719" y="2722729"/>
+            <a:ext cx="3789110" cy="2700062"/>
+          </a:xfrm>
+        </p:spPr>
+        <p:txBody>
+          <a:bodyPr>
+            <a:normAutofit/>
+          </a:bodyPr>
+          <a:lstStyle/>
+          <a:p>
+            <a:r>
+              <a:rPr lang="en-CA" sz="2000" dirty="0"/>
+              <a:t>Population: 1.16 million (11.9% of total)</a:t>
+            </a:r>
+          </a:p>
+          <a:p>
+            <a:r>
+              <a:rPr lang="en-CA" sz="2000" dirty="0"/>
+              <a:t>Area: 1,502k</a:t>
+            </a:r>
+            <a:r>
+              <a:rPr lang="en-CA" sz="2000" b="0" i="0" dirty="0">
+                <a:effectLst/>
+                <a:latin typeface="Google Sans"/>
+              </a:rPr>
+              <a:t>m² (1.34% of total)</a:t>
+            </a:r>
+            <a:endParaRPr lang="en-CA" sz="2000" dirty="0"/>
+          </a:p>
+        </p:txBody>
+      </p:sp>
+    </p:spTree>
+    <p:extLst>
+      <p:ext uri="{BB962C8B-B14F-4D97-AF65-F5344CB8AC3E}">
+        <p14:creationId xmlns:p14="http://schemas.microsoft.com/office/powerpoint/2010/main" val="4156528309"/>
+      </p:ext>
+    </p:extLst>
+  </p:cSld>
+  <p:clrMapOvr>
+    <a:masterClrMapping/>
+  </p:clrMapOvr>
+</p:sld>
+</file>
+
+<file path=ppt/slides/slide7.xml><?xml version="1.0" encoding="utf-8"?>
+<p:sld xmlns:a="http://schemas.openxmlformats.org/drawingml/2006/main" xmlns:r="http://schemas.openxmlformats.org/officeDocument/2006/relationships" xmlns:p="http://schemas.openxmlformats.org/presentationml/2006/main">
+  <p:cSld>
+    <p:bg>
+      <p:bgPr>
+        <a:solidFill>
+          <a:schemeClr val="bg1"/>
+        </a:solidFill>
+        <a:effectLst/>
+      </p:bgPr>
+    </p:bg>
+    <p:spTree>
+      <p:nvGrpSpPr>
+        <p:cNvPr id="1" name=""/>
+        <p:cNvGrpSpPr/>
+        <p:nvPr/>
+      </p:nvGrpSpPr>
+      <p:grpSpPr>
+        <a:xfrm>
+          <a:off x="0" y="0"/>
+          <a:ext cx="0" cy="0"/>
+          <a:chOff x="0" y="0"/>
+          <a:chExt cx="0" cy="0"/>
+        </a:xfrm>
+      </p:grpSpPr>
+      <p:pic>
+        <p:nvPicPr>
+          <p:cNvPr id="4104" name="Picture 8" descr="West Bay | A Tease of Belize">
+            <a:extLst>
+              <a:ext uri="{FF2B5EF4-FFF2-40B4-BE49-F238E27FC236}">
+                <a16:creationId xmlns:a16="http://schemas.microsoft.com/office/drawing/2014/main" id="{552A5CBC-22C6-4C0D-847C-33E5384E7908}"/>
+              </a:ext>
+            </a:extLst>
+          </p:cNvPr>
+          <p:cNvPicPr>
+            <a:picLocks noChangeAspect="1" noChangeArrowheads="1"/>
+          </p:cNvPicPr>
+          <p:nvPr/>
+        </p:nvPicPr>
+        <p:blipFill rotWithShape="1">
+          <a:blip r:embed="rId3">
+            <a:alphaModFix amt="35000"/>
+            <a:extLst>
+              <a:ext uri="{28A0092B-C50C-407E-A947-70E740481C1C}">
+                <a14:useLocalDpi xmlns:a14="http://schemas.microsoft.com/office/drawing/2010/main" val="0"/>
+              </a:ext>
+            </a:extLst>
+          </a:blip>
+          <a:srcRect t="7647" b="17375"/>
+          <a:stretch/>
+        </p:blipFill>
+        <p:spPr bwMode="auto">
+          <a:xfrm>
+            <a:off x="-4" y="-6"/>
+            <a:ext cx="12192000" cy="6855958"/>
+          </a:xfrm>
+          <a:prstGeom prst="rect">
+            <a:avLst/>
+          </a:prstGeom>
+          <a:noFill/>
+          <a:extLst>
+            <a:ext uri="{909E8E84-426E-40DD-AFC4-6F175D3DCCD1}">
+              <a14:hiddenFill xmlns:a14="http://schemas.microsoft.com/office/drawing/2010/main">
+                <a:solidFill>
+                  <a:srgbClr val="FFFFFF"/>
+                </a:solidFill>
+              </a14:hiddenFill>
+            </a:ext>
+          </a:extLst>
+        </p:spPr>
+      </p:pic>
+      <p:sp>
+        <p:nvSpPr>
+          <p:cNvPr id="2" name="Title 1">
+            <a:extLst>
+              <a:ext uri="{FF2B5EF4-FFF2-40B4-BE49-F238E27FC236}">
+                <a16:creationId xmlns:a16="http://schemas.microsoft.com/office/drawing/2014/main" id="{2C069892-F9E7-4D28-8C08-E487A75E8013}"/>
+              </a:ext>
+            </a:extLst>
+          </p:cNvPr>
+          <p:cNvSpPr>
+            <a:spLocks noGrp="1"/>
+          </p:cNvSpPr>
+          <p:nvPr>
+            <p:ph type="title"/>
+          </p:nvPr>
+        </p:nvSpPr>
+        <p:spPr>
+          <a:xfrm>
+            <a:off x="801098" y="1396289"/>
+            <a:ext cx="4934828" cy="1325563"/>
+          </a:xfrm>
+        </p:spPr>
+        <p:txBody>
+          <a:bodyPr>
+            <a:normAutofit fontScale="90000"/>
+          </a:bodyPr>
+          <a:lstStyle/>
+          <a:p>
+            <a:r>
+              <a:rPr lang="en-CA" sz="6000" dirty="0"/>
+              <a:t>West Bay Beach</a:t>
+            </a:r>
+          </a:p>
+        </p:txBody>
+      </p:sp>
+      <p:sp>
+        <p:nvSpPr>
+          <p:cNvPr id="82" name="Oval 81">
+            <a:extLst>
+              <a:ext uri="{FF2B5EF4-FFF2-40B4-BE49-F238E27FC236}">
+                <a16:creationId xmlns:a16="http://schemas.microsoft.com/office/drawing/2014/main" id="{07977D39-626F-40D7-B00F-16E02602DD5A}"/>
+              </a:ext>
+              <a:ext uri="{C183D7F6-B498-43B3-948B-1728B52AA6E4}">
+                <adec:decorative xmlns:adec="http://schemas.microsoft.com/office/drawing/2017/decorative" val="1"/>
+              </a:ext>
+            </a:extLst>
+          </p:cNvPr>
+          <p:cNvSpPr>
+            <a:spLocks noGrp="1" noRot="1" noChangeAspect="1" noMove="1" noResize="1" noEditPoints="1" noAdjustHandles="1" noChangeArrowheads="1" noChangeShapeType="1" noTextEdit="1"/>
+          </p:cNvSpPr>
+          <p:nvPr>
+            <p:extLst>
+              <p:ext uri="{386F3935-93C4-4BCD-93E2-E3B085C9AB24}">
+                <p16:designElem xmlns:p16="http://schemas.microsoft.com/office/powerpoint/2015/main" val="1"/>
+              </p:ext>
+            </p:extLst>
+          </p:nvPr>
+        </p:nvSpPr>
+        <p:spPr>
+          <a:xfrm>
+            <a:off x="5515495" y="197110"/>
+            <a:ext cx="2020824" cy="2020824"/>
+          </a:xfrm>
+          <a:prstGeom prst="ellipse">
+            <a:avLst/>
+          </a:prstGeom>
+          <a:solidFill>
+            <a:srgbClr val="FFFFFF">
+              <a:alpha val="80000"/>
+            </a:srgbClr>
+          </a:solidFill>
+          <a:ln>
+            <a:noFill/>
+          </a:ln>
+        </p:spPr>
+        <p:style>
+          <a:lnRef idx="2">
+            <a:schemeClr val="accent1">
+              <a:shade val="50000"/>
+            </a:schemeClr>
+          </a:lnRef>
+          <a:fillRef idx="1">
+            <a:schemeClr val="accent1"/>
+          </a:fillRef>
+          <a:effectRef idx="0">
+            <a:schemeClr val="accent1"/>
+          </a:effectRef>
+          <a:fontRef idx="minor">
+            <a:schemeClr val="lt1"/>
+          </a:fontRef>
+        </p:style>
+        <p:txBody>
+          <a:bodyPr rtlCol="0" anchor="ctr"/>
+          <a:lstStyle/>
+          <a:p>
+            <a:pPr marL="0" marR="0" lvl="0" indent="0" algn="ctr" defTabSz="914400" rtl="0" eaLnBrk="1" fontAlgn="auto" latinLnBrk="0" hangingPunct="1">
+              <a:lnSpc>
+                <a:spcPct val="100000"/>
+              </a:lnSpc>
+              <a:spcBef>
+                <a:spcPts val="0"/>
+              </a:spcBef>
+              <a:spcAft>
+                <a:spcPts val="0"/>
+              </a:spcAft>
+              <a:buClrTx/>
+              <a:buSzTx/>
+              <a:buFontTx/>
+              <a:buNone/>
+              <a:tabLst/>
+              <a:defRPr/>
+            </a:pPr>
+            <a:endParaRPr kumimoji="0" lang="en-US" sz="1800" b="0" i="0" u="none" strike="noStrike" kern="1200" cap="none" spc="0" normalizeH="0" baseline="0" noProof="0">
+              <a:ln>
+                <a:noFill/>
+              </a:ln>
+              <a:solidFill>
+                <a:prstClr val="white"/>
+              </a:solidFill>
+              <a:effectLst/>
+              <a:uLnTx/>
+              <a:uFillTx/>
+              <a:latin typeface="Calibri" panose="020F0502020204030204"/>
+              <a:ea typeface="+mn-ea"/>
+              <a:cs typeface="+mn-cs"/>
+            </a:endParaRPr>
+          </a:p>
+        </p:txBody>
+      </p:sp>
+      <p:pic>
+        <p:nvPicPr>
+          <p:cNvPr id="4100" name="Picture 4" descr="West Bay Beach in Roatan | Expedia">
+            <a:extLst>
+              <a:ext uri="{FF2B5EF4-FFF2-40B4-BE49-F238E27FC236}">
+                <a16:creationId xmlns:a16="http://schemas.microsoft.com/office/drawing/2014/main" id="{08564FB8-FA87-4951-9884-E662B985D2BF}"/>
+              </a:ext>
+            </a:extLst>
+          </p:cNvPr>
+          <p:cNvPicPr>
+            <a:picLocks noChangeAspect="1" noChangeArrowheads="1"/>
+          </p:cNvPicPr>
+          <p:nvPr/>
+        </p:nvPicPr>
+        <p:blipFill rotWithShape="1">
+          <a:blip r:embed="rId4">
+            <a:extLst>
+              <a:ext uri="{28A0092B-C50C-407E-A947-70E740481C1C}">
+                <a14:useLocalDpi xmlns:a14="http://schemas.microsoft.com/office/drawing/2010/main" val="0"/>
+              </a:ext>
+            </a:extLst>
+          </a:blip>
+          <a:srcRect l="11599" r="26179"/>
+          <a:stretch/>
+        </p:blipFill>
+        <p:spPr bwMode="auto">
+          <a:xfrm>
+            <a:off x="5680087" y="361702"/>
+            <a:ext cx="1691640" cy="1691640"/>
+          </a:xfrm>
+          <a:custGeom>
+            <a:avLst/>
+            <a:gdLst/>
+            <a:ahLst/>
+            <a:cxnLst/>
+            <a:rect l="l" t="t" r="r" b="b"/>
+            <a:pathLst>
+              <a:path w="1956816" h="1956816">
+                <a:moveTo>
+                  <a:pt x="978408" y="0"/>
+                </a:moveTo>
+                <a:cubicBezTo>
+                  <a:pt x="1518768" y="0"/>
+                  <a:pt x="1956816" y="438048"/>
+                  <a:pt x="1956816" y="978408"/>
+                </a:cubicBezTo>
+                <a:cubicBezTo>
+                  <a:pt x="1956816" y="1518768"/>
+                  <a:pt x="1518768" y="1956816"/>
+                  <a:pt x="978408" y="1956816"/>
+                </a:cubicBezTo>
+                <a:cubicBezTo>
+                  <a:pt x="438048" y="1956816"/>
+                  <a:pt x="0" y="1518768"/>
+                  <a:pt x="0" y="978408"/>
+                </a:cubicBezTo>
+                <a:cubicBezTo>
+                  <a:pt x="0" y="438048"/>
+                  <a:pt x="438048" y="0"/>
+                  <a:pt x="978408" y="0"/>
+                </a:cubicBezTo>
+                <a:close/>
+              </a:path>
+            </a:pathLst>
+          </a:custGeom>
+          <a:noFill/>
+          <a:extLst>
+            <a:ext uri="{909E8E84-426E-40DD-AFC4-6F175D3DCCD1}">
+              <a14:hiddenFill xmlns:a14="http://schemas.microsoft.com/office/drawing/2010/main">
+                <a:solidFill>
+                  <a:srgbClr val="FFFFFF"/>
+                </a:solidFill>
+              </a14:hiddenFill>
+            </a:ext>
+          </a:extLst>
+        </p:spPr>
+      </p:pic>
+      <p:sp>
+        <p:nvSpPr>
+          <p:cNvPr id="3" name="Content Placeholder 2">
+            <a:extLst>
+              <a:ext uri="{FF2B5EF4-FFF2-40B4-BE49-F238E27FC236}">
+                <a16:creationId xmlns:a16="http://schemas.microsoft.com/office/drawing/2014/main" id="{84A657A1-45BD-491A-95D2-090EFF54BA13}"/>
+              </a:ext>
+            </a:extLst>
+          </p:cNvPr>
+          <p:cNvSpPr>
+            <a:spLocks noGrp="1"/>
+          </p:cNvSpPr>
+          <p:nvPr>
+            <p:ph idx="1"/>
+          </p:nvPr>
+        </p:nvSpPr>
+        <p:spPr>
+          <a:xfrm>
+            <a:off x="805543" y="2871982"/>
+            <a:ext cx="4558309" cy="3181684"/>
+          </a:xfrm>
+        </p:spPr>
+        <p:txBody>
+          <a:bodyPr anchor="t">
+            <a:normAutofit/>
+          </a:bodyPr>
+          <a:lstStyle/>
+          <a:p>
+            <a:pPr marL="0" indent="0">
+              <a:buNone/>
+            </a:pPr>
+            <a:r>
+              <a:rPr lang="en-CA" sz="3600" dirty="0"/>
+              <a:t>Unique Activities: </a:t>
+            </a:r>
+          </a:p>
+          <a:p>
+            <a:pPr lvl="1">
+              <a:buFont typeface="Wingdings" panose="05000000000000000000" pitchFamily="2" charset="2"/>
+              <a:buChar char="v"/>
+            </a:pPr>
+            <a:r>
+              <a:rPr lang="en-CA" sz="3200" dirty="0"/>
+              <a:t>Scuba Diving</a:t>
+            </a:r>
+          </a:p>
+          <a:p>
+            <a:pPr lvl="1">
+              <a:buFont typeface="Wingdings" panose="05000000000000000000" pitchFamily="2" charset="2"/>
+              <a:buChar char="v"/>
+            </a:pPr>
+            <a:r>
+              <a:rPr lang="en-CA" sz="3200" dirty="0"/>
+              <a:t>Snorkeling</a:t>
+            </a:r>
+          </a:p>
+          <a:p>
+            <a:pPr lvl="1">
+              <a:buFont typeface="Wingdings" panose="05000000000000000000" pitchFamily="2" charset="2"/>
+              <a:buChar char="v"/>
+            </a:pPr>
+            <a:r>
+              <a:rPr lang="en-CA" sz="3200" dirty="0"/>
+              <a:t>Fishing</a:t>
+            </a:r>
+          </a:p>
+          <a:p>
+            <a:pPr lvl="1">
+              <a:buFont typeface="Wingdings" panose="05000000000000000000" pitchFamily="2" charset="2"/>
+              <a:buChar char="v"/>
+            </a:pPr>
+            <a:r>
+              <a:rPr lang="en-CA" sz="3200" dirty="0"/>
+              <a:t>Parasailing</a:t>
+            </a:r>
+          </a:p>
+        </p:txBody>
+      </p:sp>
+      <p:sp>
+        <p:nvSpPr>
+          <p:cNvPr id="84" name="Freeform: Shape 83">
+            <a:extLst>
+              <a:ext uri="{FF2B5EF4-FFF2-40B4-BE49-F238E27FC236}">
+                <a16:creationId xmlns:a16="http://schemas.microsoft.com/office/drawing/2014/main" id="{B905CDE4-B751-4B3E-B625-6E59F8903414}"/>
+              </a:ext>
+              <a:ext uri="{C183D7F6-B498-43B3-948B-1728B52AA6E4}">
+                <adec:decorative xmlns:adec="http://schemas.microsoft.com/office/drawing/2017/decorative" val="1"/>
+              </a:ext>
+            </a:extLst>
+          </p:cNvPr>
+          <p:cNvSpPr>
+            <a:spLocks noGrp="1" noRot="1" noChangeAspect="1" noMove="1" noResize="1" noEditPoints="1" noAdjustHandles="1" noChangeArrowheads="1" noChangeShapeType="1" noTextEdit="1"/>
+          </p:cNvSpPr>
+          <p:nvPr>
+            <p:extLst>
+              <p:ext uri="{386F3935-93C4-4BCD-93E2-E3B085C9AB24}">
+                <p16:designElem xmlns:p16="http://schemas.microsoft.com/office/powerpoint/2015/main" val="1"/>
+              </p:ext>
+            </p:extLst>
+          </p:nvPr>
+        </p:nvSpPr>
+        <p:spPr>
+          <a:xfrm>
+            <a:off x="8114932" y="1"/>
+            <a:ext cx="4077068" cy="3445261"/>
+          </a:xfrm>
+          <a:custGeom>
+            <a:avLst/>
+            <a:gdLst>
+              <a:gd name="connsiteX0" fmla="*/ 250035 w 4077068"/>
+              <a:gd name="connsiteY0" fmla="*/ 0 h 3445261"/>
+              <a:gd name="connsiteX1" fmla="*/ 4077068 w 4077068"/>
+              <a:gd name="connsiteY1" fmla="*/ 0 h 3445261"/>
+              <a:gd name="connsiteX2" fmla="*/ 4077068 w 4077068"/>
+              <a:gd name="connsiteY2" fmla="*/ 2743040 h 3445261"/>
+              <a:gd name="connsiteX3" fmla="*/ 4074154 w 4077068"/>
+              <a:gd name="connsiteY3" fmla="*/ 2746247 h 3445261"/>
+              <a:gd name="connsiteX4" fmla="*/ 2386584 w 4077068"/>
+              <a:gd name="connsiteY4" fmla="*/ 3445261 h 3445261"/>
+              <a:gd name="connsiteX5" fmla="*/ 0 w 4077068"/>
+              <a:gd name="connsiteY5" fmla="*/ 1058677 h 3445261"/>
+              <a:gd name="connsiteX6" fmla="*/ 187550 w 4077068"/>
+              <a:gd name="connsiteY6" fmla="*/ 129711 h 3445261"/>
+            </a:gdLst>
+            <a:ahLst/>
+            <a:cxnLst>
+              <a:cxn ang="0">
+                <a:pos x="connsiteX0" y="connsiteY0"/>
+              </a:cxn>
+              <a:cxn ang="0">
+                <a:pos x="connsiteX1" y="connsiteY1"/>
+              </a:cxn>
+              <a:cxn ang="0">
+                <a:pos x="connsiteX2" y="connsiteY2"/>
+              </a:cxn>
+              <a:cxn ang="0">
+                <a:pos x="connsiteX3" y="connsiteY3"/>
+              </a:cxn>
+              <a:cxn ang="0">
+                <a:pos x="connsiteX4" y="connsiteY4"/>
+              </a:cxn>
+              <a:cxn ang="0">
+                <a:pos x="connsiteX5" y="connsiteY5"/>
+              </a:cxn>
+              <a:cxn ang="0">
+                <a:pos x="connsiteX6" y="connsiteY6"/>
+              </a:cxn>
+            </a:cxnLst>
+            <a:rect l="l" t="t" r="r" b="b"/>
+            <a:pathLst>
+              <a:path w="4077068" h="3445261">
+                <a:moveTo>
+                  <a:pt x="250035" y="0"/>
+                </a:moveTo>
+                <a:lnTo>
+                  <a:pt x="4077068" y="0"/>
+                </a:lnTo>
+                <a:lnTo>
+                  <a:pt x="4077068" y="2743040"/>
+                </a:lnTo>
+                <a:lnTo>
+                  <a:pt x="4074154" y="2746247"/>
+                </a:lnTo>
+                <a:cubicBezTo>
+                  <a:pt x="3642267" y="3178134"/>
+                  <a:pt x="3045621" y="3445261"/>
+                  <a:pt x="2386584" y="3445261"/>
+                </a:cubicBezTo>
+                <a:cubicBezTo>
+                  <a:pt x="1068510" y="3445261"/>
+                  <a:pt x="0" y="2376751"/>
+                  <a:pt x="0" y="1058677"/>
+                </a:cubicBezTo>
+                <a:cubicBezTo>
+                  <a:pt x="0" y="729159"/>
+                  <a:pt x="66782" y="415238"/>
+                  <a:pt x="187550" y="129711"/>
+                </a:cubicBezTo>
+                <a:close/>
+              </a:path>
+            </a:pathLst>
+          </a:custGeom>
+          <a:solidFill>
+            <a:srgbClr val="FFFFFF">
+              <a:alpha val="80000"/>
+            </a:srgbClr>
+          </a:solidFill>
+          <a:ln>
+            <a:noFill/>
+          </a:ln>
+        </p:spPr>
+        <p:style>
+          <a:lnRef idx="2">
+            <a:schemeClr val="accent1">
+              <a:shade val="50000"/>
+            </a:schemeClr>
+          </a:lnRef>
+          <a:fillRef idx="1">
+            <a:schemeClr val="accent1"/>
+          </a:fillRef>
+          <a:effectRef idx="0">
+            <a:schemeClr val="accent1"/>
+          </a:effectRef>
+          <a:fontRef idx="minor">
+            <a:schemeClr val="lt1"/>
+          </a:fontRef>
+        </p:style>
+        <p:txBody>
+          <a:bodyPr wrap="square" rtlCol="0" anchor="ctr">
+            <a:noAutofit/>
+          </a:bodyPr>
+          <a:lstStyle/>
+          <a:p>
+            <a:pPr marL="0" marR="0" lvl="0" indent="0" algn="ctr" defTabSz="914400" rtl="0" eaLnBrk="1" fontAlgn="auto" latinLnBrk="0" hangingPunct="1">
+              <a:lnSpc>
+                <a:spcPct val="100000"/>
+              </a:lnSpc>
+              <a:spcBef>
+                <a:spcPts val="0"/>
+              </a:spcBef>
+              <a:spcAft>
+                <a:spcPts val="0"/>
+              </a:spcAft>
+              <a:buClrTx/>
+              <a:buSzTx/>
+              <a:buFontTx/>
+              <a:buNone/>
+              <a:tabLst/>
+              <a:defRPr/>
+            </a:pPr>
+            <a:endParaRPr kumimoji="0" lang="en-US" sz="1800" b="0" i="0" u="none" strike="noStrike" kern="1200" cap="none" spc="0" normalizeH="0" baseline="0" noProof="0">
+              <a:ln>
+                <a:noFill/>
+              </a:ln>
+              <a:solidFill>
+                <a:prstClr val="white"/>
+              </a:solidFill>
+              <a:effectLst/>
+              <a:uLnTx/>
+              <a:uFillTx/>
+              <a:latin typeface="Calibri" panose="020F0502020204030204"/>
+              <a:ea typeface="+mn-ea"/>
+              <a:cs typeface="+mn-cs"/>
+            </a:endParaRPr>
+          </a:p>
+        </p:txBody>
+      </p:sp>
+      <p:sp>
+        <p:nvSpPr>
+          <p:cNvPr id="86" name="Oval 85">
+            <a:extLst>
+              <a:ext uri="{FF2B5EF4-FFF2-40B4-BE49-F238E27FC236}">
+                <a16:creationId xmlns:a16="http://schemas.microsoft.com/office/drawing/2014/main" id="{08108C16-F4C0-44AA-999D-17BD39219B24}"/>
+              </a:ext>
+              <a:ext uri="{C183D7F6-B498-43B3-948B-1728B52AA6E4}">
+                <adec:decorative xmlns:adec="http://schemas.microsoft.com/office/drawing/2017/decorative" val="1"/>
+              </a:ext>
+            </a:extLst>
+          </p:cNvPr>
+          <p:cNvSpPr>
+            <a:spLocks noGrp="1" noRot="1" noChangeAspect="1" noMove="1" noResize="1" noEditPoints="1" noAdjustHandles="1" noChangeArrowheads="1" noChangeShapeType="1" noTextEdit="1"/>
+          </p:cNvSpPr>
+          <p:nvPr>
+            <p:extLst>
+              <p:ext uri="{386F3935-93C4-4BCD-93E2-E3B085C9AB24}">
+                <p16:designElem xmlns:p16="http://schemas.microsoft.com/office/powerpoint/2015/main" val="1"/>
+              </p:ext>
+            </p:extLst>
+          </p:nvPr>
+        </p:nvSpPr>
+        <p:spPr>
+          <a:xfrm>
+            <a:off x="5673660" y="2557569"/>
+            <a:ext cx="3072384" cy="3072384"/>
+          </a:xfrm>
+          <a:prstGeom prst="ellipse">
+            <a:avLst/>
+          </a:prstGeom>
+          <a:solidFill>
+            <a:srgbClr val="FFFFFF">
+              <a:alpha val="80000"/>
+            </a:srgbClr>
+          </a:solidFill>
+          <a:ln>
+            <a:noFill/>
+          </a:ln>
+        </p:spPr>
+        <p:style>
+          <a:lnRef idx="2">
+            <a:schemeClr val="accent1">
+              <a:shade val="50000"/>
+            </a:schemeClr>
+          </a:lnRef>
+          <a:fillRef idx="1">
+            <a:schemeClr val="accent1"/>
+          </a:fillRef>
+          <a:effectRef idx="0">
+            <a:schemeClr val="accent1"/>
+          </a:effectRef>
+          <a:fontRef idx="minor">
+            <a:schemeClr val="lt1"/>
+          </a:fontRef>
+        </p:style>
+        <p:txBody>
+          <a:bodyPr rtlCol="0" anchor="ctr"/>
+          <a:lstStyle/>
+          <a:p>
+            <a:pPr marL="0" marR="0" lvl="0" indent="0" algn="ctr" defTabSz="914400" rtl="0" eaLnBrk="1" fontAlgn="auto" latinLnBrk="0" hangingPunct="1">
+              <a:lnSpc>
+                <a:spcPct val="100000"/>
+              </a:lnSpc>
+              <a:spcBef>
+                <a:spcPts val="0"/>
+              </a:spcBef>
+              <a:spcAft>
+                <a:spcPts val="0"/>
+              </a:spcAft>
+              <a:buClrTx/>
+              <a:buSzTx/>
+              <a:buFontTx/>
+              <a:buNone/>
+              <a:tabLst/>
+              <a:defRPr/>
+            </a:pPr>
+            <a:endParaRPr kumimoji="0" lang="en-US" sz="1800" b="0" i="0" u="none" strike="noStrike" kern="1200" cap="none" spc="0" normalizeH="0" baseline="0" noProof="0">
+              <a:ln>
+                <a:noFill/>
+              </a:ln>
+              <a:solidFill>
+                <a:prstClr val="white"/>
+              </a:solidFill>
+              <a:effectLst/>
+              <a:uLnTx/>
+              <a:uFillTx/>
+              <a:latin typeface="Calibri" panose="020F0502020204030204"/>
+              <a:ea typeface="+mn-ea"/>
+              <a:cs typeface="+mn-cs"/>
+            </a:endParaRPr>
+          </a:p>
+        </p:txBody>
+      </p:sp>
+      <p:pic>
+        <p:nvPicPr>
+          <p:cNvPr id="4106" name="Picture 10" descr="Parasailing adventure tour over West Bay beach in Roatan, Honduras">
+            <a:extLst>
+              <a:ext uri="{FF2B5EF4-FFF2-40B4-BE49-F238E27FC236}">
+                <a16:creationId xmlns:a16="http://schemas.microsoft.com/office/drawing/2014/main" id="{67915D43-AE76-43F2-8A59-1988F395204D}"/>
+              </a:ext>
+            </a:extLst>
+          </p:cNvPr>
+          <p:cNvPicPr>
+            <a:picLocks noChangeAspect="1" noChangeArrowheads="1"/>
+          </p:cNvPicPr>
+          <p:nvPr/>
+        </p:nvPicPr>
+        <p:blipFill rotWithShape="1">
+          <a:blip r:embed="rId5">
+            <a:extLst>
+              <a:ext uri="{28A0092B-C50C-407E-A947-70E740481C1C}">
+                <a14:useLocalDpi xmlns:a14="http://schemas.microsoft.com/office/drawing/2010/main" val="0"/>
+              </a:ext>
+            </a:extLst>
+          </a:blip>
+          <a:srcRect l="1926" r="34326" b="3"/>
+          <a:stretch/>
+        </p:blipFill>
+        <p:spPr bwMode="auto">
+          <a:xfrm>
+            <a:off x="5838252" y="2722161"/>
+            <a:ext cx="2743200" cy="2743200"/>
+          </a:xfrm>
+          <a:custGeom>
+            <a:avLst/>
+            <a:gdLst/>
+            <a:ahLst/>
+            <a:cxnLst/>
+            <a:rect l="l" t="t" r="r" b="b"/>
+            <a:pathLst>
+              <a:path w="2834640" h="2834640">
+                <a:moveTo>
+                  <a:pt x="1417320" y="0"/>
+                </a:moveTo>
+                <a:cubicBezTo>
+                  <a:pt x="2200084" y="0"/>
+                  <a:pt x="2834640" y="634556"/>
+                  <a:pt x="2834640" y="1417320"/>
+                </a:cubicBezTo>
+                <a:cubicBezTo>
+                  <a:pt x="2834640" y="2200084"/>
+                  <a:pt x="2200084" y="2834640"/>
+                  <a:pt x="1417320" y="2834640"/>
+                </a:cubicBezTo>
+                <a:cubicBezTo>
+                  <a:pt x="634556" y="2834640"/>
+                  <a:pt x="0" y="2200084"/>
+                  <a:pt x="0" y="1417320"/>
+                </a:cubicBezTo>
+                <a:cubicBezTo>
+                  <a:pt x="0" y="634556"/>
+                  <a:pt x="634556" y="0"/>
+                  <a:pt x="1417320" y="0"/>
+                </a:cubicBezTo>
+                <a:close/>
+              </a:path>
+            </a:pathLst>
+          </a:custGeom>
+          <a:noFill/>
+          <a:extLst>
+            <a:ext uri="{909E8E84-426E-40DD-AFC4-6F175D3DCCD1}">
+              <a14:hiddenFill xmlns:a14="http://schemas.microsoft.com/office/drawing/2010/main">
+                <a:solidFill>
+                  <a:srgbClr val="FFFFFF"/>
+                </a:solidFill>
+              </a14:hiddenFill>
+            </a:ext>
+          </a:extLst>
+        </p:spPr>
+      </p:pic>
+      <p:pic>
+        <p:nvPicPr>
+          <p:cNvPr id="4098" name="Picture 2" descr="Roatan West Bay Bananarama Resort Beach Day Pass Excursion - Roatan  Excursions">
+            <a:extLst>
+              <a:ext uri="{FF2B5EF4-FFF2-40B4-BE49-F238E27FC236}">
+                <a16:creationId xmlns:a16="http://schemas.microsoft.com/office/drawing/2014/main" id="{BBACE781-50ED-4EE2-B1AD-B3882612E676}"/>
+              </a:ext>
+            </a:extLst>
+          </p:cNvPr>
+          <p:cNvPicPr>
+            <a:picLocks noChangeAspect="1" noChangeArrowheads="1"/>
+          </p:cNvPicPr>
+          <p:nvPr/>
+        </p:nvPicPr>
+        <p:blipFill rotWithShape="1">
+          <a:blip r:embed="rId6">
+            <a:extLst>
+              <a:ext uri="{28A0092B-C50C-407E-A947-70E740481C1C}">
+                <a14:useLocalDpi xmlns:a14="http://schemas.microsoft.com/office/drawing/2010/main" val="0"/>
+              </a:ext>
+            </a:extLst>
+          </a:blip>
+          <a:srcRect l="7147" r="3416" b="4"/>
+          <a:stretch/>
+        </p:blipFill>
+        <p:spPr bwMode="auto">
+          <a:xfrm>
+            <a:off x="8278624" y="2"/>
+            <a:ext cx="3913376" cy="3281569"/>
+          </a:xfrm>
+          <a:custGeom>
+            <a:avLst/>
+            <a:gdLst/>
+            <a:ahLst/>
+            <a:cxnLst/>
+            <a:rect l="l" t="t" r="r" b="b"/>
+            <a:pathLst>
+              <a:path w="3913376" h="3281569">
+                <a:moveTo>
+                  <a:pt x="267865" y="0"/>
+                </a:moveTo>
+                <a:lnTo>
+                  <a:pt x="3913376" y="0"/>
+                </a:lnTo>
+                <a:lnTo>
+                  <a:pt x="3913376" y="2499938"/>
+                </a:lnTo>
+                <a:lnTo>
+                  <a:pt x="3794714" y="2630499"/>
+                </a:lnTo>
+                <a:cubicBezTo>
+                  <a:pt x="3392450" y="3032763"/>
+                  <a:pt x="2836727" y="3281569"/>
+                  <a:pt x="2222892" y="3281569"/>
+                </a:cubicBezTo>
+                <a:cubicBezTo>
+                  <a:pt x="995223" y="3281569"/>
+                  <a:pt x="0" y="2286346"/>
+                  <a:pt x="0" y="1058677"/>
+                </a:cubicBezTo>
+                <a:cubicBezTo>
+                  <a:pt x="0" y="751760"/>
+                  <a:pt x="62202" y="459370"/>
+                  <a:pt x="174686" y="193427"/>
+                </a:cubicBezTo>
+                <a:close/>
+              </a:path>
+            </a:pathLst>
+          </a:custGeom>
+          <a:noFill/>
+          <a:extLst>
+            <a:ext uri="{909E8E84-426E-40DD-AFC4-6F175D3DCCD1}">
+              <a14:hiddenFill xmlns:a14="http://schemas.microsoft.com/office/drawing/2010/main">
+                <a:solidFill>
+                  <a:srgbClr val="FFFFFF"/>
+                </a:solidFill>
+              </a14:hiddenFill>
+            </a:ext>
+          </a:extLst>
+        </p:spPr>
+      </p:pic>
+      <p:sp>
+        <p:nvSpPr>
+          <p:cNvPr id="88" name="Freeform: Shape 87">
+            <a:extLst>
+              <a:ext uri="{FF2B5EF4-FFF2-40B4-BE49-F238E27FC236}">
+                <a16:creationId xmlns:a16="http://schemas.microsoft.com/office/drawing/2014/main" id="{C8F10CB3-3B5E-4C7A-98CF-B87454DDFA39}"/>
+              </a:ext>
+              <a:ext uri="{C183D7F6-B498-43B3-948B-1728B52AA6E4}">
+                <adec:decorative xmlns:adec="http://schemas.microsoft.com/office/drawing/2017/decorative" val="1"/>
+              </a:ext>
+            </a:extLst>
+          </p:cNvPr>
+          <p:cNvSpPr>
+            <a:spLocks noGrp="1" noRot="1" noChangeAspect="1" noMove="1" noResize="1" noEditPoints="1" noAdjustHandles="1" noChangeArrowheads="1" noChangeShapeType="1" noTextEdit="1"/>
+          </p:cNvSpPr>
+          <p:nvPr>
+            <p:extLst>
+              <p:ext uri="{386F3935-93C4-4BCD-93E2-E3B085C9AB24}">
+                <p16:designElem xmlns:p16="http://schemas.microsoft.com/office/powerpoint/2015/main" val="1"/>
+              </p:ext>
+            </p:extLst>
+          </p:nvPr>
+        </p:nvSpPr>
+        <p:spPr>
+          <a:xfrm>
+            <a:off x="8848370" y="3966828"/>
+            <a:ext cx="3339958" cy="2891173"/>
+          </a:xfrm>
+          <a:custGeom>
+            <a:avLst/>
+            <a:gdLst>
+              <a:gd name="connsiteX0" fmla="*/ 2002536 w 3339958"/>
+              <a:gd name="connsiteY0" fmla="*/ 0 h 2891173"/>
+              <a:gd name="connsiteX1" fmla="*/ 3276335 w 3339958"/>
+              <a:gd name="connsiteY1" fmla="*/ 457282 h 2891173"/>
+              <a:gd name="connsiteX2" fmla="*/ 3339958 w 3339958"/>
+              <a:gd name="connsiteY2" fmla="*/ 515107 h 2891173"/>
+              <a:gd name="connsiteX3" fmla="*/ 3339958 w 3339958"/>
+              <a:gd name="connsiteY3" fmla="*/ 2891173 h 2891173"/>
+              <a:gd name="connsiteX4" fmla="*/ 209954 w 3339958"/>
+              <a:gd name="connsiteY4" fmla="*/ 2891173 h 2891173"/>
+              <a:gd name="connsiteX5" fmla="*/ 157369 w 3339958"/>
+              <a:gd name="connsiteY5" fmla="*/ 2782014 h 2891173"/>
+              <a:gd name="connsiteX6" fmla="*/ 0 w 3339958"/>
+              <a:gd name="connsiteY6" fmla="*/ 2002536 h 2891173"/>
+              <a:gd name="connsiteX7" fmla="*/ 2002536 w 3339958"/>
+              <a:gd name="connsiteY7" fmla="*/ 0 h 2891173"/>
+            </a:gdLst>
+            <a:ahLst/>
+            <a:cxnLst>
+              <a:cxn ang="0">
+                <a:pos x="connsiteX0" y="connsiteY0"/>
+              </a:cxn>
+              <a:cxn ang="0">
+                <a:pos x="connsiteX1" y="connsiteY1"/>
+              </a:cxn>
+              <a:cxn ang="0">
+                <a:pos x="connsiteX2" y="connsiteY2"/>
+              </a:cxn>
+              <a:cxn ang="0">
+                <a:pos x="connsiteX3" y="connsiteY3"/>
+              </a:cxn>
+              <a:cxn ang="0">
+                <a:pos x="connsiteX4" y="connsiteY4"/>
+              </a:cxn>
+              <a:cxn ang="0">
+                <a:pos x="connsiteX5" y="connsiteY5"/>
+              </a:cxn>
+              <a:cxn ang="0">
+                <a:pos x="connsiteX6" y="connsiteY6"/>
+              </a:cxn>
+              <a:cxn ang="0">
+                <a:pos x="connsiteX7" y="connsiteY7"/>
+              </a:cxn>
+            </a:cxnLst>
+            <a:rect l="l" t="t" r="r" b="b"/>
+            <a:pathLst>
+              <a:path w="3339958" h="2891173">
+                <a:moveTo>
+                  <a:pt x="2002536" y="0"/>
+                </a:moveTo>
+                <a:cubicBezTo>
+                  <a:pt x="2486398" y="0"/>
+                  <a:pt x="2930179" y="171609"/>
+                  <a:pt x="3276335" y="457282"/>
+                </a:cubicBezTo>
+                <a:lnTo>
+                  <a:pt x="3339958" y="515107"/>
+                </a:lnTo>
+                <a:lnTo>
+                  <a:pt x="3339958" y="2891173"/>
+                </a:lnTo>
+                <a:lnTo>
+                  <a:pt x="209954" y="2891173"/>
+                </a:lnTo>
+                <a:lnTo>
+                  <a:pt x="157369" y="2782014"/>
+                </a:lnTo>
+                <a:cubicBezTo>
+                  <a:pt x="56036" y="2542434"/>
+                  <a:pt x="0" y="2279029"/>
+                  <a:pt x="0" y="2002536"/>
+                </a:cubicBezTo>
+                <a:cubicBezTo>
+                  <a:pt x="0" y="896566"/>
+                  <a:pt x="896566" y="0"/>
+                  <a:pt x="2002536" y="0"/>
+                </a:cubicBezTo>
+                <a:close/>
+              </a:path>
+            </a:pathLst>
+          </a:custGeom>
+          <a:solidFill>
+            <a:srgbClr val="FFFFFF">
+              <a:alpha val="80000"/>
+            </a:srgbClr>
+          </a:solidFill>
+          <a:ln>
+            <a:noFill/>
+          </a:ln>
+        </p:spPr>
+        <p:style>
+          <a:lnRef idx="2">
+            <a:schemeClr val="accent1">
+              <a:shade val="50000"/>
+            </a:schemeClr>
+          </a:lnRef>
+          <a:fillRef idx="1">
+            <a:schemeClr val="accent1"/>
+          </a:fillRef>
+          <a:effectRef idx="0">
+            <a:schemeClr val="accent1"/>
+          </a:effectRef>
+          <a:fontRef idx="minor">
+            <a:schemeClr val="lt1"/>
+          </a:fontRef>
+        </p:style>
+        <p:txBody>
+          <a:bodyPr wrap="square" rtlCol="0" anchor="ctr">
+            <a:noAutofit/>
+          </a:bodyPr>
+          <a:lstStyle/>
+          <a:p>
+            <a:pPr marL="0" marR="0" lvl="0" indent="0" algn="ctr" defTabSz="914400" rtl="0" eaLnBrk="1" fontAlgn="auto" latinLnBrk="0" hangingPunct="1">
+              <a:lnSpc>
+                <a:spcPct val="100000"/>
+              </a:lnSpc>
+              <a:spcBef>
+                <a:spcPts val="0"/>
+              </a:spcBef>
+              <a:spcAft>
+                <a:spcPts val="0"/>
+              </a:spcAft>
+              <a:buClrTx/>
+              <a:buSzTx/>
+              <a:buFontTx/>
+              <a:buNone/>
+              <a:tabLst/>
+              <a:defRPr/>
+            </a:pPr>
+            <a:endParaRPr kumimoji="0" lang="en-US" sz="1800" b="0" i="0" u="none" strike="noStrike" kern="1200" cap="none" spc="0" normalizeH="0" baseline="0" noProof="0" dirty="0">
+              <a:ln>
+                <a:noFill/>
+              </a:ln>
+              <a:solidFill>
+                <a:prstClr val="white"/>
+              </a:solidFill>
+              <a:effectLst/>
+              <a:uLnTx/>
+              <a:uFillTx/>
+              <a:latin typeface="Calibri" panose="020F0502020204030204"/>
+              <a:ea typeface="+mn-ea"/>
+              <a:cs typeface="+mn-cs"/>
+            </a:endParaRPr>
+          </a:p>
+        </p:txBody>
+      </p:sp>
+      <p:pic>
+        <p:nvPicPr>
+          <p:cNvPr id="4102" name="Picture 6" descr="Snorkeling Tour from Roatan Island, Honduras 2021">
+            <a:extLst>
+              <a:ext uri="{FF2B5EF4-FFF2-40B4-BE49-F238E27FC236}">
+                <a16:creationId xmlns:a16="http://schemas.microsoft.com/office/drawing/2014/main" id="{430D2941-DCCE-47F1-B02B-1A861168BBC7}"/>
+              </a:ext>
+            </a:extLst>
+          </p:cNvPr>
+          <p:cNvPicPr>
+            <a:picLocks noChangeAspect="1" noChangeArrowheads="1"/>
+          </p:cNvPicPr>
+          <p:nvPr/>
+        </p:nvPicPr>
+        <p:blipFill rotWithShape="1">
+          <a:blip r:embed="rId7">
+            <a:extLst>
+              <a:ext uri="{28A0092B-C50C-407E-A947-70E740481C1C}">
+                <a14:useLocalDpi xmlns:a14="http://schemas.microsoft.com/office/drawing/2010/main" val="0"/>
+              </a:ext>
+            </a:extLst>
+          </a:blip>
+          <a:srcRect l="22464" r="2" b="2"/>
+          <a:stretch/>
+        </p:blipFill>
+        <p:spPr bwMode="auto">
+          <a:xfrm>
+            <a:off x="9009416" y="4131546"/>
+            <a:ext cx="3178912" cy="2726454"/>
+          </a:xfrm>
+          <a:custGeom>
+            <a:avLst/>
+            <a:gdLst/>
+            <a:ahLst/>
+            <a:cxnLst/>
+            <a:rect l="l" t="t" r="r" b="b"/>
+            <a:pathLst>
+              <a:path w="3178912" h="2726454">
+                <a:moveTo>
+                  <a:pt x="1837818" y="0"/>
+                </a:moveTo>
+                <a:cubicBezTo>
+                  <a:pt x="2345318" y="0"/>
+                  <a:pt x="2804772" y="205705"/>
+                  <a:pt x="3137352" y="538285"/>
+                </a:cubicBezTo>
+                <a:lnTo>
+                  <a:pt x="3178912" y="584013"/>
+                </a:lnTo>
+                <a:lnTo>
+                  <a:pt x="3178912" y="2726454"/>
+                </a:lnTo>
+                <a:lnTo>
+                  <a:pt x="229483" y="2726454"/>
+                </a:lnTo>
+                <a:lnTo>
+                  <a:pt x="221815" y="2713832"/>
+                </a:lnTo>
+                <a:cubicBezTo>
+                  <a:pt x="80353" y="2453425"/>
+                  <a:pt x="0" y="2155005"/>
+                  <a:pt x="0" y="1837818"/>
+                </a:cubicBezTo>
+                <a:cubicBezTo>
+                  <a:pt x="0" y="822819"/>
+                  <a:pt x="822819" y="0"/>
+                  <a:pt x="1837818" y="0"/>
+                </a:cubicBezTo>
+                <a:close/>
+              </a:path>
+            </a:pathLst>
+          </a:custGeom>
+          <a:noFill/>
+          <a:extLst>
+            <a:ext uri="{909E8E84-426E-40DD-AFC4-6F175D3DCCD1}">
+              <a14:hiddenFill xmlns:a14="http://schemas.microsoft.com/office/drawing/2010/main">
+                <a:solidFill>
+                  <a:srgbClr val="FFFFFF"/>
+                </a:solidFill>
+              </a14:hiddenFill>
+            </a:ext>
+          </a:extLst>
+        </p:spPr>
+      </p:pic>
+    </p:spTree>
+    <p:extLst>
+      <p:ext uri="{BB962C8B-B14F-4D97-AF65-F5344CB8AC3E}">
+        <p14:creationId xmlns:p14="http://schemas.microsoft.com/office/powerpoint/2010/main" val="634263065"/>
+      </p:ext>
+    </p:extLst>
+  </p:cSld>
+  <p:clrMapOvr>
+    <a:overrideClrMapping bg1="dk1" tx1="lt1" bg2="dk2" tx2="lt2" accent1="accent1" accent2="accent2" accent3="accent3" accent4="accent4" accent5="accent5" accent6="accent6" hlink="hlink" folHlink="folHlink"/>
+  </p:clrMapOvr>
+</p:sld>
+</file>
+
+<file path=ppt/slides/slide8.xml><?xml version="1.0" encoding="utf-8"?>
 <p:sld xmlns:a="http://schemas.openxmlformats.org/drawingml/2006/main" xmlns:r="http://schemas.openxmlformats.org/officeDocument/2006/relationships" xmlns:p="http://schemas.openxmlformats.org/presentationml/2006/main">
   <p:cSld>
     <p:bg>
@@ -4889,10 +9500,10 @@
       </p:grpSpPr>
       <p:pic>
         <p:nvPicPr>
-          <p:cNvPr id="3074" name="Picture 2" descr="Things to do in Honduras (2021) - Not to be Missed">
-            <a:extLst>
-              <a:ext uri="{FF2B5EF4-FFF2-40B4-BE49-F238E27FC236}">
-                <a16:creationId xmlns:a16="http://schemas.microsoft.com/office/drawing/2014/main" id="{4C38CD83-5BC0-4600-A9EF-CB4644EF99E9}"/>
+          <p:cNvPr id="5126" name="Picture 6" descr="Mayan ruins and macaws in Copan | FinnsAway travel blog">
+            <a:extLst>
+              <a:ext uri="{FF2B5EF4-FFF2-40B4-BE49-F238E27FC236}">
+                <a16:creationId xmlns:a16="http://schemas.microsoft.com/office/drawing/2014/main" id="{6C2DB335-1F26-45CC-A02E-CB6846C736A6}"/>
               </a:ext>
             </a:extLst>
           </p:cNvPr>
@@ -4902,20 +9513,20 @@
           <p:nvPr/>
         </p:nvPicPr>
         <p:blipFill rotWithShape="1">
-          <a:blip r:embed="rId2">
+          <a:blip r:embed="rId3">
             <a:extLst>
               <a:ext uri="{28A0092B-C50C-407E-A947-70E740481C1C}">
                 <a14:useLocalDpi xmlns:a14="http://schemas.microsoft.com/office/drawing/2010/main" val="0"/>
               </a:ext>
             </a:extLst>
           </a:blip>
-          <a:srcRect t="750" r="-1" b="9226"/>
+          <a:srcRect l="12939" r="7896" b="-2"/>
           <a:stretch/>
         </p:blipFill>
         <p:spPr bwMode="auto">
           <a:xfrm>
-            <a:off x="20" y="10"/>
-            <a:ext cx="12188932" cy="6857990"/>
+            <a:off x="20" y="3428324"/>
+            <a:ext cx="4067476" cy="3429689"/>
           </a:xfrm>
           <a:prstGeom prst="rect">
             <a:avLst/>
@@ -4932,12 +9543,57 @@
           </a:extLst>
         </p:spPr>
       </p:pic>
-      <p:sp>
-        <p:nvSpPr>
-          <p:cNvPr id="3082" name="Freeform: Shape 70">
-            <a:extLst>
-              <a:ext uri="{FF2B5EF4-FFF2-40B4-BE49-F238E27FC236}">
-                <a16:creationId xmlns:a16="http://schemas.microsoft.com/office/drawing/2014/main" id="{5E8D2E83-FB3A-40E7-A9E5-7AB389D612B4}"/>
+      <p:pic>
+        <p:nvPicPr>
+          <p:cNvPr id="5122" name="Picture 2" descr="Copán Ancient City Honduras – Incredible Climbable Mayan Ruins">
+            <a:extLst>
+              <a:ext uri="{FF2B5EF4-FFF2-40B4-BE49-F238E27FC236}">
+                <a16:creationId xmlns:a16="http://schemas.microsoft.com/office/drawing/2014/main" id="{BE01DBEB-40C1-4750-B92A-BCDF4221307A}"/>
+              </a:ext>
+            </a:extLst>
+          </p:cNvPr>
+          <p:cNvPicPr>
+            <a:picLocks noChangeAspect="1" noChangeArrowheads="1"/>
+          </p:cNvPicPr>
+          <p:nvPr/>
+        </p:nvPicPr>
+        <p:blipFill rotWithShape="1">
+          <a:blip r:embed="rId4">
+            <a:extLst>
+              <a:ext uri="{28A0092B-C50C-407E-A947-70E740481C1C}">
+                <a14:useLocalDpi xmlns:a14="http://schemas.microsoft.com/office/drawing/2010/main" val="0"/>
+              </a:ext>
+            </a:extLst>
+          </a:blip>
+          <a:srcRect l="15747" r="5089" b="-2"/>
+          <a:stretch/>
+        </p:blipFill>
+        <p:spPr bwMode="auto">
+          <a:xfrm>
+            <a:off x="4064316" y="-4"/>
+            <a:ext cx="8133358" cy="6858000"/>
+          </a:xfrm>
+          <a:prstGeom prst="rect">
+            <a:avLst/>
+          </a:prstGeom>
+          <a:noFill/>
+          <a:extLst>
+            <a:ext uri="{909E8E84-426E-40DD-AFC4-6F175D3DCCD1}">
+              <a14:hiddenFill xmlns:a14="http://schemas.microsoft.com/office/drawing/2010/main">
+                <a:solidFill>
+                  <a:srgbClr val="FFFFFF"/>
+                </a:solidFill>
+              </a14:hiddenFill>
+            </a:ext>
+          </a:extLst>
+        </p:spPr>
+      </p:pic>
+      <p:sp>
+        <p:nvSpPr>
+          <p:cNvPr id="5139" name="Rectangle 74">
+            <a:extLst>
+              <a:ext uri="{FF2B5EF4-FFF2-40B4-BE49-F238E27FC236}">
+                <a16:creationId xmlns:a16="http://schemas.microsoft.com/office/drawing/2014/main" id="{B849539B-3694-4E8A-A991-D68126CF3390}"/>
               </a:ext>
               <a:ext uri="{C183D7F6-B498-43B3-948B-1728B52AA6E4}">
                 <adec:decorative xmlns:adec="http://schemas.microsoft.com/office/drawing/2017/decorative" val="1"/>
@@ -4955,80 +9611,436 @@
             </p:extLst>
           </p:nvPr>
         </p:nvSpPr>
+        <p:spPr bwMode="ltGray">
+          <a:xfrm>
+            <a:off x="6096000" y="639400"/>
+            <a:ext cx="5440680" cy="5578521"/>
+          </a:xfrm>
+          <a:prstGeom prst="rect">
+            <a:avLst/>
+          </a:prstGeom>
+          <a:solidFill>
+            <a:schemeClr val="bg1">
+              <a:lumMod val="75000"/>
+              <a:lumOff val="25000"/>
+              <a:alpha val="93000"/>
+            </a:schemeClr>
+          </a:solidFill>
+          <a:ln w="127000" cap="sq" cmpd="thinThick">
+            <a:solidFill>
+              <a:schemeClr val="bg1">
+                <a:lumMod val="75000"/>
+                <a:lumOff val="25000"/>
+              </a:schemeClr>
+            </a:solidFill>
+          </a:ln>
+        </p:spPr>
+        <p:style>
+          <a:lnRef idx="2">
+            <a:schemeClr val="accent1">
+              <a:shade val="50000"/>
+            </a:schemeClr>
+          </a:lnRef>
+          <a:fillRef idx="1">
+            <a:schemeClr val="accent1"/>
+          </a:fillRef>
+          <a:effectRef idx="0">
+            <a:schemeClr val="accent1"/>
+          </a:effectRef>
+          <a:fontRef idx="minor">
+            <a:schemeClr val="lt1"/>
+          </a:fontRef>
+        </p:style>
+        <p:txBody>
+          <a:bodyPr rtlCol="0" anchor="ctr"/>
+          <a:lstStyle/>
+          <a:p>
+            <a:pPr marL="0" marR="0" lvl="0" indent="0" algn="ctr" defTabSz="914400" rtl="0" eaLnBrk="1" fontAlgn="auto" latinLnBrk="0" hangingPunct="1">
+              <a:lnSpc>
+                <a:spcPct val="100000"/>
+              </a:lnSpc>
+              <a:spcBef>
+                <a:spcPts val="0"/>
+              </a:spcBef>
+              <a:spcAft>
+                <a:spcPts val="0"/>
+              </a:spcAft>
+              <a:buClrTx/>
+              <a:buSzTx/>
+              <a:buFontTx/>
+              <a:buNone/>
+              <a:tabLst/>
+              <a:defRPr/>
+            </a:pPr>
+            <a:endParaRPr kumimoji="0" lang="en-US" sz="1800" b="0" i="0" u="none" strike="noStrike" kern="1200" cap="none" spc="0" normalizeH="0" baseline="0" noProof="0">
+              <a:ln>
+                <a:noFill/>
+              </a:ln>
+              <a:solidFill>
+                <a:prstClr val="white"/>
+              </a:solidFill>
+              <a:effectLst/>
+              <a:uLnTx/>
+              <a:uFillTx/>
+              <a:latin typeface="Calibri" panose="020F0502020204030204"/>
+              <a:ea typeface="+mn-ea"/>
+              <a:cs typeface="+mn-cs"/>
+            </a:endParaRPr>
+          </a:p>
+        </p:txBody>
+      </p:sp>
+      <p:sp>
+        <p:nvSpPr>
+          <p:cNvPr id="2" name="Title 1">
+            <a:extLst>
+              <a:ext uri="{FF2B5EF4-FFF2-40B4-BE49-F238E27FC236}">
+                <a16:creationId xmlns:a16="http://schemas.microsoft.com/office/drawing/2014/main" id="{0C636607-A619-4111-ABA3-346959269806}"/>
+              </a:ext>
+            </a:extLst>
+          </p:cNvPr>
+          <p:cNvSpPr>
+            <a:spLocks noGrp="1"/>
+          </p:cNvSpPr>
+          <p:nvPr>
+            <p:ph type="title"/>
+          </p:nvPr>
+        </p:nvSpPr>
         <p:spPr>
           <a:xfrm>
-            <a:off x="0" y="4023809"/>
-            <a:ext cx="11016943" cy="2262375"/>
+            <a:off x="6476999" y="828675"/>
+            <a:ext cx="4686301" cy="1156563"/>
           </a:xfrm>
-          <a:custGeom>
+        </p:spPr>
+        <p:txBody>
+          <a:bodyPr>
+            <a:normAutofit/>
+          </a:bodyPr>
+          <a:lstStyle/>
+          <a:p>
+            <a:r>
+              <a:rPr lang="en-CA" sz="3200"/>
+              <a:t>Copán Ruins Archeological Site</a:t>
+            </a:r>
+          </a:p>
+        </p:txBody>
+      </p:sp>
+      <p:pic>
+        <p:nvPicPr>
+          <p:cNvPr id="5124" name="Picture 4" descr="U.S. DIVE TRAVEL: enjoy the ancient MAYAN RUINS of COPAN -- an  archeological wonder!">
+            <a:extLst>
+              <a:ext uri="{FF2B5EF4-FFF2-40B4-BE49-F238E27FC236}">
+                <a16:creationId xmlns:a16="http://schemas.microsoft.com/office/drawing/2014/main" id="{6AA9E40E-D102-4BB5-9FDC-261B34EB0375}"/>
+              </a:ext>
+            </a:extLst>
+          </p:cNvPr>
+          <p:cNvPicPr>
+            <a:picLocks noChangeAspect="1" noChangeArrowheads="1"/>
+          </p:cNvPicPr>
+          <p:nvPr/>
+        </p:nvPicPr>
+        <p:blipFill rotWithShape="1">
+          <a:blip r:embed="rId5">
+            <a:extLst>
+              <a:ext uri="{28A0092B-C50C-407E-A947-70E740481C1C}">
+                <a14:useLocalDpi xmlns:a14="http://schemas.microsoft.com/office/drawing/2010/main" val="0"/>
+              </a:ext>
+            </a:extLst>
+          </a:blip>
+          <a:srcRect r="3" b="843"/>
+          <a:stretch/>
+        </p:blipFill>
+        <p:spPr bwMode="auto">
+          <a:xfrm>
+            <a:off x="20" y="10"/>
+            <a:ext cx="4067476" cy="3428301"/>
+          </a:xfrm>
+          <a:prstGeom prst="rect">
             <a:avLst/>
-            <a:gdLst>
-              <a:gd name="connsiteX0" fmla="*/ 0 w 11016943"/>
-              <a:gd name="connsiteY0" fmla="*/ 0 h 2262375"/>
-              <a:gd name="connsiteX1" fmla="*/ 9969166 w 11016943"/>
-              <a:gd name="connsiteY1" fmla="*/ 0 h 2262375"/>
-              <a:gd name="connsiteX2" fmla="*/ 11016943 w 11016943"/>
-              <a:gd name="connsiteY2" fmla="*/ 2262375 h 2262375"/>
-              <a:gd name="connsiteX3" fmla="*/ 4942050 w 11016943"/>
-              <a:gd name="connsiteY3" fmla="*/ 2262375 h 2262375"/>
-              <a:gd name="connsiteX4" fmla="*/ 4582160 w 11016943"/>
-              <a:gd name="connsiteY4" fmla="*/ 2262375 h 2262375"/>
-              <a:gd name="connsiteX5" fmla="*/ 0 w 11016943"/>
-              <a:gd name="connsiteY5" fmla="*/ 2262375 h 2262375"/>
-            </a:gdLst>
-            <a:ahLst/>
-            <a:cxnLst>
-              <a:cxn ang="0">
-                <a:pos x="connsiteX0" y="connsiteY0"/>
-              </a:cxn>
-              <a:cxn ang="0">
-                <a:pos x="connsiteX1" y="connsiteY1"/>
-              </a:cxn>
-              <a:cxn ang="0">
-                <a:pos x="connsiteX2" y="connsiteY2"/>
-              </a:cxn>
-              <a:cxn ang="0">
-                <a:pos x="connsiteX3" y="connsiteY3"/>
-              </a:cxn>
-              <a:cxn ang="0">
-                <a:pos x="connsiteX4" y="connsiteY4"/>
-              </a:cxn>
-              <a:cxn ang="0">
-                <a:pos x="connsiteX5" y="connsiteY5"/>
-              </a:cxn>
-            </a:cxnLst>
-            <a:rect l="l" t="t" r="r" b="b"/>
-            <a:pathLst>
-              <a:path w="11016943" h="2262375">
-                <a:moveTo>
-                  <a:pt x="0" y="0"/>
-                </a:moveTo>
-                <a:lnTo>
-                  <a:pt x="9969166" y="0"/>
-                </a:lnTo>
-                <a:lnTo>
-                  <a:pt x="11016943" y="2262375"/>
-                </a:lnTo>
-                <a:lnTo>
-                  <a:pt x="4942050" y="2262375"/>
-                </a:lnTo>
-                <a:lnTo>
-                  <a:pt x="4582160" y="2262375"/>
-                </a:lnTo>
-                <a:lnTo>
-                  <a:pt x="0" y="2262375"/>
-                </a:lnTo>
-                <a:close/>
-              </a:path>
-            </a:pathLst>
-          </a:custGeom>
-          <a:solidFill>
-            <a:schemeClr val="bg1">
-              <a:lumMod val="85000"/>
-              <a:lumOff val="15000"/>
-              <a:alpha val="88000"/>
-            </a:schemeClr>
-          </a:solidFill>
+          </a:prstGeom>
+          <a:noFill/>
+          <a:extLst>
+            <a:ext uri="{909E8E84-426E-40DD-AFC4-6F175D3DCCD1}">
+              <a14:hiddenFill xmlns:a14="http://schemas.microsoft.com/office/drawing/2010/main">
+                <a:solidFill>
+                  <a:srgbClr val="FFFFFF"/>
+                </a:solidFill>
+              </a14:hiddenFill>
+            </a:ext>
+          </a:extLst>
+        </p:spPr>
+      </p:pic>
+      <p:cxnSp>
+        <p:nvCxnSpPr>
+          <p:cNvPr id="5140" name="Straight Connector 76">
+            <a:extLst>
+              <a:ext uri="{FF2B5EF4-FFF2-40B4-BE49-F238E27FC236}">
+                <a16:creationId xmlns:a16="http://schemas.microsoft.com/office/drawing/2014/main" id="{85D24317-6D0E-4553-A14C-1FA053CABFB5}"/>
+              </a:ext>
+              <a:ext uri="{C183D7F6-B498-43B3-948B-1728B52AA6E4}">
+                <adec:decorative xmlns:adec="http://schemas.microsoft.com/office/drawing/2017/decorative" val="1"/>
+              </a:ext>
+            </a:extLst>
+          </p:cNvPr>
+          <p:cNvCxnSpPr>
+            <a:cxnSpLocks noGrp="1" noRot="1" noChangeAspect="1" noMove="1" noResize="1" noEditPoints="1" noAdjustHandles="1" noChangeArrowheads="1" noChangeShapeType="1"/>
+          </p:cNvCxnSpPr>
+          <p:nvPr>
+            <p:extLst>
+              <p:ext uri="{386F3935-93C4-4BCD-93E2-E3B085C9AB24}">
+                <p16:designElem xmlns:p16="http://schemas.microsoft.com/office/powerpoint/2015/main" val="1"/>
+              </p:ext>
+            </p:extLst>
+          </p:nvPr>
+        </p:nvCxnSpPr>
+        <p:spPr>
+          <a:xfrm flipH="1">
+            <a:off x="0" y="3429000"/>
+            <a:ext cx="4064320" cy="0"/>
+          </a:xfrm>
+          <a:prstGeom prst="line">
+            <a:avLst/>
+          </a:prstGeom>
+          <a:ln w="101600">
+            <a:solidFill>
+              <a:schemeClr val="bg1">
+                <a:lumMod val="75000"/>
+                <a:lumOff val="25000"/>
+              </a:schemeClr>
+            </a:solidFill>
+          </a:ln>
+        </p:spPr>
+        <p:style>
+          <a:lnRef idx="1">
+            <a:schemeClr val="accent1"/>
+          </a:lnRef>
+          <a:fillRef idx="0">
+            <a:schemeClr val="accent1"/>
+          </a:fillRef>
+          <a:effectRef idx="0">
+            <a:schemeClr val="accent1"/>
+          </a:effectRef>
+          <a:fontRef idx="minor">
+            <a:schemeClr val="tx1"/>
+          </a:fontRef>
+        </p:style>
+      </p:cxnSp>
+      <p:sp>
+        <p:nvSpPr>
+          <p:cNvPr id="3" name="Content Placeholder 2">
+            <a:extLst>
+              <a:ext uri="{FF2B5EF4-FFF2-40B4-BE49-F238E27FC236}">
+                <a16:creationId xmlns:a16="http://schemas.microsoft.com/office/drawing/2014/main" id="{3BA7C6E2-D5DD-47BE-8195-3EBDA6AF4914}"/>
+              </a:ext>
+            </a:extLst>
+          </p:cNvPr>
+          <p:cNvSpPr>
+            <a:spLocks noGrp="1"/>
+          </p:cNvSpPr>
+          <p:nvPr>
+            <p:ph idx="1"/>
+          </p:nvPr>
+        </p:nvSpPr>
+        <p:spPr>
+          <a:xfrm>
+            <a:off x="6476999" y="2117364"/>
+            <a:ext cx="4686301" cy="3624990"/>
+          </a:xfrm>
+        </p:spPr>
+        <p:txBody>
+          <a:bodyPr>
+            <a:normAutofit/>
+          </a:bodyPr>
+          <a:lstStyle/>
+          <a:p>
+            <a:r>
+              <a:rPr lang="en-CA" sz="2000" dirty="0"/>
+              <a:t>Mayan City Ruin</a:t>
+            </a:r>
+          </a:p>
+          <a:p>
+            <a:r>
+              <a:rPr lang="en-CA" sz="2000" dirty="0"/>
+              <a:t>Dates back nearly 2000 years</a:t>
+            </a:r>
+          </a:p>
+          <a:p>
+            <a:r>
+              <a:rPr lang="en-CA" sz="2000" dirty="0"/>
+              <a:t>UNESCO World Heritage Site</a:t>
+            </a:r>
+          </a:p>
+          <a:p>
+            <a:r>
+              <a:rPr lang="en-CA" sz="2000" dirty="0"/>
+              <a:t>Unique cultural opportunities to observe:</a:t>
+            </a:r>
+          </a:p>
+          <a:p>
+            <a:pPr lvl="1">
+              <a:buFont typeface="Courier New" panose="02070309020205020404" pitchFamily="49" charset="0"/>
+              <a:buChar char="o"/>
+            </a:pPr>
+            <a:r>
+              <a:rPr lang="en-CA" sz="2000" dirty="0"/>
+              <a:t>Stelae and Altars</a:t>
+            </a:r>
+          </a:p>
+          <a:p>
+            <a:pPr lvl="1">
+              <a:buFont typeface="Courier New" panose="02070309020205020404" pitchFamily="49" charset="0"/>
+              <a:buChar char="o"/>
+            </a:pPr>
+            <a:r>
+              <a:rPr lang="en-CA" sz="2000" dirty="0"/>
+              <a:t>Immense Plaza</a:t>
+            </a:r>
+          </a:p>
+          <a:p>
+            <a:pPr lvl="1">
+              <a:buFont typeface="Courier New" panose="02070309020205020404" pitchFamily="49" charset="0"/>
+              <a:buChar char="o"/>
+            </a:pPr>
+            <a:r>
+              <a:rPr lang="en-CA" sz="2000" dirty="0"/>
+              <a:t>Ball Court</a:t>
+            </a:r>
+          </a:p>
+          <a:p>
+            <a:pPr lvl="1">
+              <a:buFont typeface="Courier New" panose="02070309020205020404" pitchFamily="49" charset="0"/>
+              <a:buChar char="o"/>
+            </a:pPr>
+            <a:r>
+              <a:rPr lang="en-CA" sz="2000" dirty="0"/>
+              <a:t>Hieroglyphic Stairway</a:t>
+            </a:r>
+          </a:p>
+        </p:txBody>
+      </p:sp>
+      <p:cxnSp>
+        <p:nvCxnSpPr>
+          <p:cNvPr id="79" name="Straight Connector 78">
+            <a:extLst>
+              <a:ext uri="{FF2B5EF4-FFF2-40B4-BE49-F238E27FC236}">
+                <a16:creationId xmlns:a16="http://schemas.microsoft.com/office/drawing/2014/main" id="{1AA718E0-F8D2-4975-85FE-D33E8A7B9176}"/>
+              </a:ext>
+              <a:ext uri="{C183D7F6-B498-43B3-948B-1728B52AA6E4}">
+                <adec:decorative xmlns:adec="http://schemas.microsoft.com/office/drawing/2017/decorative" val="1"/>
+              </a:ext>
+            </a:extLst>
+          </p:cNvPr>
+          <p:cNvCxnSpPr>
+            <a:cxnSpLocks noGrp="1" noRot="1" noChangeAspect="1" noMove="1" noResize="1" noEditPoints="1" noAdjustHandles="1" noChangeArrowheads="1" noChangeShapeType="1"/>
+          </p:cNvCxnSpPr>
+          <p:nvPr>
+            <p:extLst>
+              <p:ext uri="{386F3935-93C4-4BCD-93E2-E3B085C9AB24}">
+                <p16:designElem xmlns:p16="http://schemas.microsoft.com/office/powerpoint/2015/main" val="1"/>
+              </p:ext>
+            </p:extLst>
+          </p:nvPr>
+        </p:nvCxnSpPr>
+        <p:spPr>
+          <a:xfrm>
+            <a:off x="4064319" y="-680"/>
+            <a:ext cx="0" cy="6858003"/>
+          </a:xfrm>
+          <a:prstGeom prst="line">
+            <a:avLst/>
+          </a:prstGeom>
+          <a:ln w="101600">
+            <a:solidFill>
+              <a:schemeClr val="bg1">
+                <a:lumMod val="75000"/>
+                <a:lumOff val="25000"/>
+              </a:schemeClr>
+            </a:solidFill>
+          </a:ln>
+        </p:spPr>
+        <p:style>
+          <a:lnRef idx="1">
+            <a:schemeClr val="accent1"/>
+          </a:lnRef>
+          <a:fillRef idx="0">
+            <a:schemeClr val="accent1"/>
+          </a:fillRef>
+          <a:effectRef idx="0">
+            <a:schemeClr val="accent1"/>
+          </a:effectRef>
+          <a:fontRef idx="minor">
+            <a:schemeClr val="tx1"/>
+          </a:fontRef>
+        </p:style>
+      </p:cxnSp>
+    </p:spTree>
+    <p:extLst>
+      <p:ext uri="{BB962C8B-B14F-4D97-AF65-F5344CB8AC3E}">
+        <p14:creationId xmlns:p14="http://schemas.microsoft.com/office/powerpoint/2010/main" val="2600087740"/>
+      </p:ext>
+    </p:extLst>
+  </p:cSld>
+  <p:clrMapOvr>
+    <a:overrideClrMapping bg1="dk1" tx1="lt1" bg2="dk2" tx2="lt2" accent1="accent1" accent2="accent2" accent3="accent3" accent4="accent4" accent5="accent5" accent6="accent6" hlink="hlink" folHlink="folHlink"/>
+  </p:clrMapOvr>
+</p:sld>
+</file>
+
+<file path=ppt/slides/slide9.xml><?xml version="1.0" encoding="utf-8"?>
+<p:sld xmlns:a="http://schemas.openxmlformats.org/drawingml/2006/main" xmlns:r="http://schemas.openxmlformats.org/officeDocument/2006/relationships" xmlns:p="http://schemas.openxmlformats.org/presentationml/2006/main">
+  <p:cSld>
+    <p:bg>
+      <p:bgPr>
+        <a:solidFill>
+          <a:schemeClr val="bg1"/>
+        </a:solidFill>
+        <a:effectLst/>
+      </p:bgPr>
+    </p:bg>
+    <p:spTree>
+      <p:nvGrpSpPr>
+        <p:cNvPr id="1" name=""/>
+        <p:cNvGrpSpPr/>
+        <p:nvPr/>
+      </p:nvGrpSpPr>
+      <p:grpSpPr>
+        <a:xfrm>
+          <a:off x="0" y="0"/>
+          <a:ext cx="0" cy="0"/>
+          <a:chOff x="0" y="0"/>
+          <a:chExt cx="0" cy="0"/>
+        </a:xfrm>
+      </p:grpSpPr>
+      <p:sp useBgFill="1">
+        <p:nvSpPr>
+          <p:cNvPr id="71" name="Rectangle 70">
+            <a:extLst>
+              <a:ext uri="{FF2B5EF4-FFF2-40B4-BE49-F238E27FC236}">
+                <a16:creationId xmlns:a16="http://schemas.microsoft.com/office/drawing/2014/main" id="{C1DD1A8A-57D5-4A81-AD04-532B043C5611}"/>
+              </a:ext>
+              <a:ext uri="{C183D7F6-B498-43B3-948B-1728B52AA6E4}">
+                <adec:decorative xmlns:adec="http://schemas.microsoft.com/office/drawing/2017/decorative" val="1"/>
+              </a:ext>
+            </a:extLst>
+          </p:cNvPr>
+          <p:cNvSpPr>
+            <a:spLocks noGrp="1" noRot="1" noChangeAspect="1" noMove="1" noResize="1" noEditPoints="1" noAdjustHandles="1" noChangeArrowheads="1" noChangeShapeType="1" noTextEdit="1"/>
+          </p:cNvSpPr>
+          <p:nvPr>
+            <p:extLst>
+              <p:ext uri="{386F3935-93C4-4BCD-93E2-E3B085C9AB24}">
+                <p16:designElem xmlns:p16="http://schemas.microsoft.com/office/powerpoint/2015/main" val="1"/>
+              </p:ext>
+            </p:extLst>
+          </p:nvPr>
+        </p:nvSpPr>
+        <p:spPr>
+          <a:xfrm>
+            <a:off x="-1" y="0"/>
+            <a:ext cx="12188952" cy="6858000"/>
+          </a:xfrm>
+          <a:prstGeom prst="rect">
+            <a:avLst/>
+          </a:prstGeom>
           <a:ln>
             <a:noFill/>
           </a:ln>
@@ -5050,9 +10062,7 @@
           </a:fontRef>
         </p:style>
         <p:txBody>
-          <a:bodyPr wrap="square" rtlCol="0" anchor="ctr">
-            <a:noAutofit/>
-          </a:bodyPr>
+          <a:bodyPr rtlCol="0" anchor="ctr"/>
           <a:lstStyle/>
           <a:p>
             <a:pPr algn="ctr"/>
@@ -5060,84 +10070,186 @@
           </a:p>
         </p:txBody>
       </p:sp>
-      <p:sp>
-        <p:nvSpPr>
-          <p:cNvPr id="2" name="Title 1">
-            <a:extLst>
-              <a:ext uri="{FF2B5EF4-FFF2-40B4-BE49-F238E27FC236}">
-                <a16:creationId xmlns:a16="http://schemas.microsoft.com/office/drawing/2014/main" id="{55F4EEA6-F6B7-43C8-8973-3BB9DC8A025C}"/>
-              </a:ext>
-            </a:extLst>
-          </p:cNvPr>
-          <p:cNvSpPr>
-            <a:spLocks noGrp="1"/>
-          </p:cNvSpPr>
-          <p:nvPr>
-            <p:ph type="title"/>
+      <p:pic>
+        <p:nvPicPr>
+          <p:cNvPr id="6146" name="Picture 2" descr="Honduras Animals - Wildlife in Honduras">
+            <a:extLst>
+              <a:ext uri="{FF2B5EF4-FFF2-40B4-BE49-F238E27FC236}">
+                <a16:creationId xmlns:a16="http://schemas.microsoft.com/office/drawing/2014/main" id="{53954B21-29DB-4353-9CA1-5EC0657FB3A8}"/>
+              </a:ext>
+            </a:extLst>
+          </p:cNvPr>
+          <p:cNvPicPr>
+            <a:picLocks noChangeAspect="1" noChangeArrowheads="1"/>
+          </p:cNvPicPr>
+          <p:nvPr/>
+        </p:nvPicPr>
+        <p:blipFill rotWithShape="1">
+          <a:blip r:embed="rId3">
+            <a:extLst>
+              <a:ext uri="{28A0092B-C50C-407E-A947-70E740481C1C}">
+                <a14:useLocalDpi xmlns:a14="http://schemas.microsoft.com/office/drawing/2010/main" val="0"/>
+              </a:ext>
+            </a:extLst>
+          </a:blip>
+          <a:srcRect t="17637" b="3966"/>
+          <a:stretch/>
+        </p:blipFill>
+        <p:spPr bwMode="auto">
+          <a:xfrm>
+            <a:off x="-3047" y="10"/>
+            <a:ext cx="12191999" cy="6857990"/>
+          </a:xfrm>
+          <a:prstGeom prst="rect">
+            <a:avLst/>
+          </a:prstGeom>
+          <a:noFill/>
+          <a:extLst>
+            <a:ext uri="{909E8E84-426E-40DD-AFC4-6F175D3DCCD1}">
+              <a14:hiddenFill xmlns:a14="http://schemas.microsoft.com/office/drawing/2010/main">
+                <a:solidFill>
+                  <a:srgbClr val="FFFFFF"/>
+                </a:solidFill>
+              </a14:hiddenFill>
+            </a:ext>
+          </a:extLst>
+        </p:spPr>
+      </p:pic>
+      <p:sp>
+        <p:nvSpPr>
+          <p:cNvPr id="73" name="Rectangle 72">
+            <a:extLst>
+              <a:ext uri="{FF2B5EF4-FFF2-40B4-BE49-F238E27FC236}">
+                <a16:creationId xmlns:a16="http://schemas.microsoft.com/office/drawing/2014/main" id="{007891EC-4501-44ED-A8C8-B11B6DB767AB}"/>
+              </a:ext>
+              <a:ext uri="{C183D7F6-B498-43B3-948B-1728B52AA6E4}">
+                <adec:decorative xmlns:adec="http://schemas.microsoft.com/office/drawing/2017/decorative" val="1"/>
+              </a:ext>
+            </a:extLst>
+          </p:cNvPr>
+          <p:cNvSpPr>
+            <a:spLocks noGrp="1" noRot="1" noChangeAspect="1" noMove="1" noResize="1" noEditPoints="1" noAdjustHandles="1" noChangeArrowheads="1" noChangeShapeType="1" noTextEdit="1"/>
+          </p:cNvSpPr>
+          <p:nvPr>
+            <p:extLst>
+              <p:ext uri="{386F3935-93C4-4BCD-93E2-E3B085C9AB24}">
+                <p16:designElem xmlns:p16="http://schemas.microsoft.com/office/powerpoint/2015/main" val="1"/>
+              </p:ext>
+            </p:extLst>
           </p:nvPr>
         </p:nvSpPr>
         <p:spPr>
           <a:xfrm>
-            <a:off x="618062" y="4185749"/>
-            <a:ext cx="9265771" cy="622836"/>
+            <a:off x="0" y="2207602"/>
+            <a:ext cx="12191999" cy="3162146"/>
           </a:xfrm>
+          <a:prstGeom prst="rect">
+            <a:avLst/>
+          </a:prstGeom>
+          <a:gradFill flip="none" rotWithShape="1">
+            <a:gsLst>
+              <a:gs pos="0">
+                <a:srgbClr val="000000">
+                  <a:alpha val="0"/>
+                </a:srgbClr>
+              </a:gs>
+              <a:gs pos="25000">
+                <a:srgbClr val="000000">
+                  <a:alpha val="15000"/>
+                </a:srgbClr>
+              </a:gs>
+              <a:gs pos="75000">
+                <a:srgbClr val="000000">
+                  <a:alpha val="15000"/>
+                </a:srgbClr>
+              </a:gs>
+              <a:gs pos="50000">
+                <a:srgbClr val="000000">
+                  <a:alpha val="30000"/>
+                </a:srgbClr>
+              </a:gs>
+              <a:gs pos="100000">
+                <a:srgbClr val="000000">
+                  <a:alpha val="0"/>
+                </a:srgbClr>
+              </a:gs>
+            </a:gsLst>
+            <a:lin ang="16200000" scaled="1"/>
+            <a:tileRect/>
+          </a:gradFill>
+          <a:ln>
+            <a:noFill/>
+          </a:ln>
         </p:spPr>
-        <p:txBody>
-          <a:bodyPr>
+        <p:style>
+          <a:lnRef idx="2">
+            <a:schemeClr val="accent1">
+              <a:shade val="50000"/>
+            </a:schemeClr>
+          </a:lnRef>
+          <a:fillRef idx="1">
+            <a:schemeClr val="accent1"/>
+          </a:fillRef>
+          <a:effectRef idx="0">
+            <a:schemeClr val="accent1"/>
+          </a:effectRef>
+          <a:fontRef idx="minor">
+            <a:schemeClr val="lt1"/>
+          </a:fontRef>
+        </p:style>
+        <p:txBody>
+          <a:bodyPr rtlCol="0" anchor="ctr"/>
+          <a:lstStyle/>
+          <a:p>
+            <a:pPr algn="ctr"/>
+            <a:endParaRPr lang="en-US"/>
+          </a:p>
+        </p:txBody>
+      </p:sp>
+      <p:sp>
+        <p:nvSpPr>
+          <p:cNvPr id="2" name="Title 1">
+            <a:extLst>
+              <a:ext uri="{FF2B5EF4-FFF2-40B4-BE49-F238E27FC236}">
+                <a16:creationId xmlns:a16="http://schemas.microsoft.com/office/drawing/2014/main" id="{E3AF2F45-DACC-4D07-9CD3-DE06B170F378}"/>
+              </a:ext>
+            </a:extLst>
+          </p:cNvPr>
+          <p:cNvSpPr>
+            <a:spLocks noGrp="1"/>
+          </p:cNvSpPr>
+          <p:nvPr>
+            <p:ph type="title"/>
+          </p:nvPr>
+        </p:nvSpPr>
+        <p:spPr>
+          <a:xfrm>
+            <a:off x="1097280" y="325550"/>
+            <a:ext cx="10058400" cy="3574778"/>
+          </a:xfrm>
+          <a:effectLst>
+            <a:outerShdw blurRad="50800" dist="38100" dir="2700000" algn="tl" rotWithShape="0">
+              <a:prstClr val="black">
+                <a:alpha val="40000"/>
+              </a:prstClr>
+            </a:outerShdw>
+          </a:effectLst>
+        </p:spPr>
+        <p:txBody>
+          <a:bodyPr vert="horz" lIns="91440" tIns="45720" rIns="91440" bIns="45720" rtlCol="0" anchor="b">
             <a:normAutofit/>
           </a:bodyPr>
           <a:lstStyle/>
           <a:p>
-            <a:r>
-              <a:rPr lang="en-CA" sz="3600"/>
-              <a:t>Tourist Attractions</a:t>
-            </a:r>
-          </a:p>
-        </p:txBody>
-      </p:sp>
-      <p:sp>
-        <p:nvSpPr>
-          <p:cNvPr id="3" name="Content Placeholder 2">
-            <a:extLst>
-              <a:ext uri="{FF2B5EF4-FFF2-40B4-BE49-F238E27FC236}">
-                <a16:creationId xmlns:a16="http://schemas.microsoft.com/office/drawing/2014/main" id="{4BBCBD43-CE1E-4DB3-8DDE-4C5B9899804B}"/>
-              </a:ext>
-            </a:extLst>
-          </p:cNvPr>
-          <p:cNvSpPr>
-            <a:spLocks noGrp="1"/>
-          </p:cNvSpPr>
-          <p:nvPr>
-            <p:ph idx="1"/>
-          </p:nvPr>
-        </p:nvSpPr>
-        <p:spPr>
-          <a:xfrm>
-            <a:off x="618063" y="4856921"/>
-            <a:ext cx="9565028" cy="1249240"/>
-          </a:xfrm>
-        </p:spPr>
-        <p:txBody>
-          <a:bodyPr>
-            <a:normAutofit/>
-          </a:bodyPr>
-          <a:lstStyle/>
-          <a:p>
-            <a:r>
-              <a:rPr lang="en-CA" sz="1800"/>
-              <a:t>Attr1</a:t>
-            </a:r>
-          </a:p>
-          <a:p>
-            <a:r>
-              <a:rPr lang="en-CA" sz="1800"/>
-              <a:t>Attr2</a:t>
-            </a:r>
-          </a:p>
-          <a:p>
-            <a:r>
-              <a:rPr lang="en-CA" sz="1800"/>
-              <a:t>Attr3</a:t>
+            <a:pPr algn="ctr"/>
+            <a:r>
+              <a:rPr lang="en-US" sz="11500" dirty="0">
+                <a:solidFill>
+                  <a:srgbClr val="00B050"/>
+                </a:solidFill>
+                <a:latin typeface="Algerian" panose="04020705040A02060702" pitchFamily="82" charset="0"/>
+              </a:rPr>
+              <a:t>Adios! </a:t>
             </a:r>
           </a:p>
         </p:txBody>
@@ -5145,256 +10257,7 @@
     </p:spTree>
     <p:extLst>
       <p:ext uri="{BB962C8B-B14F-4D97-AF65-F5344CB8AC3E}">
-        <p14:creationId xmlns:p14="http://schemas.microsoft.com/office/powerpoint/2010/main" val="2024481591"/>
-      </p:ext>
-    </p:extLst>
-  </p:cSld>
-  <p:clrMapOvr>
-    <a:overrideClrMapping bg1="dk1" tx1="lt1" bg2="dk2" tx2="lt2" accent1="accent1" accent2="accent2" accent3="accent3" accent4="accent4" accent5="accent5" accent6="accent6" hlink="hlink" folHlink="folHlink"/>
-  </p:clrMapOvr>
-</p:sld>
-</file>
-
-<file path=ppt/slides/slide4.xml><?xml version="1.0" encoding="utf-8"?>
-<p:sld xmlns:a="http://schemas.openxmlformats.org/drawingml/2006/main" xmlns:r="http://schemas.openxmlformats.org/officeDocument/2006/relationships" xmlns:p="http://schemas.openxmlformats.org/presentationml/2006/main">
-  <p:cSld>
-    <p:spTree>
-      <p:nvGrpSpPr>
-        <p:cNvPr id="1" name=""/>
-        <p:cNvGrpSpPr/>
-        <p:nvPr/>
-      </p:nvGrpSpPr>
-      <p:grpSpPr>
-        <a:xfrm>
-          <a:off x="0" y="0"/>
-          <a:ext cx="0" cy="0"/>
-          <a:chOff x="0" y="0"/>
-          <a:chExt cx="0" cy="0"/>
-        </a:xfrm>
-      </p:grpSpPr>
-      <p:sp>
-        <p:nvSpPr>
-          <p:cNvPr id="2" name="Title 1">
-            <a:extLst>
-              <a:ext uri="{FF2B5EF4-FFF2-40B4-BE49-F238E27FC236}">
-                <a16:creationId xmlns:a16="http://schemas.microsoft.com/office/drawing/2014/main" id="{A2060C3B-CE2F-4FF2-8D9A-9D03AB899875}"/>
-              </a:ext>
-            </a:extLst>
-          </p:cNvPr>
-          <p:cNvSpPr>
-            <a:spLocks noGrp="1"/>
-          </p:cNvSpPr>
-          <p:nvPr>
-            <p:ph type="title"/>
-          </p:nvPr>
-        </p:nvSpPr>
-        <p:spPr/>
-        <p:txBody>
-          <a:bodyPr/>
-          <a:lstStyle/>
-          <a:p>
-            <a:r>
-              <a:rPr lang="en-CA" dirty="0"/>
-              <a:t>Attraction 1</a:t>
-            </a:r>
-          </a:p>
-        </p:txBody>
-      </p:sp>
-      <p:sp>
-        <p:nvSpPr>
-          <p:cNvPr id="3" name="Content Placeholder 2">
-            <a:extLst>
-              <a:ext uri="{FF2B5EF4-FFF2-40B4-BE49-F238E27FC236}">
-                <a16:creationId xmlns:a16="http://schemas.microsoft.com/office/drawing/2014/main" id="{FFBDBE2F-A77C-4F8A-BB04-AB8727DAF715}"/>
-              </a:ext>
-            </a:extLst>
-          </p:cNvPr>
-          <p:cNvSpPr>
-            <a:spLocks noGrp="1"/>
-          </p:cNvSpPr>
-          <p:nvPr>
-            <p:ph idx="1"/>
-          </p:nvPr>
-        </p:nvSpPr>
-        <p:spPr/>
-        <p:txBody>
-          <a:bodyPr/>
-          <a:lstStyle/>
-          <a:p>
-            <a:endParaRPr lang="en-CA"/>
-          </a:p>
-        </p:txBody>
-      </p:sp>
-    </p:spTree>
-    <p:extLst>
-      <p:ext uri="{BB962C8B-B14F-4D97-AF65-F5344CB8AC3E}">
-        <p14:creationId xmlns:p14="http://schemas.microsoft.com/office/powerpoint/2010/main" val="444604767"/>
-      </p:ext>
-    </p:extLst>
-  </p:cSld>
-  <p:clrMapOvr>
-    <a:masterClrMapping/>
-  </p:clrMapOvr>
-</p:sld>
-</file>
-
-<file path=ppt/slides/slide5.xml><?xml version="1.0" encoding="utf-8"?>
-<p:sld xmlns:a="http://schemas.openxmlformats.org/drawingml/2006/main" xmlns:r="http://schemas.openxmlformats.org/officeDocument/2006/relationships" xmlns:p="http://schemas.openxmlformats.org/presentationml/2006/main">
-  <p:cSld>
-    <p:spTree>
-      <p:nvGrpSpPr>
-        <p:cNvPr id="1" name=""/>
-        <p:cNvGrpSpPr/>
-        <p:nvPr/>
-      </p:nvGrpSpPr>
-      <p:grpSpPr>
-        <a:xfrm>
-          <a:off x="0" y="0"/>
-          <a:ext cx="0" cy="0"/>
-          <a:chOff x="0" y="0"/>
-          <a:chExt cx="0" cy="0"/>
-        </a:xfrm>
-      </p:grpSpPr>
-      <p:sp>
-        <p:nvSpPr>
-          <p:cNvPr id="2" name="Title 1">
-            <a:extLst>
-              <a:ext uri="{FF2B5EF4-FFF2-40B4-BE49-F238E27FC236}">
-                <a16:creationId xmlns:a16="http://schemas.microsoft.com/office/drawing/2014/main" id="{47649EF1-8ACF-4399-AE97-4D14227BEA26}"/>
-              </a:ext>
-            </a:extLst>
-          </p:cNvPr>
-          <p:cNvSpPr>
-            <a:spLocks noGrp="1"/>
-          </p:cNvSpPr>
-          <p:nvPr>
-            <p:ph type="title"/>
-          </p:nvPr>
-        </p:nvSpPr>
-        <p:spPr/>
-        <p:txBody>
-          <a:bodyPr/>
-          <a:lstStyle/>
-          <a:p>
-            <a:r>
-              <a:rPr lang="en-CA" dirty="0"/>
-              <a:t>Attraction 2</a:t>
-            </a:r>
-          </a:p>
-        </p:txBody>
-      </p:sp>
-      <p:sp>
-        <p:nvSpPr>
-          <p:cNvPr id="3" name="Content Placeholder 2">
-            <a:extLst>
-              <a:ext uri="{FF2B5EF4-FFF2-40B4-BE49-F238E27FC236}">
-                <a16:creationId xmlns:a16="http://schemas.microsoft.com/office/drawing/2014/main" id="{8CDFF1A0-A9C7-4882-8003-038D0D72C0E2}"/>
-              </a:ext>
-            </a:extLst>
-          </p:cNvPr>
-          <p:cNvSpPr>
-            <a:spLocks noGrp="1"/>
-          </p:cNvSpPr>
-          <p:nvPr>
-            <p:ph idx="1"/>
-          </p:nvPr>
-        </p:nvSpPr>
-        <p:spPr/>
-        <p:txBody>
-          <a:bodyPr/>
-          <a:lstStyle/>
-          <a:p>
-            <a:endParaRPr lang="en-CA"/>
-          </a:p>
-        </p:txBody>
-      </p:sp>
-    </p:spTree>
-    <p:extLst>
-      <p:ext uri="{BB962C8B-B14F-4D97-AF65-F5344CB8AC3E}">
-        <p14:creationId xmlns:p14="http://schemas.microsoft.com/office/powerpoint/2010/main" val="880438098"/>
-      </p:ext>
-    </p:extLst>
-  </p:cSld>
-  <p:clrMapOvr>
-    <a:masterClrMapping/>
-  </p:clrMapOvr>
-</p:sld>
-</file>
-
-<file path=ppt/slides/slide6.xml><?xml version="1.0" encoding="utf-8"?>
-<p:sld xmlns:a="http://schemas.openxmlformats.org/drawingml/2006/main" xmlns:r="http://schemas.openxmlformats.org/officeDocument/2006/relationships" xmlns:p="http://schemas.openxmlformats.org/presentationml/2006/main">
-  <p:cSld>
-    <p:spTree>
-      <p:nvGrpSpPr>
-        <p:cNvPr id="1" name=""/>
-        <p:cNvGrpSpPr/>
-        <p:nvPr/>
-      </p:nvGrpSpPr>
-      <p:grpSpPr>
-        <a:xfrm>
-          <a:off x="0" y="0"/>
-          <a:ext cx="0" cy="0"/>
-          <a:chOff x="0" y="0"/>
-          <a:chExt cx="0" cy="0"/>
-        </a:xfrm>
-      </p:grpSpPr>
-      <p:sp>
-        <p:nvSpPr>
-          <p:cNvPr id="2" name="Title 1">
-            <a:extLst>
-              <a:ext uri="{FF2B5EF4-FFF2-40B4-BE49-F238E27FC236}">
-                <a16:creationId xmlns:a16="http://schemas.microsoft.com/office/drawing/2014/main" id="{C36D507B-29DA-4A88-A2C5-F2B3761910EC}"/>
-              </a:ext>
-            </a:extLst>
-          </p:cNvPr>
-          <p:cNvSpPr>
-            <a:spLocks noGrp="1"/>
-          </p:cNvSpPr>
-          <p:nvPr>
-            <p:ph type="title"/>
-          </p:nvPr>
-        </p:nvSpPr>
-        <p:spPr/>
-        <p:txBody>
-          <a:bodyPr/>
-          <a:lstStyle/>
-          <a:p>
-            <a:r>
-              <a:rPr lang="en-CA" dirty="0"/>
-              <a:t>Culture</a:t>
-            </a:r>
-          </a:p>
-        </p:txBody>
-      </p:sp>
-      <p:sp>
-        <p:nvSpPr>
-          <p:cNvPr id="3" name="Content Placeholder 2">
-            <a:extLst>
-              <a:ext uri="{FF2B5EF4-FFF2-40B4-BE49-F238E27FC236}">
-                <a16:creationId xmlns:a16="http://schemas.microsoft.com/office/drawing/2014/main" id="{2A3B8408-419F-463C-A612-39F95DBFFB24}"/>
-              </a:ext>
-            </a:extLst>
-          </p:cNvPr>
-          <p:cNvSpPr>
-            <a:spLocks noGrp="1"/>
-          </p:cNvSpPr>
-          <p:nvPr>
-            <p:ph idx="1"/>
-          </p:nvPr>
-        </p:nvSpPr>
-        <p:spPr/>
-        <p:txBody>
-          <a:bodyPr/>
-          <a:lstStyle/>
-          <a:p>
-            <a:endParaRPr lang="en-CA"/>
-          </a:p>
-        </p:txBody>
-      </p:sp>
-    </p:spTree>
-    <p:extLst>
-      <p:ext uri="{BB962C8B-B14F-4D97-AF65-F5344CB8AC3E}">
-        <p14:creationId xmlns:p14="http://schemas.microsoft.com/office/powerpoint/2010/main" val="530916011"/>
+        <p14:creationId xmlns:p14="http://schemas.microsoft.com/office/powerpoint/2010/main" val="469071829"/>
       </p:ext>
     </p:extLst>
   </p:cSld>
